--- a/4_sem_mediation/figures/lab4_simple_mediation1.pptx
+++ b/4_sem_mediation/figures/lab4_simple_mediation1.pptx
@@ -197,7 +197,7 @@
           <a:p>
             <a:fld id="{FA914575-E7EC-47B9-974E-E63DD587881C}" type="datetimeFigureOut">
               <a:rPr lang="en-US" smtClean="0"/>
-              <a:t>7/3/2022</a:t>
+              <a:t>8/17/2023</a:t>
             </a:fld>
             <a:endParaRPr lang="en-US"/>
           </a:p>
@@ -684,7 +684,7 @@
           <a:p>
             <a:fld id="{D0117812-9019-4EF8-BBCE-D5F16AD1EFE7}" type="datetimeFigureOut">
               <a:rPr lang="en-US" smtClean="0"/>
-              <a:t>7/3/2022</a:t>
+              <a:t>8/17/2023</a:t>
             </a:fld>
             <a:endParaRPr lang="en-US"/>
           </a:p>
@@ -854,7 +854,7 @@
           <a:p>
             <a:fld id="{D0117812-9019-4EF8-BBCE-D5F16AD1EFE7}" type="datetimeFigureOut">
               <a:rPr lang="en-US" smtClean="0"/>
-              <a:t>7/3/2022</a:t>
+              <a:t>8/17/2023</a:t>
             </a:fld>
             <a:endParaRPr lang="en-US"/>
           </a:p>
@@ -1034,7 +1034,7 @@
           <a:p>
             <a:fld id="{D0117812-9019-4EF8-BBCE-D5F16AD1EFE7}" type="datetimeFigureOut">
               <a:rPr lang="en-US" smtClean="0"/>
-              <a:t>7/3/2022</a:t>
+              <a:t>8/17/2023</a:t>
             </a:fld>
             <a:endParaRPr lang="en-US"/>
           </a:p>
@@ -1204,7 +1204,7 @@
           <a:p>
             <a:fld id="{D0117812-9019-4EF8-BBCE-D5F16AD1EFE7}" type="datetimeFigureOut">
               <a:rPr lang="en-US" smtClean="0"/>
-              <a:t>7/3/2022</a:t>
+              <a:t>8/17/2023</a:t>
             </a:fld>
             <a:endParaRPr lang="en-US"/>
           </a:p>
@@ -1448,7 +1448,7 @@
           <a:p>
             <a:fld id="{D0117812-9019-4EF8-BBCE-D5F16AD1EFE7}" type="datetimeFigureOut">
               <a:rPr lang="en-US" smtClean="0"/>
-              <a:t>7/3/2022</a:t>
+              <a:t>8/17/2023</a:t>
             </a:fld>
             <a:endParaRPr lang="en-US"/>
           </a:p>
@@ -1680,7 +1680,7 @@
           <a:p>
             <a:fld id="{D0117812-9019-4EF8-BBCE-D5F16AD1EFE7}" type="datetimeFigureOut">
               <a:rPr lang="en-US" smtClean="0"/>
-              <a:t>7/3/2022</a:t>
+              <a:t>8/17/2023</a:t>
             </a:fld>
             <a:endParaRPr lang="en-US"/>
           </a:p>
@@ -2047,7 +2047,7 @@
           <a:p>
             <a:fld id="{D0117812-9019-4EF8-BBCE-D5F16AD1EFE7}" type="datetimeFigureOut">
               <a:rPr lang="en-US" smtClean="0"/>
-              <a:t>7/3/2022</a:t>
+              <a:t>8/17/2023</a:t>
             </a:fld>
             <a:endParaRPr lang="en-US"/>
           </a:p>
@@ -2165,7 +2165,7 @@
           <a:p>
             <a:fld id="{D0117812-9019-4EF8-BBCE-D5F16AD1EFE7}" type="datetimeFigureOut">
               <a:rPr lang="en-US" smtClean="0"/>
-              <a:t>7/3/2022</a:t>
+              <a:t>8/17/2023</a:t>
             </a:fld>
             <a:endParaRPr lang="en-US"/>
           </a:p>
@@ -2260,7 +2260,7 @@
           <a:p>
             <a:fld id="{D0117812-9019-4EF8-BBCE-D5F16AD1EFE7}" type="datetimeFigureOut">
               <a:rPr lang="en-US" smtClean="0"/>
-              <a:t>7/3/2022</a:t>
+              <a:t>8/17/2023</a:t>
             </a:fld>
             <a:endParaRPr lang="en-US"/>
           </a:p>
@@ -2537,7 +2537,7 @@
           <a:p>
             <a:fld id="{D0117812-9019-4EF8-BBCE-D5F16AD1EFE7}" type="datetimeFigureOut">
               <a:rPr lang="en-US" smtClean="0"/>
-              <a:t>7/3/2022</a:t>
+              <a:t>8/17/2023</a:t>
             </a:fld>
             <a:endParaRPr lang="en-US"/>
           </a:p>
@@ -2794,7 +2794,7 @@
           <a:p>
             <a:fld id="{D0117812-9019-4EF8-BBCE-D5F16AD1EFE7}" type="datetimeFigureOut">
               <a:rPr lang="en-US" smtClean="0"/>
-              <a:t>7/3/2022</a:t>
+              <a:t>8/17/2023</a:t>
             </a:fld>
             <a:endParaRPr lang="en-US"/>
           </a:p>
@@ -3007,7 +3007,7 @@
           <a:p>
             <a:fld id="{D0117812-9019-4EF8-BBCE-D5F16AD1EFE7}" type="datetimeFigureOut">
               <a:rPr lang="en-US" smtClean="0"/>
-              <a:t>7/3/2022</a:t>
+              <a:t>8/17/2023</a:t>
             </a:fld>
             <a:endParaRPr lang="en-US"/>
           </a:p>
@@ -3412,12 +3412,291 @@
           <a:chExt cx="0" cy="0"/>
         </a:xfrm>
       </p:grpSpPr>
+      <p:sp>
+        <p:nvSpPr>
+          <p:cNvPr id="55" name="Rectangle 54"/>
+          <p:cNvSpPr>
+            <a:spLocks noChangeAspect="1"/>
+          </p:cNvSpPr>
+          <p:nvPr/>
+        </p:nvSpPr>
+        <p:spPr>
+          <a:xfrm>
+            <a:off x="359181" y="1640291"/>
+            <a:ext cx="1188000" cy="1188000"/>
+          </a:xfrm>
+          <a:prstGeom prst="rect">
+            <a:avLst/>
+          </a:prstGeom>
+          <a:solidFill>
+            <a:schemeClr val="bg1"/>
+          </a:solidFill>
+          <a:ln w="19050">
+            <a:solidFill>
+              <a:schemeClr val="tx1"/>
+            </a:solidFill>
+          </a:ln>
+        </p:spPr>
+        <p:style>
+          <a:lnRef idx="2">
+            <a:schemeClr val="accent1">
+              <a:shade val="50000"/>
+            </a:schemeClr>
+          </a:lnRef>
+          <a:fillRef idx="1">
+            <a:schemeClr val="accent1"/>
+          </a:fillRef>
+          <a:effectRef idx="0">
+            <a:schemeClr val="accent1"/>
+          </a:effectRef>
+          <a:fontRef idx="minor">
+            <a:schemeClr val="lt1"/>
+          </a:fontRef>
+        </p:style>
+        <p:txBody>
+          <a:bodyPr rot="0" spcFirstLastPara="0" vertOverflow="overflow" horzOverflow="overflow" vert="horz" wrap="square" lIns="91440" tIns="45720" rIns="91440" bIns="45720" numCol="1" spcCol="0" rtlCol="0" fromWordArt="0" anchor="ctr" anchorCtr="0" forceAA="0" compatLnSpc="1">
+            <a:prstTxWarp prst="textNoShape">
+              <a:avLst/>
+            </a:prstTxWarp>
+            <a:noAutofit/>
+          </a:bodyPr>
+          <a:lstStyle/>
+          <a:p>
+            <a:pPr algn="ctr"/>
+            <a:r>
+              <a:rPr lang="en-US" sz="1600" dirty="0">
+                <a:solidFill>
+                  <a:schemeClr val="tx1"/>
+                </a:solidFill>
+                <a:latin typeface="Times New Roman" panose="02020603050405020304" pitchFamily="18" charset="0"/>
+                <a:cs typeface="Times New Roman" panose="02020603050405020304" pitchFamily="18" charset="0"/>
+              </a:rPr>
+              <a:t>Age</a:t>
+            </a:r>
+          </a:p>
+        </p:txBody>
+      </p:sp>
+      <p:cxnSp>
+        <p:nvCxnSpPr>
+          <p:cNvPr id="56" name="Straight Arrow Connector 55"/>
+          <p:cNvCxnSpPr>
+            <a:cxnSpLocks/>
+            <a:stCxn id="55" idx="3"/>
+            <a:endCxn id="126" idx="2"/>
+          </p:cNvCxnSpPr>
+          <p:nvPr/>
+        </p:nvCxnSpPr>
+        <p:spPr>
+          <a:xfrm>
+            <a:off x="1547181" y="2234291"/>
+            <a:ext cx="5142583" cy="0"/>
+          </a:xfrm>
+          <a:prstGeom prst="straightConnector1">
+            <a:avLst/>
+          </a:prstGeom>
+          <a:ln w="19050">
+            <a:solidFill>
+              <a:schemeClr val="tx1"/>
+            </a:solidFill>
+            <a:tailEnd type="triangle"/>
+          </a:ln>
+        </p:spPr>
+        <p:style>
+          <a:lnRef idx="1">
+            <a:schemeClr val="accent1"/>
+          </a:lnRef>
+          <a:fillRef idx="0">
+            <a:schemeClr val="accent1"/>
+          </a:fillRef>
+          <a:effectRef idx="0">
+            <a:schemeClr val="accent1"/>
+          </a:effectRef>
+          <a:fontRef idx="minor">
+            <a:schemeClr val="tx1"/>
+          </a:fontRef>
+        </p:style>
+      </p:cxnSp>
+      <p:cxnSp>
+        <p:nvCxnSpPr>
+          <p:cNvPr id="57" name="Straight Arrow Connector 56"/>
+          <p:cNvCxnSpPr>
+            <a:stCxn id="55" idx="3"/>
+            <a:endCxn id="7" idx="2"/>
+          </p:cNvCxnSpPr>
+          <p:nvPr/>
+        </p:nvCxnSpPr>
+        <p:spPr>
+          <a:xfrm>
+            <a:off x="1547181" y="2234291"/>
+            <a:ext cx="1942681" cy="1852488"/>
+          </a:xfrm>
+          <a:prstGeom prst="straightConnector1">
+            <a:avLst/>
+          </a:prstGeom>
+          <a:ln w="19050">
+            <a:solidFill>
+              <a:schemeClr val="tx1"/>
+            </a:solidFill>
+            <a:tailEnd type="triangle"/>
+          </a:ln>
+        </p:spPr>
+        <p:style>
+          <a:lnRef idx="1">
+            <a:schemeClr val="accent1"/>
+          </a:lnRef>
+          <a:fillRef idx="0">
+            <a:schemeClr val="accent1"/>
+          </a:fillRef>
+          <a:effectRef idx="0">
+            <a:schemeClr val="accent1"/>
+          </a:effectRef>
+          <a:fontRef idx="minor">
+            <a:schemeClr val="tx1"/>
+          </a:fontRef>
+        </p:style>
+      </p:cxnSp>
+      <p:cxnSp>
+        <p:nvCxnSpPr>
+          <p:cNvPr id="58" name="Straight Arrow Connector 57"/>
+          <p:cNvCxnSpPr>
+            <a:cxnSpLocks/>
+            <a:stCxn id="7" idx="6"/>
+            <a:endCxn id="126" idx="2"/>
+          </p:cNvCxnSpPr>
+          <p:nvPr/>
+        </p:nvCxnSpPr>
+        <p:spPr>
+          <a:xfrm flipV="1">
+            <a:off x="4749862" y="2234291"/>
+            <a:ext cx="1939902" cy="1852488"/>
+          </a:xfrm>
+          <a:prstGeom prst="straightConnector1">
+            <a:avLst/>
+          </a:prstGeom>
+          <a:ln w="19050">
+            <a:solidFill>
+              <a:schemeClr val="tx1"/>
+            </a:solidFill>
+            <a:tailEnd type="triangle"/>
+          </a:ln>
+        </p:spPr>
+        <p:style>
+          <a:lnRef idx="1">
+            <a:schemeClr val="accent1"/>
+          </a:lnRef>
+          <a:fillRef idx="0">
+            <a:schemeClr val="accent1"/>
+          </a:fillRef>
+          <a:effectRef idx="0">
+            <a:schemeClr val="accent1"/>
+          </a:effectRef>
+          <a:fontRef idx="minor">
+            <a:schemeClr val="tx1"/>
+          </a:fontRef>
+        </p:style>
+      </p:cxnSp>
+      <p:sp>
+        <p:nvSpPr>
+          <p:cNvPr id="9" name="TextBox 8"/>
+          <p:cNvSpPr txBox="1"/>
+          <p:nvPr/>
+        </p:nvSpPr>
+        <p:spPr>
+          <a:xfrm>
+            <a:off x="2097735" y="2954292"/>
+            <a:ext cx="420786" cy="461665"/>
+          </a:xfrm>
+          <a:prstGeom prst="rect">
+            <a:avLst/>
+          </a:prstGeom>
+          <a:noFill/>
+        </p:spPr>
+        <p:txBody>
+          <a:bodyPr wrap="square" rtlCol="0">
+            <a:spAutoFit/>
+          </a:bodyPr>
+          <a:lstStyle/>
+          <a:p>
+            <a:r>
+              <a:rPr lang="en-US" sz="2400" i="1" dirty="0">
+                <a:latin typeface="Times New Roman" panose="02020603050405020304" pitchFamily="18" charset="0"/>
+                <a:cs typeface="Times New Roman" panose="02020603050405020304" pitchFamily="18" charset="0"/>
+              </a:rPr>
+              <a:t>a</a:t>
+            </a:r>
+          </a:p>
+        </p:txBody>
+      </p:sp>
+      <p:sp>
+        <p:nvSpPr>
+          <p:cNvPr id="39" name="TextBox 38"/>
+          <p:cNvSpPr txBox="1"/>
+          <p:nvPr/>
+        </p:nvSpPr>
+        <p:spPr>
+          <a:xfrm>
+            <a:off x="3902235" y="1775460"/>
+            <a:ext cx="420786" cy="458393"/>
+          </a:xfrm>
+          <a:prstGeom prst="rect">
+            <a:avLst/>
+          </a:prstGeom>
+          <a:noFill/>
+        </p:spPr>
+        <p:txBody>
+          <a:bodyPr wrap="square" rtlCol="0">
+            <a:spAutoFit/>
+          </a:bodyPr>
+          <a:lstStyle/>
+          <a:p>
+            <a:r>
+              <a:rPr lang="en-US" sz="2400" i="1" dirty="0">
+                <a:latin typeface="Times New Roman" panose="02020603050405020304" pitchFamily="18" charset="0"/>
+                <a:cs typeface="Times New Roman" panose="02020603050405020304" pitchFamily="18" charset="0"/>
+              </a:rPr>
+              <a:t>c’</a:t>
+            </a:r>
+          </a:p>
+        </p:txBody>
+      </p:sp>
+      <p:sp>
+        <p:nvSpPr>
+          <p:cNvPr id="40" name="TextBox 39"/>
+          <p:cNvSpPr txBox="1"/>
+          <p:nvPr/>
+        </p:nvSpPr>
+        <p:spPr>
+          <a:xfrm>
+            <a:off x="5815859" y="2929702"/>
+            <a:ext cx="420786" cy="461665"/>
+          </a:xfrm>
+          <a:prstGeom prst="rect">
+            <a:avLst/>
+          </a:prstGeom>
+          <a:noFill/>
+        </p:spPr>
+        <p:txBody>
+          <a:bodyPr wrap="square" rtlCol="0">
+            <a:spAutoFit/>
+          </a:bodyPr>
+          <a:lstStyle/>
+          <a:p>
+            <a:r>
+              <a:rPr lang="en-US" sz="2400" i="1" dirty="0">
+                <a:latin typeface="Times New Roman" panose="02020603050405020304" pitchFamily="18" charset="0"/>
+                <a:cs typeface="Times New Roman" panose="02020603050405020304" pitchFamily="18" charset="0"/>
+              </a:rPr>
+              <a:t>b</a:t>
+            </a:r>
+          </a:p>
+        </p:txBody>
+      </p:sp>
       <p:grpSp>
         <p:nvGrpSpPr>
-          <p:cNvPr id="174" name="Group 173">
+          <p:cNvPr id="95" name="Group 94">
             <a:extLst>
               <a:ext uri="{FF2B5EF4-FFF2-40B4-BE49-F238E27FC236}">
-                <a16:creationId xmlns:a16="http://schemas.microsoft.com/office/drawing/2014/main" id="{FAC5879C-7E4F-4EB0-BC98-FDDFA1AD6E79}"/>
+                <a16:creationId xmlns:a16="http://schemas.microsoft.com/office/drawing/2014/main" id="{B9A8966D-AA78-4453-B719-F7DCD826520C}"/>
               </a:ext>
             </a:extLst>
           </p:cNvPr>
@@ -3426,24 +3705,22 @@
         </p:nvGrpSpPr>
         <p:grpSpPr>
           <a:xfrm>
-            <a:off x="359181" y="124216"/>
-            <a:ext cx="9721038" cy="6592117"/>
-            <a:chOff x="2336709" y="95596"/>
-            <a:chExt cx="9721038" cy="6592117"/>
+            <a:off x="2000298" y="3456779"/>
+            <a:ext cx="4236347" cy="3259554"/>
+            <a:chOff x="2706264" y="2223109"/>
+            <a:chExt cx="4236347" cy="3259554"/>
           </a:xfrm>
         </p:grpSpPr>
         <p:sp>
           <p:nvSpPr>
-            <p:cNvPr id="55" name="Rectangle 54"/>
-            <p:cNvSpPr>
-              <a:spLocks noChangeAspect="1"/>
-            </p:cNvSpPr>
+            <p:cNvPr id="4" name="Rectangle 3"/>
+            <p:cNvSpPr/>
             <p:nvPr/>
           </p:nvSpPr>
           <p:spPr>
             <a:xfrm>
-              <a:off x="2336709" y="1611671"/>
-              <a:ext cx="1188000" cy="1188000"/>
+              <a:off x="3586046" y="4095115"/>
+              <a:ext cx="720000" cy="720000"/>
             </a:xfrm>
             <a:prstGeom prst="rect">
               <a:avLst/>
@@ -3484,6 +3761,187 @@
             <a:p>
               <a:pPr algn="ctr"/>
               <a:r>
+                <a:rPr lang="en-US" sz="1400" dirty="0">
+                  <a:solidFill>
+                    <a:schemeClr val="tx1"/>
+                  </a:solidFill>
+                  <a:latin typeface="Times New Roman" panose="02020603050405020304" pitchFamily="18" charset="0"/>
+                  <a:cs typeface="Times New Roman" panose="02020603050405020304" pitchFamily="18" charset="0"/>
+                </a:rPr>
+                <a:t>math2</a:t>
+              </a:r>
+            </a:p>
+          </p:txBody>
+        </p:sp>
+        <p:sp>
+          <p:nvSpPr>
+            <p:cNvPr id="5" name="Rectangle 4"/>
+            <p:cNvSpPr/>
+            <p:nvPr/>
+          </p:nvSpPr>
+          <p:spPr>
+            <a:xfrm>
+              <a:off x="4465828" y="4096132"/>
+              <a:ext cx="720000" cy="720000"/>
+            </a:xfrm>
+            <a:prstGeom prst="rect">
+              <a:avLst/>
+            </a:prstGeom>
+            <a:solidFill>
+              <a:schemeClr val="bg1"/>
+            </a:solidFill>
+            <a:ln w="19050">
+              <a:solidFill>
+                <a:schemeClr val="tx1"/>
+              </a:solidFill>
+            </a:ln>
+          </p:spPr>
+          <p:style>
+            <a:lnRef idx="2">
+              <a:schemeClr val="accent1">
+                <a:shade val="50000"/>
+              </a:schemeClr>
+            </a:lnRef>
+            <a:fillRef idx="1">
+              <a:schemeClr val="accent1"/>
+            </a:fillRef>
+            <a:effectRef idx="0">
+              <a:schemeClr val="accent1"/>
+            </a:effectRef>
+            <a:fontRef idx="minor">
+              <a:schemeClr val="lt1"/>
+            </a:fontRef>
+          </p:style>
+          <p:txBody>
+            <a:bodyPr rot="0" spcFirstLastPara="0" vertOverflow="overflow" horzOverflow="overflow" vert="horz" wrap="square" lIns="91440" tIns="45720" rIns="91440" bIns="45720" numCol="1" spcCol="0" rtlCol="0" fromWordArt="0" anchor="ctr" anchorCtr="0" forceAA="0" compatLnSpc="1">
+              <a:prstTxWarp prst="textNoShape">
+                <a:avLst/>
+              </a:prstTxWarp>
+              <a:noAutofit/>
+            </a:bodyPr>
+            <a:lstStyle/>
+            <a:p>
+              <a:pPr algn="ctr"/>
+              <a:r>
+                <a:rPr lang="en-US" sz="1400" dirty="0">
+                  <a:solidFill>
+                    <a:schemeClr val="tx1"/>
+                  </a:solidFill>
+                  <a:latin typeface="Times New Roman" panose="02020603050405020304" pitchFamily="18" charset="0"/>
+                  <a:cs typeface="Times New Roman" panose="02020603050405020304" pitchFamily="18" charset="0"/>
+                </a:rPr>
+                <a:t>math3</a:t>
+              </a:r>
+            </a:p>
+          </p:txBody>
+        </p:sp>
+        <p:sp>
+          <p:nvSpPr>
+            <p:cNvPr id="6" name="Rectangle 5"/>
+            <p:cNvSpPr/>
+            <p:nvPr/>
+          </p:nvSpPr>
+          <p:spPr>
+            <a:xfrm>
+              <a:off x="5344220" y="4089448"/>
+              <a:ext cx="720000" cy="720000"/>
+            </a:xfrm>
+            <a:prstGeom prst="rect">
+              <a:avLst/>
+            </a:prstGeom>
+            <a:solidFill>
+              <a:schemeClr val="bg1"/>
+            </a:solidFill>
+            <a:ln w="19050">
+              <a:solidFill>
+                <a:schemeClr val="tx1"/>
+              </a:solidFill>
+            </a:ln>
+          </p:spPr>
+          <p:style>
+            <a:lnRef idx="2">
+              <a:schemeClr val="accent1">
+                <a:shade val="50000"/>
+              </a:schemeClr>
+            </a:lnRef>
+            <a:fillRef idx="1">
+              <a:schemeClr val="accent1"/>
+            </a:fillRef>
+            <a:effectRef idx="0">
+              <a:schemeClr val="accent1"/>
+            </a:effectRef>
+            <a:fontRef idx="minor">
+              <a:schemeClr val="lt1"/>
+            </a:fontRef>
+          </p:style>
+          <p:txBody>
+            <a:bodyPr rot="0" spcFirstLastPara="0" vertOverflow="overflow" horzOverflow="overflow" vert="horz" wrap="square" lIns="91440" tIns="45720" rIns="91440" bIns="45720" numCol="1" spcCol="0" rtlCol="0" fromWordArt="0" anchor="ctr" anchorCtr="0" forceAA="0" compatLnSpc="1">
+              <a:prstTxWarp prst="textNoShape">
+                <a:avLst/>
+              </a:prstTxWarp>
+              <a:noAutofit/>
+            </a:bodyPr>
+            <a:lstStyle/>
+            <a:p>
+              <a:pPr algn="ctr"/>
+              <a:r>
+                <a:rPr lang="en-US" sz="1400" dirty="0">
+                  <a:solidFill>
+                    <a:schemeClr val="tx1"/>
+                  </a:solidFill>
+                  <a:latin typeface="Times New Roman" panose="02020603050405020304" pitchFamily="18" charset="0"/>
+                  <a:cs typeface="Times New Roman" panose="02020603050405020304" pitchFamily="18" charset="0"/>
+                </a:rPr>
+                <a:t>math4</a:t>
+              </a:r>
+            </a:p>
+          </p:txBody>
+        </p:sp>
+        <p:sp>
+          <p:nvSpPr>
+            <p:cNvPr id="7" name="Oval 6"/>
+            <p:cNvSpPr/>
+            <p:nvPr/>
+          </p:nvSpPr>
+          <p:spPr>
+            <a:xfrm>
+              <a:off x="4195828" y="2223109"/>
+              <a:ext cx="1260000" cy="1260000"/>
+            </a:xfrm>
+            <a:prstGeom prst="ellipse">
+              <a:avLst/>
+            </a:prstGeom>
+            <a:solidFill>
+              <a:schemeClr val="bg1"/>
+            </a:solidFill>
+            <a:ln w="19050">
+              <a:solidFill>
+                <a:schemeClr val="tx1"/>
+              </a:solidFill>
+            </a:ln>
+          </p:spPr>
+          <p:style>
+            <a:lnRef idx="2">
+              <a:schemeClr val="accent1">
+                <a:shade val="50000"/>
+              </a:schemeClr>
+            </a:lnRef>
+            <a:fillRef idx="1">
+              <a:schemeClr val="accent1"/>
+            </a:fillRef>
+            <a:effectRef idx="0">
+              <a:schemeClr val="accent1"/>
+            </a:effectRef>
+            <a:fontRef idx="minor">
+              <a:schemeClr val="lt1"/>
+            </a:fontRef>
+          </p:style>
+          <p:txBody>
+            <a:bodyPr rtlCol="0" anchor="ctr"/>
+            <a:lstStyle/>
+            <a:p>
+              <a:pPr algn="ctr"/>
+              <a:r>
                 <a:rPr lang="en-US" sz="1600" dirty="0">
                   <a:solidFill>
                     <a:schemeClr val="tx1"/>
@@ -3491,25 +3949,24 @@
                   <a:latin typeface="Times New Roman" panose="02020603050405020304" pitchFamily="18" charset="0"/>
                   <a:cs typeface="Times New Roman" panose="02020603050405020304" pitchFamily="18" charset="0"/>
                 </a:rPr>
-                <a:t>Age</a:t>
+                <a:t>Math Ability</a:t>
               </a:r>
             </a:p>
           </p:txBody>
         </p:sp>
         <p:cxnSp>
           <p:nvCxnSpPr>
-            <p:cNvPr id="56" name="Straight Arrow Connector 55"/>
+            <p:cNvPr id="8" name="Straight Arrow Connector 7"/>
             <p:cNvCxnSpPr>
-              <a:cxnSpLocks/>
-              <a:stCxn id="55" idx="3"/>
-              <a:endCxn id="126" idx="2"/>
+              <a:stCxn id="7" idx="4"/>
+              <a:endCxn id="4" idx="0"/>
             </p:cNvCxnSpPr>
             <p:nvPr/>
           </p:nvCxnSpPr>
           <p:spPr>
-            <a:xfrm>
-              <a:off x="3524709" y="2205671"/>
-              <a:ext cx="5142583" cy="0"/>
+            <a:xfrm flipH="1">
+              <a:off x="3946046" y="3483109"/>
+              <a:ext cx="879782" cy="612006"/>
             </a:xfrm>
             <a:prstGeom prst="straightConnector1">
               <a:avLst/>
@@ -3538,17 +3995,17 @@
         </p:cxnSp>
         <p:cxnSp>
           <p:nvCxnSpPr>
-            <p:cNvPr id="57" name="Straight Arrow Connector 56"/>
+            <p:cNvPr id="14" name="Straight Arrow Connector 13"/>
             <p:cNvCxnSpPr>
-              <a:stCxn id="55" idx="3"/>
-              <a:endCxn id="7" idx="2"/>
+              <a:stCxn id="7" idx="4"/>
+              <a:endCxn id="5" idx="0"/>
             </p:cNvCxnSpPr>
             <p:nvPr/>
           </p:nvCxnSpPr>
           <p:spPr>
             <a:xfrm>
-              <a:off x="3524709" y="2205671"/>
-              <a:ext cx="1942681" cy="1852488"/>
+              <a:off x="4825828" y="3483109"/>
+              <a:ext cx="0" cy="613023"/>
             </a:xfrm>
             <a:prstGeom prst="straightConnector1">
               <a:avLst/>
@@ -3577,18 +4034,17 @@
         </p:cxnSp>
         <p:cxnSp>
           <p:nvCxnSpPr>
-            <p:cNvPr id="58" name="Straight Arrow Connector 57"/>
+            <p:cNvPr id="15" name="Straight Arrow Connector 14"/>
             <p:cNvCxnSpPr>
-              <a:cxnSpLocks/>
-              <a:stCxn id="7" idx="6"/>
-              <a:endCxn id="126" idx="2"/>
+              <a:stCxn id="7" idx="4"/>
+              <a:endCxn id="6" idx="0"/>
             </p:cNvCxnSpPr>
             <p:nvPr/>
           </p:nvCxnSpPr>
           <p:spPr>
-            <a:xfrm flipV="1">
-              <a:off x="6727390" y="2205671"/>
-              <a:ext cx="1939902" cy="1852488"/>
+            <a:xfrm>
+              <a:off x="4825828" y="3483109"/>
+              <a:ext cx="878392" cy="606339"/>
             </a:xfrm>
             <a:prstGeom prst="straightConnector1">
               <a:avLst/>
@@ -3617,2850 +4073,2357 @@
         </p:cxnSp>
         <p:sp>
           <p:nvSpPr>
-            <p:cNvPr id="9" name="TextBox 8"/>
-            <p:cNvSpPr txBox="1"/>
+            <p:cNvPr id="59" name="Oval 58"/>
+            <p:cNvSpPr>
+              <a:spLocks noChangeAspect="1"/>
+            </p:cNvSpPr>
             <p:nvPr/>
           </p:nvSpPr>
           <p:spPr>
             <a:xfrm>
-              <a:off x="4075263" y="2925672"/>
-              <a:ext cx="420786" cy="461665"/>
+              <a:off x="3730046" y="5050663"/>
+              <a:ext cx="432000" cy="432000"/>
+            </a:xfrm>
+            <a:prstGeom prst="ellipse">
+              <a:avLst/>
+            </a:prstGeom>
+            <a:solidFill>
+              <a:schemeClr val="bg1"/>
+            </a:solidFill>
+            <a:ln w="19050">
+              <a:solidFill>
+                <a:schemeClr val="tx1"/>
+              </a:solidFill>
+            </a:ln>
+          </p:spPr>
+          <p:style>
+            <a:lnRef idx="2">
+              <a:schemeClr val="accent1">
+                <a:shade val="50000"/>
+              </a:schemeClr>
+            </a:lnRef>
+            <a:fillRef idx="1">
+              <a:schemeClr val="accent1"/>
+            </a:fillRef>
+            <a:effectRef idx="0">
+              <a:schemeClr val="accent1"/>
+            </a:effectRef>
+            <a:fontRef idx="minor">
+              <a:schemeClr val="lt1"/>
+            </a:fontRef>
+          </p:style>
+          <p:txBody>
+            <a:bodyPr lIns="0" tIns="0" rIns="0" bIns="0" rtlCol="0" anchor="ctr"/>
+            <a:lstStyle/>
+            <a:p>
+              <a:pPr algn="ctr"/>
+              <a:r>
+                <a:rPr lang="en-US" sz="1400" dirty="0">
+                  <a:solidFill>
+                    <a:schemeClr val="tx1"/>
+                  </a:solidFill>
+                  <a:latin typeface="Times New Roman" panose="02020603050405020304" pitchFamily="18" charset="0"/>
+                  <a:cs typeface="Times New Roman" panose="02020603050405020304" pitchFamily="18" charset="0"/>
+                </a:rPr>
+                <a:t>u</a:t>
+              </a:r>
+              <a:r>
+                <a:rPr lang="en-US" sz="1400" baseline="-25000" dirty="0">
+                  <a:solidFill>
+                    <a:schemeClr val="tx1"/>
+                  </a:solidFill>
+                  <a:latin typeface="Times New Roman" panose="02020603050405020304" pitchFamily="18" charset="0"/>
+                  <a:cs typeface="Times New Roman" panose="02020603050405020304" pitchFamily="18" charset="0"/>
+                </a:rPr>
+                <a:t>m2</a:t>
+              </a:r>
+              <a:endParaRPr lang="en-US" sz="1400" dirty="0">
+                <a:solidFill>
+                  <a:schemeClr val="tx1"/>
+                </a:solidFill>
+                <a:latin typeface="Times New Roman" panose="02020603050405020304" pitchFamily="18" charset="0"/>
+                <a:cs typeface="Times New Roman" panose="02020603050405020304" pitchFamily="18" charset="0"/>
+              </a:endParaRPr>
+            </a:p>
+          </p:txBody>
+        </p:sp>
+        <p:cxnSp>
+          <p:nvCxnSpPr>
+            <p:cNvPr id="61" name="Straight Arrow Connector 60"/>
+            <p:cNvCxnSpPr>
+              <a:cxnSpLocks noChangeAspect="1"/>
+              <a:stCxn id="59" idx="0"/>
+              <a:endCxn id="4" idx="2"/>
+            </p:cNvCxnSpPr>
+            <p:nvPr/>
+          </p:nvCxnSpPr>
+          <p:spPr>
+            <a:xfrm flipV="1">
+              <a:off x="3946046" y="4815115"/>
+              <a:ext cx="0" cy="235548"/>
+            </a:xfrm>
+            <a:prstGeom prst="straightConnector1">
+              <a:avLst/>
+            </a:prstGeom>
+            <a:ln w="19050">
+              <a:solidFill>
+                <a:schemeClr val="tx1"/>
+              </a:solidFill>
+              <a:tailEnd type="triangle"/>
+            </a:ln>
+          </p:spPr>
+          <p:style>
+            <a:lnRef idx="1">
+              <a:schemeClr val="accent1"/>
+            </a:lnRef>
+            <a:fillRef idx="0">
+              <a:schemeClr val="accent1"/>
+            </a:fillRef>
+            <a:effectRef idx="0">
+              <a:schemeClr val="accent1"/>
+            </a:effectRef>
+            <a:fontRef idx="minor">
+              <a:schemeClr val="tx1"/>
+            </a:fontRef>
+          </p:style>
+        </p:cxnSp>
+        <p:sp>
+          <p:nvSpPr>
+            <p:cNvPr id="66" name="Oval 65"/>
+            <p:cNvSpPr>
+              <a:spLocks noChangeAspect="1"/>
+            </p:cNvSpPr>
+            <p:nvPr/>
+          </p:nvSpPr>
+          <p:spPr>
+            <a:xfrm>
+              <a:off x="5488220" y="5050663"/>
+              <a:ext cx="432000" cy="432000"/>
+            </a:xfrm>
+            <a:prstGeom prst="ellipse">
+              <a:avLst/>
+            </a:prstGeom>
+            <a:solidFill>
+              <a:schemeClr val="bg1"/>
+            </a:solidFill>
+            <a:ln w="19050">
+              <a:solidFill>
+                <a:schemeClr val="tx1"/>
+              </a:solidFill>
+            </a:ln>
+          </p:spPr>
+          <p:style>
+            <a:lnRef idx="2">
+              <a:schemeClr val="accent1">
+                <a:shade val="50000"/>
+              </a:schemeClr>
+            </a:lnRef>
+            <a:fillRef idx="1">
+              <a:schemeClr val="accent1"/>
+            </a:fillRef>
+            <a:effectRef idx="0">
+              <a:schemeClr val="accent1"/>
+            </a:effectRef>
+            <a:fontRef idx="minor">
+              <a:schemeClr val="lt1"/>
+            </a:fontRef>
+          </p:style>
+          <p:txBody>
+            <a:bodyPr lIns="0" tIns="0" rIns="0" bIns="0" rtlCol="0" anchor="ctr"/>
+            <a:lstStyle/>
+            <a:p>
+              <a:pPr algn="ctr"/>
+              <a:r>
+                <a:rPr lang="en-US" sz="1400" dirty="0">
+                  <a:solidFill>
+                    <a:schemeClr val="tx1"/>
+                  </a:solidFill>
+                  <a:latin typeface="Times New Roman" panose="02020603050405020304" pitchFamily="18" charset="0"/>
+                  <a:cs typeface="Times New Roman" panose="02020603050405020304" pitchFamily="18" charset="0"/>
+                </a:rPr>
+                <a:t>u</a:t>
+              </a:r>
+              <a:r>
+                <a:rPr lang="en-US" sz="1400" baseline="-25000" dirty="0">
+                  <a:solidFill>
+                    <a:schemeClr val="tx1"/>
+                  </a:solidFill>
+                  <a:latin typeface="Times New Roman" panose="02020603050405020304" pitchFamily="18" charset="0"/>
+                  <a:cs typeface="Times New Roman" panose="02020603050405020304" pitchFamily="18" charset="0"/>
+                </a:rPr>
+                <a:t>m4</a:t>
+              </a:r>
+              <a:endParaRPr lang="en-US" sz="1400" dirty="0">
+                <a:solidFill>
+                  <a:schemeClr val="tx1"/>
+                </a:solidFill>
+                <a:latin typeface="Times New Roman" panose="02020603050405020304" pitchFamily="18" charset="0"/>
+                <a:cs typeface="Times New Roman" panose="02020603050405020304" pitchFamily="18" charset="0"/>
+              </a:endParaRPr>
+            </a:p>
+          </p:txBody>
+        </p:sp>
+        <p:cxnSp>
+          <p:nvCxnSpPr>
+            <p:cNvPr id="67" name="Straight Arrow Connector 66"/>
+            <p:cNvCxnSpPr>
+              <a:cxnSpLocks noChangeAspect="1"/>
+              <a:stCxn id="66" idx="0"/>
+              <a:endCxn id="6" idx="2"/>
+            </p:cNvCxnSpPr>
+            <p:nvPr/>
+          </p:nvCxnSpPr>
+          <p:spPr>
+            <a:xfrm flipV="1">
+              <a:off x="5704220" y="4809448"/>
+              <a:ext cx="0" cy="241215"/>
+            </a:xfrm>
+            <a:prstGeom prst="straightConnector1">
+              <a:avLst/>
+            </a:prstGeom>
+            <a:ln w="19050">
+              <a:solidFill>
+                <a:schemeClr val="tx1"/>
+              </a:solidFill>
+              <a:tailEnd type="triangle"/>
+            </a:ln>
+          </p:spPr>
+          <p:style>
+            <a:lnRef idx="1">
+              <a:schemeClr val="accent1"/>
+            </a:lnRef>
+            <a:fillRef idx="0">
+              <a:schemeClr val="accent1"/>
+            </a:fillRef>
+            <a:effectRef idx="0">
+              <a:schemeClr val="accent1"/>
+            </a:effectRef>
+            <a:fontRef idx="minor">
+              <a:schemeClr val="tx1"/>
+            </a:fontRef>
+          </p:style>
+        </p:cxnSp>
+        <p:sp>
+          <p:nvSpPr>
+            <p:cNvPr id="68" name="Oval 67"/>
+            <p:cNvSpPr>
+              <a:spLocks noChangeAspect="1"/>
+            </p:cNvSpPr>
+            <p:nvPr/>
+          </p:nvSpPr>
+          <p:spPr>
+            <a:xfrm>
+              <a:off x="4608201" y="5050663"/>
+              <a:ext cx="432000" cy="432000"/>
+            </a:xfrm>
+            <a:prstGeom prst="ellipse">
+              <a:avLst/>
+            </a:prstGeom>
+            <a:solidFill>
+              <a:schemeClr val="bg1"/>
+            </a:solidFill>
+            <a:ln w="19050">
+              <a:solidFill>
+                <a:schemeClr val="tx1"/>
+              </a:solidFill>
+            </a:ln>
+          </p:spPr>
+          <p:style>
+            <a:lnRef idx="2">
+              <a:schemeClr val="accent1">
+                <a:shade val="50000"/>
+              </a:schemeClr>
+            </a:lnRef>
+            <a:fillRef idx="1">
+              <a:schemeClr val="accent1"/>
+            </a:fillRef>
+            <a:effectRef idx="0">
+              <a:schemeClr val="accent1"/>
+            </a:effectRef>
+            <a:fontRef idx="minor">
+              <a:schemeClr val="lt1"/>
+            </a:fontRef>
+          </p:style>
+          <p:txBody>
+            <a:bodyPr lIns="0" tIns="0" rIns="0" bIns="0" rtlCol="0" anchor="ctr"/>
+            <a:lstStyle/>
+            <a:p>
+              <a:pPr algn="ctr"/>
+              <a:r>
+                <a:rPr lang="en-US" sz="1400" dirty="0">
+                  <a:solidFill>
+                    <a:schemeClr val="tx1"/>
+                  </a:solidFill>
+                  <a:latin typeface="Times New Roman" panose="02020603050405020304" pitchFamily="18" charset="0"/>
+                  <a:cs typeface="Times New Roman" panose="02020603050405020304" pitchFamily="18" charset="0"/>
+                </a:rPr>
+                <a:t>u</a:t>
+              </a:r>
+              <a:r>
+                <a:rPr lang="en-US" sz="1400" baseline="-25000" dirty="0">
+                  <a:solidFill>
+                    <a:schemeClr val="tx1"/>
+                  </a:solidFill>
+                  <a:latin typeface="Times New Roman" panose="02020603050405020304" pitchFamily="18" charset="0"/>
+                  <a:cs typeface="Times New Roman" panose="02020603050405020304" pitchFamily="18" charset="0"/>
+                </a:rPr>
+                <a:t>m3</a:t>
+              </a:r>
+              <a:endParaRPr lang="en-US" sz="1400" dirty="0">
+                <a:solidFill>
+                  <a:schemeClr val="tx1"/>
+                </a:solidFill>
+                <a:latin typeface="Times New Roman" panose="02020603050405020304" pitchFamily="18" charset="0"/>
+                <a:cs typeface="Times New Roman" panose="02020603050405020304" pitchFamily="18" charset="0"/>
+              </a:endParaRPr>
+            </a:p>
+          </p:txBody>
+        </p:sp>
+        <p:cxnSp>
+          <p:nvCxnSpPr>
+            <p:cNvPr id="69" name="Straight Arrow Connector 68"/>
+            <p:cNvCxnSpPr>
+              <a:cxnSpLocks noChangeAspect="1"/>
+              <a:stCxn id="68" idx="0"/>
+              <a:endCxn id="5" idx="2"/>
+            </p:cNvCxnSpPr>
+            <p:nvPr/>
+          </p:nvCxnSpPr>
+          <p:spPr>
+            <a:xfrm flipV="1">
+              <a:off x="4824201" y="4816132"/>
+              <a:ext cx="1627" cy="234531"/>
+            </a:xfrm>
+            <a:prstGeom prst="straightConnector1">
+              <a:avLst/>
+            </a:prstGeom>
+            <a:ln w="19050">
+              <a:solidFill>
+                <a:schemeClr val="tx1"/>
+              </a:solidFill>
+              <a:tailEnd type="triangle"/>
+            </a:ln>
+          </p:spPr>
+          <p:style>
+            <a:lnRef idx="1">
+              <a:schemeClr val="accent1"/>
+            </a:lnRef>
+            <a:fillRef idx="0">
+              <a:schemeClr val="accent1"/>
+            </a:fillRef>
+            <a:effectRef idx="0">
+              <a:schemeClr val="accent1"/>
+            </a:effectRef>
+            <a:fontRef idx="minor">
+              <a:schemeClr val="tx1"/>
+            </a:fontRef>
+          </p:style>
+        </p:cxnSp>
+        <p:sp>
+          <p:nvSpPr>
+            <p:cNvPr id="86" name="Oval 85"/>
+            <p:cNvSpPr>
+              <a:spLocks noChangeAspect="1"/>
+            </p:cNvSpPr>
+            <p:nvPr/>
+          </p:nvSpPr>
+          <p:spPr>
+            <a:xfrm>
+              <a:off x="5749463" y="2583109"/>
+              <a:ext cx="540000" cy="540000"/>
+            </a:xfrm>
+            <a:prstGeom prst="ellipse">
+              <a:avLst/>
+            </a:prstGeom>
+            <a:solidFill>
+              <a:schemeClr val="bg1"/>
+            </a:solidFill>
+            <a:ln w="19050">
+              <a:solidFill>
+                <a:schemeClr val="tx1"/>
+              </a:solidFill>
+            </a:ln>
+          </p:spPr>
+          <p:style>
+            <a:lnRef idx="2">
+              <a:schemeClr val="accent1">
+                <a:shade val="50000"/>
+              </a:schemeClr>
+            </a:lnRef>
+            <a:fillRef idx="1">
+              <a:schemeClr val="accent1"/>
+            </a:fillRef>
+            <a:effectRef idx="0">
+              <a:schemeClr val="accent1"/>
+            </a:effectRef>
+            <a:fontRef idx="minor">
+              <a:schemeClr val="lt1"/>
+            </a:fontRef>
+          </p:style>
+          <p:txBody>
+            <a:bodyPr rtlCol="0" anchor="ctr"/>
+            <a:lstStyle/>
+            <a:p>
+              <a:pPr algn="ctr"/>
+              <a:r>
+                <a:rPr lang="en-US" sz="1400" dirty="0">
+                  <a:solidFill>
+                    <a:schemeClr val="tx1"/>
+                  </a:solidFill>
+                  <a:latin typeface="Times New Roman" panose="02020603050405020304" pitchFamily="18" charset="0"/>
+                  <a:cs typeface="Times New Roman" panose="02020603050405020304" pitchFamily="18" charset="0"/>
+                </a:rPr>
+                <a:t>e</a:t>
+              </a:r>
+              <a:r>
+                <a:rPr lang="en-US" sz="1400" baseline="-25000" dirty="0">
+                  <a:solidFill>
+                    <a:schemeClr val="tx1"/>
+                  </a:solidFill>
+                  <a:latin typeface="Times New Roman" panose="02020603050405020304" pitchFamily="18" charset="0"/>
+                  <a:cs typeface="Times New Roman" panose="02020603050405020304" pitchFamily="18" charset="0"/>
+                </a:rPr>
+                <a:t>1</a:t>
+              </a:r>
+              <a:endParaRPr lang="en-US" sz="1400" dirty="0">
+                <a:solidFill>
+                  <a:schemeClr val="tx1"/>
+                </a:solidFill>
+                <a:latin typeface="Times New Roman" panose="02020603050405020304" pitchFamily="18" charset="0"/>
+                <a:cs typeface="Times New Roman" panose="02020603050405020304" pitchFamily="18" charset="0"/>
+              </a:endParaRPr>
+            </a:p>
+          </p:txBody>
+        </p:sp>
+        <p:cxnSp>
+          <p:nvCxnSpPr>
+            <p:cNvPr id="87" name="Straight Arrow Connector 86"/>
+            <p:cNvCxnSpPr>
+              <a:stCxn id="86" idx="2"/>
+              <a:endCxn id="7" idx="6"/>
+            </p:cNvCxnSpPr>
+            <p:nvPr/>
+          </p:nvCxnSpPr>
+          <p:spPr>
+            <a:xfrm flipH="1">
+              <a:off x="5455828" y="2853109"/>
+              <a:ext cx="293635" cy="0"/>
+            </a:xfrm>
+            <a:prstGeom prst="straightConnector1">
+              <a:avLst/>
+            </a:prstGeom>
+            <a:ln w="19050">
+              <a:solidFill>
+                <a:schemeClr val="tx1"/>
+              </a:solidFill>
+              <a:tailEnd type="triangle"/>
+            </a:ln>
+          </p:spPr>
+          <p:style>
+            <a:lnRef idx="1">
+              <a:schemeClr val="accent1"/>
+            </a:lnRef>
+            <a:fillRef idx="0">
+              <a:schemeClr val="accent1"/>
+            </a:fillRef>
+            <a:effectRef idx="0">
+              <a:schemeClr val="accent1"/>
+            </a:effectRef>
+            <a:fontRef idx="minor">
+              <a:schemeClr val="tx1"/>
+            </a:fontRef>
+          </p:style>
+        </p:cxnSp>
+        <p:sp>
+          <p:nvSpPr>
+            <p:cNvPr id="43" name="Rectangle 42">
+              <a:extLst>
+                <a:ext uri="{FF2B5EF4-FFF2-40B4-BE49-F238E27FC236}">
+                  <a16:creationId xmlns:a16="http://schemas.microsoft.com/office/drawing/2014/main" id="{167ABFF2-C789-4151-8FC8-FB0BEAE502CD}"/>
+                </a:ext>
+              </a:extLst>
+            </p:cNvPr>
+            <p:cNvSpPr/>
+            <p:nvPr/>
+          </p:nvSpPr>
+          <p:spPr>
+            <a:xfrm>
+              <a:off x="2706264" y="4096132"/>
+              <a:ext cx="720000" cy="720000"/>
             </a:xfrm>
             <a:prstGeom prst="rect">
               <a:avLst/>
             </a:prstGeom>
-            <a:noFill/>
+            <a:solidFill>
+              <a:schemeClr val="bg1"/>
+            </a:solidFill>
+            <a:ln w="19050">
+              <a:solidFill>
+                <a:schemeClr val="tx1"/>
+              </a:solidFill>
+            </a:ln>
           </p:spPr>
+          <p:style>
+            <a:lnRef idx="2">
+              <a:schemeClr val="accent1">
+                <a:shade val="50000"/>
+              </a:schemeClr>
+            </a:lnRef>
+            <a:fillRef idx="1">
+              <a:schemeClr val="accent1"/>
+            </a:fillRef>
+            <a:effectRef idx="0">
+              <a:schemeClr val="accent1"/>
+            </a:effectRef>
+            <a:fontRef idx="minor">
+              <a:schemeClr val="lt1"/>
+            </a:fontRef>
+          </p:style>
           <p:txBody>
-            <a:bodyPr wrap="square" rtlCol="0">
-              <a:spAutoFit/>
+            <a:bodyPr rot="0" spcFirstLastPara="0" vertOverflow="overflow" horzOverflow="overflow" vert="horz" wrap="square" lIns="91440" tIns="45720" rIns="91440" bIns="45720" numCol="1" spcCol="0" rtlCol="0" fromWordArt="0" anchor="ctr" anchorCtr="0" forceAA="0" compatLnSpc="1">
+              <a:prstTxWarp prst="textNoShape">
+                <a:avLst/>
+              </a:prstTxWarp>
+              <a:noAutofit/>
             </a:bodyPr>
             <a:lstStyle/>
             <a:p>
+              <a:pPr algn="ctr"/>
               <a:r>
-                <a:rPr lang="en-US" sz="2400" i="1" dirty="0">
+                <a:rPr lang="en-US" sz="1400" dirty="0">
+                  <a:solidFill>
+                    <a:schemeClr val="tx1"/>
+                  </a:solidFill>
                   <a:latin typeface="Times New Roman" panose="02020603050405020304" pitchFamily="18" charset="0"/>
                   <a:cs typeface="Times New Roman" panose="02020603050405020304" pitchFamily="18" charset="0"/>
                 </a:rPr>
-                <a:t>a</a:t>
+                <a:t>math1</a:t>
               </a:r>
             </a:p>
           </p:txBody>
         </p:sp>
         <p:sp>
           <p:nvSpPr>
-            <p:cNvPr id="39" name="TextBox 38"/>
-            <p:cNvSpPr txBox="1"/>
+            <p:cNvPr id="44" name="Rectangle 43">
+              <a:extLst>
+                <a:ext uri="{FF2B5EF4-FFF2-40B4-BE49-F238E27FC236}">
+                  <a16:creationId xmlns:a16="http://schemas.microsoft.com/office/drawing/2014/main" id="{AF6FF479-3318-499E-AD06-412398111C70}"/>
+                </a:ext>
+              </a:extLst>
+            </p:cNvPr>
+            <p:cNvSpPr/>
             <p:nvPr/>
           </p:nvSpPr>
           <p:spPr>
             <a:xfrm>
-              <a:off x="5879763" y="1746840"/>
-              <a:ext cx="420786" cy="458393"/>
+              <a:off x="6222611" y="4089085"/>
+              <a:ext cx="720000" cy="720000"/>
             </a:xfrm>
             <a:prstGeom prst="rect">
               <a:avLst/>
             </a:prstGeom>
-            <a:noFill/>
+            <a:solidFill>
+              <a:schemeClr val="bg1"/>
+            </a:solidFill>
+            <a:ln w="19050">
+              <a:solidFill>
+                <a:schemeClr val="tx1"/>
+              </a:solidFill>
+            </a:ln>
           </p:spPr>
+          <p:style>
+            <a:lnRef idx="2">
+              <a:schemeClr val="accent1">
+                <a:shade val="50000"/>
+              </a:schemeClr>
+            </a:lnRef>
+            <a:fillRef idx="1">
+              <a:schemeClr val="accent1"/>
+            </a:fillRef>
+            <a:effectRef idx="0">
+              <a:schemeClr val="accent1"/>
+            </a:effectRef>
+            <a:fontRef idx="minor">
+              <a:schemeClr val="lt1"/>
+            </a:fontRef>
+          </p:style>
           <p:txBody>
-            <a:bodyPr wrap="square" rtlCol="0">
-              <a:spAutoFit/>
+            <a:bodyPr rot="0" spcFirstLastPara="0" vertOverflow="overflow" horzOverflow="overflow" vert="horz" wrap="square" lIns="91440" tIns="45720" rIns="91440" bIns="45720" numCol="1" spcCol="0" rtlCol="0" fromWordArt="0" anchor="ctr" anchorCtr="0" forceAA="0" compatLnSpc="1">
+              <a:prstTxWarp prst="textNoShape">
+                <a:avLst/>
+              </a:prstTxWarp>
+              <a:noAutofit/>
             </a:bodyPr>
             <a:lstStyle/>
             <a:p>
+              <a:pPr algn="ctr"/>
               <a:r>
-                <a:rPr lang="en-US" sz="2400" i="1" dirty="0">
-                  <a:latin typeface="Times New Roman" panose="02020603050405020304" pitchFamily="18" charset="0"/>
-                  <a:cs typeface="Times New Roman" panose="02020603050405020304" pitchFamily="18" charset="0"/>
-                </a:rPr>
-                <a:t>c’</a:t>
-              </a:r>
-            </a:p>
-          </p:txBody>
-        </p:sp>
-        <p:sp>
-          <p:nvSpPr>
-            <p:cNvPr id="40" name="TextBox 39"/>
-            <p:cNvSpPr txBox="1"/>
-            <p:nvPr/>
-          </p:nvSpPr>
-          <p:spPr>
-            <a:xfrm>
-              <a:off x="7793387" y="2901082"/>
-              <a:ext cx="420786" cy="461665"/>
-            </a:xfrm>
-            <a:prstGeom prst="rect">
-              <a:avLst/>
-            </a:prstGeom>
-            <a:noFill/>
-          </p:spPr>
-          <p:txBody>
-            <a:bodyPr wrap="square" rtlCol="0">
-              <a:spAutoFit/>
-            </a:bodyPr>
-            <a:lstStyle/>
-            <a:p>
-              <a:r>
-                <a:rPr lang="en-US" sz="2400" i="1" dirty="0">
-                  <a:latin typeface="Times New Roman" panose="02020603050405020304" pitchFamily="18" charset="0"/>
-                  <a:cs typeface="Times New Roman" panose="02020603050405020304" pitchFamily="18" charset="0"/>
-                </a:rPr>
-                <a:t>b</a:t>
-              </a:r>
-            </a:p>
-          </p:txBody>
-        </p:sp>
-        <p:grpSp>
-          <p:nvGrpSpPr>
-            <p:cNvPr id="95" name="Group 94">
-              <a:extLst>
-                <a:ext uri="{FF2B5EF4-FFF2-40B4-BE49-F238E27FC236}">
-                  <a16:creationId xmlns:a16="http://schemas.microsoft.com/office/drawing/2014/main" id="{B9A8966D-AA78-4453-B719-F7DCD826520C}"/>
-                </a:ext>
-              </a:extLst>
-            </p:cNvPr>
-            <p:cNvGrpSpPr/>
-            <p:nvPr/>
-          </p:nvGrpSpPr>
-          <p:grpSpPr>
-            <a:xfrm>
-              <a:off x="3977826" y="3428159"/>
-              <a:ext cx="4236347" cy="3259554"/>
-              <a:chOff x="2706264" y="2223109"/>
-              <a:chExt cx="4236347" cy="3259554"/>
-            </a:xfrm>
-          </p:grpSpPr>
-          <p:sp>
-            <p:nvSpPr>
-              <p:cNvPr id="4" name="Rectangle 3"/>
-              <p:cNvSpPr/>
-              <p:nvPr/>
-            </p:nvSpPr>
-            <p:spPr>
-              <a:xfrm>
-                <a:off x="3586046" y="4095115"/>
-                <a:ext cx="720000" cy="720000"/>
-              </a:xfrm>
-              <a:prstGeom prst="rect">
-                <a:avLst/>
-              </a:prstGeom>
-              <a:solidFill>
-                <a:schemeClr val="bg1"/>
-              </a:solidFill>
-              <a:ln w="19050">
-                <a:solidFill>
-                  <a:schemeClr val="tx1"/>
-                </a:solidFill>
-              </a:ln>
-            </p:spPr>
-            <p:style>
-              <a:lnRef idx="2">
-                <a:schemeClr val="accent1">
-                  <a:shade val="50000"/>
-                </a:schemeClr>
-              </a:lnRef>
-              <a:fillRef idx="1">
-                <a:schemeClr val="accent1"/>
-              </a:fillRef>
-              <a:effectRef idx="0">
-                <a:schemeClr val="accent1"/>
-              </a:effectRef>
-              <a:fontRef idx="minor">
-                <a:schemeClr val="lt1"/>
-              </a:fontRef>
-            </p:style>
-            <p:txBody>
-              <a:bodyPr rot="0" spcFirstLastPara="0" vertOverflow="overflow" horzOverflow="overflow" vert="horz" wrap="square" lIns="91440" tIns="45720" rIns="91440" bIns="45720" numCol="1" spcCol="0" rtlCol="0" fromWordArt="0" anchor="ctr" anchorCtr="0" forceAA="0" compatLnSpc="1">
-                <a:prstTxWarp prst="textNoShape">
-                  <a:avLst/>
-                </a:prstTxWarp>
-                <a:noAutofit/>
-              </a:bodyPr>
-              <a:lstStyle/>
-              <a:p>
-                <a:pPr algn="ctr"/>
-                <a:r>
-                  <a:rPr lang="en-US" sz="1400" dirty="0">
-                    <a:solidFill>
-                      <a:schemeClr val="tx1"/>
-                    </a:solidFill>
-                    <a:latin typeface="Times New Roman" panose="02020603050405020304" pitchFamily="18" charset="0"/>
-                    <a:cs typeface="Times New Roman" panose="02020603050405020304" pitchFamily="18" charset="0"/>
-                  </a:rPr>
-                  <a:t>math2</a:t>
-                </a:r>
-              </a:p>
-            </p:txBody>
-          </p:sp>
-          <p:sp>
-            <p:nvSpPr>
-              <p:cNvPr id="5" name="Rectangle 4"/>
-              <p:cNvSpPr/>
-              <p:nvPr/>
-            </p:nvSpPr>
-            <p:spPr>
-              <a:xfrm>
-                <a:off x="4465828" y="4096132"/>
-                <a:ext cx="720000" cy="720000"/>
-              </a:xfrm>
-              <a:prstGeom prst="rect">
-                <a:avLst/>
-              </a:prstGeom>
-              <a:solidFill>
-                <a:schemeClr val="bg1"/>
-              </a:solidFill>
-              <a:ln w="19050">
-                <a:solidFill>
-                  <a:schemeClr val="tx1"/>
-                </a:solidFill>
-              </a:ln>
-            </p:spPr>
-            <p:style>
-              <a:lnRef idx="2">
-                <a:schemeClr val="accent1">
-                  <a:shade val="50000"/>
-                </a:schemeClr>
-              </a:lnRef>
-              <a:fillRef idx="1">
-                <a:schemeClr val="accent1"/>
-              </a:fillRef>
-              <a:effectRef idx="0">
-                <a:schemeClr val="accent1"/>
-              </a:effectRef>
-              <a:fontRef idx="minor">
-                <a:schemeClr val="lt1"/>
-              </a:fontRef>
-            </p:style>
-            <p:txBody>
-              <a:bodyPr rot="0" spcFirstLastPara="0" vertOverflow="overflow" horzOverflow="overflow" vert="horz" wrap="square" lIns="91440" tIns="45720" rIns="91440" bIns="45720" numCol="1" spcCol="0" rtlCol="0" fromWordArt="0" anchor="ctr" anchorCtr="0" forceAA="0" compatLnSpc="1">
-                <a:prstTxWarp prst="textNoShape">
-                  <a:avLst/>
-                </a:prstTxWarp>
-                <a:noAutofit/>
-              </a:bodyPr>
-              <a:lstStyle/>
-              <a:p>
-                <a:pPr algn="ctr"/>
-                <a:r>
-                  <a:rPr lang="en-US" sz="1400" dirty="0">
-                    <a:solidFill>
-                      <a:schemeClr val="tx1"/>
-                    </a:solidFill>
-                    <a:latin typeface="Times New Roman" panose="02020603050405020304" pitchFamily="18" charset="0"/>
-                    <a:cs typeface="Times New Roman" panose="02020603050405020304" pitchFamily="18" charset="0"/>
-                  </a:rPr>
-                  <a:t>math3</a:t>
-                </a:r>
-              </a:p>
-            </p:txBody>
-          </p:sp>
-          <p:sp>
-            <p:nvSpPr>
-              <p:cNvPr id="6" name="Rectangle 5"/>
-              <p:cNvSpPr/>
-              <p:nvPr/>
-            </p:nvSpPr>
-            <p:spPr>
-              <a:xfrm>
-                <a:off x="5344220" y="4089448"/>
-                <a:ext cx="720000" cy="720000"/>
-              </a:xfrm>
-              <a:prstGeom prst="rect">
-                <a:avLst/>
-              </a:prstGeom>
-              <a:solidFill>
-                <a:schemeClr val="bg1"/>
-              </a:solidFill>
-              <a:ln w="19050">
-                <a:solidFill>
-                  <a:schemeClr val="tx1"/>
-                </a:solidFill>
-              </a:ln>
-            </p:spPr>
-            <p:style>
-              <a:lnRef idx="2">
-                <a:schemeClr val="accent1">
-                  <a:shade val="50000"/>
-                </a:schemeClr>
-              </a:lnRef>
-              <a:fillRef idx="1">
-                <a:schemeClr val="accent1"/>
-              </a:fillRef>
-              <a:effectRef idx="0">
-                <a:schemeClr val="accent1"/>
-              </a:effectRef>
-              <a:fontRef idx="minor">
-                <a:schemeClr val="lt1"/>
-              </a:fontRef>
-            </p:style>
-            <p:txBody>
-              <a:bodyPr rot="0" spcFirstLastPara="0" vertOverflow="overflow" horzOverflow="overflow" vert="horz" wrap="square" lIns="91440" tIns="45720" rIns="91440" bIns="45720" numCol="1" spcCol="0" rtlCol="0" fromWordArt="0" anchor="ctr" anchorCtr="0" forceAA="0" compatLnSpc="1">
-                <a:prstTxWarp prst="textNoShape">
-                  <a:avLst/>
-                </a:prstTxWarp>
-                <a:noAutofit/>
-              </a:bodyPr>
-              <a:lstStyle/>
-              <a:p>
-                <a:pPr algn="ctr"/>
-                <a:r>
-                  <a:rPr lang="en-US" sz="1400" dirty="0">
-                    <a:solidFill>
-                      <a:schemeClr val="tx1"/>
-                    </a:solidFill>
-                    <a:latin typeface="Times New Roman" panose="02020603050405020304" pitchFamily="18" charset="0"/>
-                    <a:cs typeface="Times New Roman" panose="02020603050405020304" pitchFamily="18" charset="0"/>
-                  </a:rPr>
-                  <a:t>math4</a:t>
-                </a:r>
-              </a:p>
-            </p:txBody>
-          </p:sp>
-          <p:sp>
-            <p:nvSpPr>
-              <p:cNvPr id="7" name="Oval 6"/>
-              <p:cNvSpPr/>
-              <p:nvPr/>
-            </p:nvSpPr>
-            <p:spPr>
-              <a:xfrm>
-                <a:off x="4195828" y="2223109"/>
-                <a:ext cx="1260000" cy="1260000"/>
-              </a:xfrm>
-              <a:prstGeom prst="ellipse">
-                <a:avLst/>
-              </a:prstGeom>
-              <a:solidFill>
-                <a:schemeClr val="bg1"/>
-              </a:solidFill>
-              <a:ln w="19050">
-                <a:solidFill>
-                  <a:schemeClr val="tx1"/>
-                </a:solidFill>
-              </a:ln>
-            </p:spPr>
-            <p:style>
-              <a:lnRef idx="2">
-                <a:schemeClr val="accent1">
-                  <a:shade val="50000"/>
-                </a:schemeClr>
-              </a:lnRef>
-              <a:fillRef idx="1">
-                <a:schemeClr val="accent1"/>
-              </a:fillRef>
-              <a:effectRef idx="0">
-                <a:schemeClr val="accent1"/>
-              </a:effectRef>
-              <a:fontRef idx="minor">
-                <a:schemeClr val="lt1"/>
-              </a:fontRef>
-            </p:style>
-            <p:txBody>
-              <a:bodyPr rtlCol="0" anchor="ctr"/>
-              <a:lstStyle/>
-              <a:p>
-                <a:pPr algn="ctr"/>
-                <a:r>
-                  <a:rPr lang="en-US" sz="1600" dirty="0">
-                    <a:solidFill>
-                      <a:schemeClr val="tx1"/>
-                    </a:solidFill>
-                    <a:latin typeface="Times New Roman" panose="02020603050405020304" pitchFamily="18" charset="0"/>
-                    <a:cs typeface="Times New Roman" panose="02020603050405020304" pitchFamily="18" charset="0"/>
-                  </a:rPr>
-                  <a:t>Math Ability</a:t>
-                </a:r>
-              </a:p>
-            </p:txBody>
-          </p:sp>
-          <p:cxnSp>
-            <p:nvCxnSpPr>
-              <p:cNvPr id="8" name="Straight Arrow Connector 7"/>
-              <p:cNvCxnSpPr>
-                <a:stCxn id="7" idx="4"/>
-                <a:endCxn id="4" idx="0"/>
-              </p:cNvCxnSpPr>
-              <p:nvPr/>
-            </p:nvCxnSpPr>
-            <p:spPr>
-              <a:xfrm flipH="1">
-                <a:off x="3946046" y="3483109"/>
-                <a:ext cx="879782" cy="612006"/>
-              </a:xfrm>
-              <a:prstGeom prst="straightConnector1">
-                <a:avLst/>
-              </a:prstGeom>
-              <a:ln w="19050">
-                <a:solidFill>
-                  <a:schemeClr val="tx1"/>
-                </a:solidFill>
-                <a:tailEnd type="triangle"/>
-              </a:ln>
-            </p:spPr>
-            <p:style>
-              <a:lnRef idx="1">
-                <a:schemeClr val="accent1"/>
-              </a:lnRef>
-              <a:fillRef idx="0">
-                <a:schemeClr val="accent1"/>
-              </a:fillRef>
-              <a:effectRef idx="0">
-                <a:schemeClr val="accent1"/>
-              </a:effectRef>
-              <a:fontRef idx="minor">
-                <a:schemeClr val="tx1"/>
-              </a:fontRef>
-            </p:style>
-          </p:cxnSp>
-          <p:cxnSp>
-            <p:nvCxnSpPr>
-              <p:cNvPr id="14" name="Straight Arrow Connector 13"/>
-              <p:cNvCxnSpPr>
-                <a:stCxn id="7" idx="4"/>
-                <a:endCxn id="5" idx="0"/>
-              </p:cNvCxnSpPr>
-              <p:nvPr/>
-            </p:nvCxnSpPr>
-            <p:spPr>
-              <a:xfrm>
-                <a:off x="4825828" y="3483109"/>
-                <a:ext cx="0" cy="613023"/>
-              </a:xfrm>
-              <a:prstGeom prst="straightConnector1">
-                <a:avLst/>
-              </a:prstGeom>
-              <a:ln w="19050">
-                <a:solidFill>
-                  <a:schemeClr val="tx1"/>
-                </a:solidFill>
-                <a:tailEnd type="triangle"/>
-              </a:ln>
-            </p:spPr>
-            <p:style>
-              <a:lnRef idx="1">
-                <a:schemeClr val="accent1"/>
-              </a:lnRef>
-              <a:fillRef idx="0">
-                <a:schemeClr val="accent1"/>
-              </a:fillRef>
-              <a:effectRef idx="0">
-                <a:schemeClr val="accent1"/>
-              </a:effectRef>
-              <a:fontRef idx="minor">
-                <a:schemeClr val="tx1"/>
-              </a:fontRef>
-            </p:style>
-          </p:cxnSp>
-          <p:cxnSp>
-            <p:nvCxnSpPr>
-              <p:cNvPr id="15" name="Straight Arrow Connector 14"/>
-              <p:cNvCxnSpPr>
-                <a:stCxn id="7" idx="4"/>
-                <a:endCxn id="6" idx="0"/>
-              </p:cNvCxnSpPr>
-              <p:nvPr/>
-            </p:nvCxnSpPr>
-            <p:spPr>
-              <a:xfrm>
-                <a:off x="4825828" y="3483109"/>
-                <a:ext cx="878392" cy="606339"/>
-              </a:xfrm>
-              <a:prstGeom prst="straightConnector1">
-                <a:avLst/>
-              </a:prstGeom>
-              <a:ln w="19050">
-                <a:solidFill>
-                  <a:schemeClr val="tx1"/>
-                </a:solidFill>
-                <a:tailEnd type="triangle"/>
-              </a:ln>
-            </p:spPr>
-            <p:style>
-              <a:lnRef idx="1">
-                <a:schemeClr val="accent1"/>
-              </a:lnRef>
-              <a:fillRef idx="0">
-                <a:schemeClr val="accent1"/>
-              </a:fillRef>
-              <a:effectRef idx="0">
-                <a:schemeClr val="accent1"/>
-              </a:effectRef>
-              <a:fontRef idx="minor">
-                <a:schemeClr val="tx1"/>
-              </a:fontRef>
-            </p:style>
-          </p:cxnSp>
-          <p:sp>
-            <p:nvSpPr>
-              <p:cNvPr id="59" name="Oval 58"/>
-              <p:cNvSpPr>
-                <a:spLocks noChangeAspect="1"/>
-              </p:cNvSpPr>
-              <p:nvPr/>
-            </p:nvSpPr>
-            <p:spPr>
-              <a:xfrm>
-                <a:off x="3730046" y="5050663"/>
-                <a:ext cx="432000" cy="432000"/>
-              </a:xfrm>
-              <a:prstGeom prst="ellipse">
-                <a:avLst/>
-              </a:prstGeom>
-              <a:solidFill>
-                <a:schemeClr val="bg1"/>
-              </a:solidFill>
-              <a:ln w="19050">
-                <a:solidFill>
-                  <a:schemeClr val="tx1"/>
-                </a:solidFill>
-              </a:ln>
-            </p:spPr>
-            <p:style>
-              <a:lnRef idx="2">
-                <a:schemeClr val="accent1">
-                  <a:shade val="50000"/>
-                </a:schemeClr>
-              </a:lnRef>
-              <a:fillRef idx="1">
-                <a:schemeClr val="accent1"/>
-              </a:fillRef>
-              <a:effectRef idx="0">
-                <a:schemeClr val="accent1"/>
-              </a:effectRef>
-              <a:fontRef idx="minor">
-                <a:schemeClr val="lt1"/>
-              </a:fontRef>
-            </p:style>
-            <p:txBody>
-              <a:bodyPr lIns="0" tIns="0" rIns="0" bIns="0" rtlCol="0" anchor="ctr"/>
-              <a:lstStyle/>
-              <a:p>
-                <a:pPr algn="ctr"/>
-                <a:r>
-                  <a:rPr lang="en-US" sz="1400" dirty="0">
-                    <a:solidFill>
-                      <a:schemeClr val="tx1"/>
-                    </a:solidFill>
-                    <a:latin typeface="Times New Roman" panose="02020603050405020304" pitchFamily="18" charset="0"/>
-                    <a:cs typeface="Times New Roman" panose="02020603050405020304" pitchFamily="18" charset="0"/>
-                  </a:rPr>
-                  <a:t>u</a:t>
-                </a:r>
-                <a:r>
-                  <a:rPr lang="en-US" sz="1400" baseline="-25000" dirty="0">
-                    <a:solidFill>
-                      <a:schemeClr val="tx1"/>
-                    </a:solidFill>
-                    <a:latin typeface="Times New Roman" panose="02020603050405020304" pitchFamily="18" charset="0"/>
-                    <a:cs typeface="Times New Roman" panose="02020603050405020304" pitchFamily="18" charset="0"/>
-                  </a:rPr>
-                  <a:t>m2</a:t>
-                </a:r>
-                <a:endParaRPr lang="en-US" sz="1400" dirty="0">
+                <a:rPr lang="en-US" sz="1400" dirty="0">
                   <a:solidFill>
                     <a:schemeClr val="tx1"/>
                   </a:solidFill>
                   <a:latin typeface="Times New Roman" panose="02020603050405020304" pitchFamily="18" charset="0"/>
                   <a:cs typeface="Times New Roman" panose="02020603050405020304" pitchFamily="18" charset="0"/>
-                </a:endParaRPr>
-              </a:p>
-            </p:txBody>
-          </p:sp>
-          <p:cxnSp>
-            <p:nvCxnSpPr>
-              <p:cNvPr id="61" name="Straight Arrow Connector 60"/>
-              <p:cNvCxnSpPr>
-                <a:cxnSpLocks noChangeAspect="1"/>
-                <a:stCxn id="59" idx="0"/>
-                <a:endCxn id="4" idx="2"/>
-              </p:cNvCxnSpPr>
-              <p:nvPr/>
-            </p:nvCxnSpPr>
-            <p:spPr>
-              <a:xfrm flipV="1">
-                <a:off x="3946046" y="4815115"/>
-                <a:ext cx="0" cy="235548"/>
-              </a:xfrm>
-              <a:prstGeom prst="straightConnector1">
-                <a:avLst/>
-              </a:prstGeom>
-              <a:ln w="19050">
-                <a:solidFill>
-                  <a:schemeClr val="tx1"/>
-                </a:solidFill>
-                <a:tailEnd type="triangle"/>
-              </a:ln>
-            </p:spPr>
-            <p:style>
-              <a:lnRef idx="1">
-                <a:schemeClr val="accent1"/>
-              </a:lnRef>
-              <a:fillRef idx="0">
-                <a:schemeClr val="accent1"/>
-              </a:fillRef>
-              <a:effectRef idx="0">
-                <a:schemeClr val="accent1"/>
-              </a:effectRef>
-              <a:fontRef idx="minor">
+                </a:rPr>
+                <a:t>math5</a:t>
+              </a:r>
+            </a:p>
+          </p:txBody>
+        </p:sp>
+        <p:cxnSp>
+          <p:nvCxnSpPr>
+            <p:cNvPr id="45" name="Straight Arrow Connector 44">
+              <a:extLst>
+                <a:ext uri="{FF2B5EF4-FFF2-40B4-BE49-F238E27FC236}">
+                  <a16:creationId xmlns:a16="http://schemas.microsoft.com/office/drawing/2014/main" id="{C32186EF-7ED8-44D6-938B-319A17F155BF}"/>
+                </a:ext>
+              </a:extLst>
+            </p:cNvPr>
+            <p:cNvCxnSpPr>
+              <a:cxnSpLocks/>
+              <a:stCxn id="7" idx="4"/>
+              <a:endCxn id="44" idx="0"/>
+            </p:cNvCxnSpPr>
+            <p:nvPr/>
+          </p:nvCxnSpPr>
+          <p:spPr>
+            <a:xfrm>
+              <a:off x="4825828" y="3483109"/>
+              <a:ext cx="1756783" cy="605976"/>
+            </a:xfrm>
+            <a:prstGeom prst="straightConnector1">
+              <a:avLst/>
+            </a:prstGeom>
+            <a:ln w="19050">
+              <a:solidFill>
                 <a:schemeClr val="tx1"/>
-              </a:fontRef>
-            </p:style>
-          </p:cxnSp>
-          <p:sp>
-            <p:nvSpPr>
-              <p:cNvPr id="66" name="Oval 65"/>
-              <p:cNvSpPr>
-                <a:spLocks noChangeAspect="1"/>
-              </p:cNvSpPr>
-              <p:nvPr/>
-            </p:nvSpPr>
-            <p:spPr>
-              <a:xfrm>
-                <a:off x="5488220" y="5050663"/>
-                <a:ext cx="432000" cy="432000"/>
-              </a:xfrm>
-              <a:prstGeom prst="ellipse">
-                <a:avLst/>
-              </a:prstGeom>
+              </a:solidFill>
+              <a:tailEnd type="triangle"/>
+            </a:ln>
+          </p:spPr>
+          <p:style>
+            <a:lnRef idx="1">
+              <a:schemeClr val="accent1"/>
+            </a:lnRef>
+            <a:fillRef idx="0">
+              <a:schemeClr val="accent1"/>
+            </a:fillRef>
+            <a:effectRef idx="0">
+              <a:schemeClr val="accent1"/>
+            </a:effectRef>
+            <a:fontRef idx="minor">
+              <a:schemeClr val="tx1"/>
+            </a:fontRef>
+          </p:style>
+        </p:cxnSp>
+        <p:cxnSp>
+          <p:nvCxnSpPr>
+            <p:cNvPr id="46" name="Straight Arrow Connector 45">
+              <a:extLst>
+                <a:ext uri="{FF2B5EF4-FFF2-40B4-BE49-F238E27FC236}">
+                  <a16:creationId xmlns:a16="http://schemas.microsoft.com/office/drawing/2014/main" id="{46DE1C74-3AFF-4DE1-ABC2-DA4737BF6288}"/>
+                </a:ext>
+              </a:extLst>
+            </p:cNvPr>
+            <p:cNvCxnSpPr>
+              <a:cxnSpLocks/>
+              <a:stCxn id="7" idx="4"/>
+              <a:endCxn id="43" idx="0"/>
+            </p:cNvCxnSpPr>
+            <p:nvPr/>
+          </p:nvCxnSpPr>
+          <p:spPr>
+            <a:xfrm flipH="1">
+              <a:off x="3066264" y="3483109"/>
+              <a:ext cx="1759564" cy="613023"/>
+            </a:xfrm>
+            <a:prstGeom prst="straightConnector1">
+              <a:avLst/>
+            </a:prstGeom>
+            <a:ln w="19050">
               <a:solidFill>
-                <a:schemeClr val="bg1"/>
+                <a:schemeClr val="tx1"/>
               </a:solidFill>
-              <a:ln w="19050">
-                <a:solidFill>
-                  <a:schemeClr val="tx1"/>
-                </a:solidFill>
-              </a:ln>
-            </p:spPr>
-            <p:style>
-              <a:lnRef idx="2">
-                <a:schemeClr val="accent1">
-                  <a:shade val="50000"/>
-                </a:schemeClr>
-              </a:lnRef>
-              <a:fillRef idx="1">
-                <a:schemeClr val="accent1"/>
-              </a:fillRef>
-              <a:effectRef idx="0">
-                <a:schemeClr val="accent1"/>
-              </a:effectRef>
-              <a:fontRef idx="minor">
-                <a:schemeClr val="lt1"/>
-              </a:fontRef>
-            </p:style>
-            <p:txBody>
-              <a:bodyPr lIns="0" tIns="0" rIns="0" bIns="0" rtlCol="0" anchor="ctr"/>
-              <a:lstStyle/>
-              <a:p>
-                <a:pPr algn="ctr"/>
-                <a:r>
-                  <a:rPr lang="en-US" sz="1400" dirty="0">
-                    <a:solidFill>
-                      <a:schemeClr val="tx1"/>
-                    </a:solidFill>
-                    <a:latin typeface="Times New Roman" panose="02020603050405020304" pitchFamily="18" charset="0"/>
-                    <a:cs typeface="Times New Roman" panose="02020603050405020304" pitchFamily="18" charset="0"/>
-                  </a:rPr>
-                  <a:t>u</a:t>
-                </a:r>
-                <a:r>
-                  <a:rPr lang="en-US" sz="1400" baseline="-25000" dirty="0">
-                    <a:solidFill>
-                      <a:schemeClr val="tx1"/>
-                    </a:solidFill>
-                    <a:latin typeface="Times New Roman" panose="02020603050405020304" pitchFamily="18" charset="0"/>
-                    <a:cs typeface="Times New Roman" panose="02020603050405020304" pitchFamily="18" charset="0"/>
-                  </a:rPr>
-                  <a:t>m4</a:t>
-                </a:r>
-                <a:endParaRPr lang="en-US" sz="1400" dirty="0">
+              <a:tailEnd type="triangle"/>
+            </a:ln>
+          </p:spPr>
+          <p:style>
+            <a:lnRef idx="1">
+              <a:schemeClr val="accent1"/>
+            </a:lnRef>
+            <a:fillRef idx="0">
+              <a:schemeClr val="accent1"/>
+            </a:fillRef>
+            <a:effectRef idx="0">
+              <a:schemeClr val="accent1"/>
+            </a:effectRef>
+            <a:fontRef idx="minor">
+              <a:schemeClr val="tx1"/>
+            </a:fontRef>
+          </p:style>
+        </p:cxnSp>
+        <p:sp>
+          <p:nvSpPr>
+            <p:cNvPr id="81" name="Oval 80">
+              <a:extLst>
+                <a:ext uri="{FF2B5EF4-FFF2-40B4-BE49-F238E27FC236}">
+                  <a16:creationId xmlns:a16="http://schemas.microsoft.com/office/drawing/2014/main" id="{6E120966-D08F-4695-A0CB-5AC8BFE86E21}"/>
+                </a:ext>
+              </a:extLst>
+            </p:cNvPr>
+            <p:cNvSpPr>
+              <a:spLocks noChangeAspect="1"/>
+            </p:cNvSpPr>
+            <p:nvPr/>
+          </p:nvSpPr>
+          <p:spPr>
+            <a:xfrm>
+              <a:off x="2850027" y="5050663"/>
+              <a:ext cx="432000" cy="432000"/>
+            </a:xfrm>
+            <a:prstGeom prst="ellipse">
+              <a:avLst/>
+            </a:prstGeom>
+            <a:solidFill>
+              <a:schemeClr val="bg1"/>
+            </a:solidFill>
+            <a:ln w="19050">
+              <a:solidFill>
+                <a:schemeClr val="tx1"/>
+              </a:solidFill>
+            </a:ln>
+          </p:spPr>
+          <p:style>
+            <a:lnRef idx="2">
+              <a:schemeClr val="accent1">
+                <a:shade val="50000"/>
+              </a:schemeClr>
+            </a:lnRef>
+            <a:fillRef idx="1">
+              <a:schemeClr val="accent1"/>
+            </a:fillRef>
+            <a:effectRef idx="0">
+              <a:schemeClr val="accent1"/>
+            </a:effectRef>
+            <a:fontRef idx="minor">
+              <a:schemeClr val="lt1"/>
+            </a:fontRef>
+          </p:style>
+          <p:txBody>
+            <a:bodyPr lIns="0" tIns="0" rIns="0" bIns="0" rtlCol="0" anchor="ctr"/>
+            <a:lstStyle/>
+            <a:p>
+              <a:pPr algn="ctr"/>
+              <a:r>
+                <a:rPr lang="en-US" sz="1400" dirty="0">
                   <a:solidFill>
                     <a:schemeClr val="tx1"/>
                   </a:solidFill>
                   <a:latin typeface="Times New Roman" panose="02020603050405020304" pitchFamily="18" charset="0"/>
                   <a:cs typeface="Times New Roman" panose="02020603050405020304" pitchFamily="18" charset="0"/>
-                </a:endParaRPr>
-              </a:p>
-            </p:txBody>
-          </p:sp>
-          <p:cxnSp>
-            <p:nvCxnSpPr>
-              <p:cNvPr id="67" name="Straight Arrow Connector 66"/>
-              <p:cNvCxnSpPr>
-                <a:cxnSpLocks noChangeAspect="1"/>
-                <a:stCxn id="66" idx="0"/>
-                <a:endCxn id="6" idx="2"/>
-              </p:cNvCxnSpPr>
-              <p:nvPr/>
-            </p:nvCxnSpPr>
-            <p:spPr>
-              <a:xfrm flipV="1">
-                <a:off x="5704220" y="4809448"/>
-                <a:ext cx="0" cy="241215"/>
-              </a:xfrm>
-              <a:prstGeom prst="straightConnector1">
-                <a:avLst/>
-              </a:prstGeom>
-              <a:ln w="19050">
-                <a:solidFill>
-                  <a:schemeClr val="tx1"/>
-                </a:solidFill>
-                <a:tailEnd type="triangle"/>
-              </a:ln>
-            </p:spPr>
-            <p:style>
-              <a:lnRef idx="1">
-                <a:schemeClr val="accent1"/>
-              </a:lnRef>
-              <a:fillRef idx="0">
-                <a:schemeClr val="accent1"/>
-              </a:fillRef>
-              <a:effectRef idx="0">
-                <a:schemeClr val="accent1"/>
-              </a:effectRef>
-              <a:fontRef idx="minor">
-                <a:schemeClr val="tx1"/>
-              </a:fontRef>
-            </p:style>
-          </p:cxnSp>
-          <p:sp>
-            <p:nvSpPr>
-              <p:cNvPr id="68" name="Oval 67"/>
-              <p:cNvSpPr>
-                <a:spLocks noChangeAspect="1"/>
-              </p:cNvSpPr>
-              <p:nvPr/>
-            </p:nvSpPr>
-            <p:spPr>
-              <a:xfrm>
-                <a:off x="4608201" y="5050663"/>
-                <a:ext cx="432000" cy="432000"/>
-              </a:xfrm>
-              <a:prstGeom prst="ellipse">
-                <a:avLst/>
-              </a:prstGeom>
-              <a:solidFill>
-                <a:schemeClr val="bg1"/>
-              </a:solidFill>
-              <a:ln w="19050">
-                <a:solidFill>
-                  <a:schemeClr val="tx1"/>
-                </a:solidFill>
-              </a:ln>
-            </p:spPr>
-            <p:style>
-              <a:lnRef idx="2">
-                <a:schemeClr val="accent1">
-                  <a:shade val="50000"/>
-                </a:schemeClr>
-              </a:lnRef>
-              <a:fillRef idx="1">
-                <a:schemeClr val="accent1"/>
-              </a:fillRef>
-              <a:effectRef idx="0">
-                <a:schemeClr val="accent1"/>
-              </a:effectRef>
-              <a:fontRef idx="minor">
-                <a:schemeClr val="lt1"/>
-              </a:fontRef>
-            </p:style>
-            <p:txBody>
-              <a:bodyPr lIns="0" tIns="0" rIns="0" bIns="0" rtlCol="0" anchor="ctr"/>
-              <a:lstStyle/>
-              <a:p>
-                <a:pPr algn="ctr"/>
-                <a:r>
-                  <a:rPr lang="en-US" sz="1400" dirty="0">
-                    <a:solidFill>
-                      <a:schemeClr val="tx1"/>
-                    </a:solidFill>
-                    <a:latin typeface="Times New Roman" panose="02020603050405020304" pitchFamily="18" charset="0"/>
-                    <a:cs typeface="Times New Roman" panose="02020603050405020304" pitchFamily="18" charset="0"/>
-                  </a:rPr>
-                  <a:t>u</a:t>
-                </a:r>
-                <a:r>
-                  <a:rPr lang="en-US" sz="1400" baseline="-25000" dirty="0">
-                    <a:solidFill>
-                      <a:schemeClr val="tx1"/>
-                    </a:solidFill>
-                    <a:latin typeface="Times New Roman" panose="02020603050405020304" pitchFamily="18" charset="0"/>
-                    <a:cs typeface="Times New Roman" panose="02020603050405020304" pitchFamily="18" charset="0"/>
-                  </a:rPr>
-                  <a:t>m3</a:t>
-                </a:r>
-                <a:endParaRPr lang="en-US" sz="1400" dirty="0">
+                </a:rPr>
+                <a:t>u</a:t>
+              </a:r>
+              <a:r>
+                <a:rPr lang="en-US" sz="1400" baseline="-25000" dirty="0">
                   <a:solidFill>
                     <a:schemeClr val="tx1"/>
                   </a:solidFill>
                   <a:latin typeface="Times New Roman" panose="02020603050405020304" pitchFamily="18" charset="0"/>
                   <a:cs typeface="Times New Roman" panose="02020603050405020304" pitchFamily="18" charset="0"/>
-                </a:endParaRPr>
-              </a:p>
-            </p:txBody>
-          </p:sp>
-          <p:cxnSp>
-            <p:nvCxnSpPr>
-              <p:cNvPr id="69" name="Straight Arrow Connector 68"/>
-              <p:cNvCxnSpPr>
-                <a:cxnSpLocks noChangeAspect="1"/>
-                <a:stCxn id="68" idx="0"/>
-                <a:endCxn id="5" idx="2"/>
-              </p:cNvCxnSpPr>
-              <p:nvPr/>
-            </p:nvCxnSpPr>
-            <p:spPr>
-              <a:xfrm flipV="1">
-                <a:off x="4824201" y="4816132"/>
-                <a:ext cx="1627" cy="234531"/>
-              </a:xfrm>
-              <a:prstGeom prst="straightConnector1">
-                <a:avLst/>
-              </a:prstGeom>
-              <a:ln w="19050">
+                </a:rPr>
+                <a:t>m1</a:t>
+              </a:r>
+              <a:endParaRPr lang="en-US" sz="1400" dirty="0">
                 <a:solidFill>
                   <a:schemeClr val="tx1"/>
                 </a:solidFill>
-                <a:tailEnd type="triangle"/>
-              </a:ln>
-            </p:spPr>
-            <p:style>
-              <a:lnRef idx="1">
-                <a:schemeClr val="accent1"/>
-              </a:lnRef>
-              <a:fillRef idx="0">
-                <a:schemeClr val="accent1"/>
-              </a:fillRef>
-              <a:effectRef idx="0">
-                <a:schemeClr val="accent1"/>
-              </a:effectRef>
-              <a:fontRef idx="minor">
+                <a:latin typeface="Times New Roman" panose="02020603050405020304" pitchFamily="18" charset="0"/>
+                <a:cs typeface="Times New Roman" panose="02020603050405020304" pitchFamily="18" charset="0"/>
+              </a:endParaRPr>
+            </a:p>
+          </p:txBody>
+        </p:sp>
+        <p:cxnSp>
+          <p:nvCxnSpPr>
+            <p:cNvPr id="82" name="Straight Arrow Connector 81">
+              <a:extLst>
+                <a:ext uri="{FF2B5EF4-FFF2-40B4-BE49-F238E27FC236}">
+                  <a16:creationId xmlns:a16="http://schemas.microsoft.com/office/drawing/2014/main" id="{59C25E80-D207-4052-AC3D-E0F54B694CD2}"/>
+                </a:ext>
+              </a:extLst>
+            </p:cNvPr>
+            <p:cNvCxnSpPr>
+              <a:cxnSpLocks noChangeAspect="1"/>
+              <a:stCxn id="81" idx="0"/>
+              <a:endCxn id="43" idx="2"/>
+            </p:cNvCxnSpPr>
+            <p:nvPr/>
+          </p:nvCxnSpPr>
+          <p:spPr>
+            <a:xfrm flipV="1">
+              <a:off x="3066027" y="4816132"/>
+              <a:ext cx="237" cy="234531"/>
+            </a:xfrm>
+            <a:prstGeom prst="straightConnector1">
+              <a:avLst/>
+            </a:prstGeom>
+            <a:ln w="19050">
+              <a:solidFill>
                 <a:schemeClr val="tx1"/>
-              </a:fontRef>
-            </p:style>
-          </p:cxnSp>
-          <p:sp>
-            <p:nvSpPr>
-              <p:cNvPr id="86" name="Oval 85"/>
-              <p:cNvSpPr>
-                <a:spLocks noChangeAspect="1"/>
-              </p:cNvSpPr>
-              <p:nvPr/>
-            </p:nvSpPr>
-            <p:spPr>
-              <a:xfrm>
-                <a:off x="5749463" y="2583109"/>
-                <a:ext cx="540000" cy="540000"/>
-              </a:xfrm>
-              <a:prstGeom prst="ellipse">
-                <a:avLst/>
-              </a:prstGeom>
+              </a:solidFill>
+              <a:tailEnd type="triangle"/>
+            </a:ln>
+          </p:spPr>
+          <p:style>
+            <a:lnRef idx="1">
+              <a:schemeClr val="accent1"/>
+            </a:lnRef>
+            <a:fillRef idx="0">
+              <a:schemeClr val="accent1"/>
+            </a:fillRef>
+            <a:effectRef idx="0">
+              <a:schemeClr val="accent1"/>
+            </a:effectRef>
+            <a:fontRef idx="minor">
+              <a:schemeClr val="tx1"/>
+            </a:fontRef>
+          </p:style>
+        </p:cxnSp>
+        <p:sp>
+          <p:nvSpPr>
+            <p:cNvPr id="83" name="Oval 82">
+              <a:extLst>
+                <a:ext uri="{FF2B5EF4-FFF2-40B4-BE49-F238E27FC236}">
+                  <a16:creationId xmlns:a16="http://schemas.microsoft.com/office/drawing/2014/main" id="{C74DCF6C-2975-4DBD-9072-F0E9F07A6C5A}"/>
+                </a:ext>
+              </a:extLst>
+            </p:cNvPr>
+            <p:cNvSpPr>
+              <a:spLocks noChangeAspect="1"/>
+            </p:cNvSpPr>
+            <p:nvPr/>
+          </p:nvSpPr>
+          <p:spPr>
+            <a:xfrm>
+              <a:off x="6366611" y="5050663"/>
+              <a:ext cx="432000" cy="432000"/>
+            </a:xfrm>
+            <a:prstGeom prst="ellipse">
+              <a:avLst/>
+            </a:prstGeom>
+            <a:solidFill>
+              <a:schemeClr val="bg1"/>
+            </a:solidFill>
+            <a:ln w="19050">
               <a:solidFill>
-                <a:schemeClr val="bg1"/>
+                <a:schemeClr val="tx1"/>
               </a:solidFill>
-              <a:ln w="19050">
-                <a:solidFill>
-                  <a:schemeClr val="tx1"/>
-                </a:solidFill>
-              </a:ln>
-            </p:spPr>
-            <p:style>
-              <a:lnRef idx="2">
-                <a:schemeClr val="accent1">
-                  <a:shade val="50000"/>
-                </a:schemeClr>
-              </a:lnRef>
-              <a:fillRef idx="1">
-                <a:schemeClr val="accent1"/>
-              </a:fillRef>
-              <a:effectRef idx="0">
-                <a:schemeClr val="accent1"/>
-              </a:effectRef>
-              <a:fontRef idx="minor">
-                <a:schemeClr val="lt1"/>
-              </a:fontRef>
-            </p:style>
-            <p:txBody>
-              <a:bodyPr rtlCol="0" anchor="ctr"/>
-              <a:lstStyle/>
-              <a:p>
-                <a:pPr algn="ctr"/>
-                <a:r>
-                  <a:rPr lang="en-US" sz="1400" dirty="0">
-                    <a:solidFill>
-                      <a:schemeClr val="tx1"/>
-                    </a:solidFill>
-                    <a:latin typeface="Times New Roman" panose="02020603050405020304" pitchFamily="18" charset="0"/>
-                    <a:cs typeface="Times New Roman" panose="02020603050405020304" pitchFamily="18" charset="0"/>
-                  </a:rPr>
-                  <a:t>e</a:t>
-                </a:r>
-                <a:r>
-                  <a:rPr lang="en-US" sz="1400" baseline="-25000" dirty="0">
-                    <a:solidFill>
-                      <a:schemeClr val="tx1"/>
-                    </a:solidFill>
-                    <a:latin typeface="Times New Roman" panose="02020603050405020304" pitchFamily="18" charset="0"/>
-                    <a:cs typeface="Times New Roman" panose="02020603050405020304" pitchFamily="18" charset="0"/>
-                  </a:rPr>
-                  <a:t>1</a:t>
-                </a:r>
-                <a:endParaRPr lang="en-US" sz="1400" dirty="0">
+            </a:ln>
+          </p:spPr>
+          <p:style>
+            <a:lnRef idx="2">
+              <a:schemeClr val="accent1">
+                <a:shade val="50000"/>
+              </a:schemeClr>
+            </a:lnRef>
+            <a:fillRef idx="1">
+              <a:schemeClr val="accent1"/>
+            </a:fillRef>
+            <a:effectRef idx="0">
+              <a:schemeClr val="accent1"/>
+            </a:effectRef>
+            <a:fontRef idx="minor">
+              <a:schemeClr val="lt1"/>
+            </a:fontRef>
+          </p:style>
+          <p:txBody>
+            <a:bodyPr lIns="0" tIns="0" rIns="0" bIns="0" rtlCol="0" anchor="ctr"/>
+            <a:lstStyle/>
+            <a:p>
+              <a:pPr algn="ctr"/>
+              <a:r>
+                <a:rPr lang="en-US" sz="1400" dirty="0">
                   <a:solidFill>
                     <a:schemeClr val="tx1"/>
                   </a:solidFill>
                   <a:latin typeface="Times New Roman" panose="02020603050405020304" pitchFamily="18" charset="0"/>
                   <a:cs typeface="Times New Roman" panose="02020603050405020304" pitchFamily="18" charset="0"/>
-                </a:endParaRPr>
-              </a:p>
-            </p:txBody>
-          </p:sp>
-          <p:cxnSp>
-            <p:nvCxnSpPr>
-              <p:cNvPr id="87" name="Straight Arrow Connector 86"/>
-              <p:cNvCxnSpPr>
-                <a:stCxn id="86" idx="2"/>
-                <a:endCxn id="7" idx="6"/>
-              </p:cNvCxnSpPr>
-              <p:nvPr/>
-            </p:nvCxnSpPr>
-            <p:spPr>
-              <a:xfrm flipH="1">
-                <a:off x="5455828" y="2853109"/>
-                <a:ext cx="293635" cy="0"/>
-              </a:xfrm>
-              <a:prstGeom prst="straightConnector1">
-                <a:avLst/>
-              </a:prstGeom>
-              <a:ln w="19050">
-                <a:solidFill>
-                  <a:schemeClr val="tx1"/>
-                </a:solidFill>
-                <a:tailEnd type="triangle"/>
-              </a:ln>
-            </p:spPr>
-            <p:style>
-              <a:lnRef idx="1">
-                <a:schemeClr val="accent1"/>
-              </a:lnRef>
-              <a:fillRef idx="0">
-                <a:schemeClr val="accent1"/>
-              </a:fillRef>
-              <a:effectRef idx="0">
-                <a:schemeClr val="accent1"/>
-              </a:effectRef>
-              <a:fontRef idx="minor">
-                <a:schemeClr val="tx1"/>
-              </a:fontRef>
-            </p:style>
-          </p:cxnSp>
-          <p:sp>
-            <p:nvSpPr>
-              <p:cNvPr id="43" name="Rectangle 42">
-                <a:extLst>
-                  <a:ext uri="{FF2B5EF4-FFF2-40B4-BE49-F238E27FC236}">
-                    <a16:creationId xmlns:a16="http://schemas.microsoft.com/office/drawing/2014/main" id="{167ABFF2-C789-4151-8FC8-FB0BEAE502CD}"/>
-                  </a:ext>
-                </a:extLst>
-              </p:cNvPr>
-              <p:cNvSpPr/>
-              <p:nvPr/>
-            </p:nvSpPr>
-            <p:spPr>
-              <a:xfrm>
-                <a:off x="2706264" y="4096132"/>
-                <a:ext cx="720000" cy="720000"/>
-              </a:xfrm>
-              <a:prstGeom prst="rect">
-                <a:avLst/>
-              </a:prstGeom>
-              <a:solidFill>
-                <a:schemeClr val="bg1"/>
-              </a:solidFill>
-              <a:ln w="19050">
-                <a:solidFill>
-                  <a:schemeClr val="tx1"/>
-                </a:solidFill>
-              </a:ln>
-            </p:spPr>
-            <p:style>
-              <a:lnRef idx="2">
-                <a:schemeClr val="accent1">
-                  <a:shade val="50000"/>
-                </a:schemeClr>
-              </a:lnRef>
-              <a:fillRef idx="1">
-                <a:schemeClr val="accent1"/>
-              </a:fillRef>
-              <a:effectRef idx="0">
-                <a:schemeClr val="accent1"/>
-              </a:effectRef>
-              <a:fontRef idx="minor">
-                <a:schemeClr val="lt1"/>
-              </a:fontRef>
-            </p:style>
-            <p:txBody>
-              <a:bodyPr rot="0" spcFirstLastPara="0" vertOverflow="overflow" horzOverflow="overflow" vert="horz" wrap="square" lIns="91440" tIns="45720" rIns="91440" bIns="45720" numCol="1" spcCol="0" rtlCol="0" fromWordArt="0" anchor="ctr" anchorCtr="0" forceAA="0" compatLnSpc="1">
-                <a:prstTxWarp prst="textNoShape">
-                  <a:avLst/>
-                </a:prstTxWarp>
-                <a:noAutofit/>
-              </a:bodyPr>
-              <a:lstStyle/>
-              <a:p>
-                <a:pPr algn="ctr"/>
-                <a:r>
-                  <a:rPr lang="en-US" sz="1400" dirty="0">
-                    <a:solidFill>
-                      <a:schemeClr val="tx1"/>
-                    </a:solidFill>
-                    <a:latin typeface="Times New Roman" panose="02020603050405020304" pitchFamily="18" charset="0"/>
-                    <a:cs typeface="Times New Roman" panose="02020603050405020304" pitchFamily="18" charset="0"/>
-                  </a:rPr>
-                  <a:t>math1</a:t>
-                </a:r>
-              </a:p>
-            </p:txBody>
-          </p:sp>
-          <p:sp>
-            <p:nvSpPr>
-              <p:cNvPr id="44" name="Rectangle 43">
-                <a:extLst>
-                  <a:ext uri="{FF2B5EF4-FFF2-40B4-BE49-F238E27FC236}">
-                    <a16:creationId xmlns:a16="http://schemas.microsoft.com/office/drawing/2014/main" id="{AF6FF479-3318-499E-AD06-412398111C70}"/>
-                  </a:ext>
-                </a:extLst>
-              </p:cNvPr>
-              <p:cNvSpPr/>
-              <p:nvPr/>
-            </p:nvSpPr>
-            <p:spPr>
-              <a:xfrm>
-                <a:off x="6222611" y="4089085"/>
-                <a:ext cx="720000" cy="720000"/>
-              </a:xfrm>
-              <a:prstGeom prst="rect">
-                <a:avLst/>
-              </a:prstGeom>
-              <a:solidFill>
-                <a:schemeClr val="bg1"/>
-              </a:solidFill>
-              <a:ln w="19050">
-                <a:solidFill>
-                  <a:schemeClr val="tx1"/>
-                </a:solidFill>
-              </a:ln>
-            </p:spPr>
-            <p:style>
-              <a:lnRef idx="2">
-                <a:schemeClr val="accent1">
-                  <a:shade val="50000"/>
-                </a:schemeClr>
-              </a:lnRef>
-              <a:fillRef idx="1">
-                <a:schemeClr val="accent1"/>
-              </a:fillRef>
-              <a:effectRef idx="0">
-                <a:schemeClr val="accent1"/>
-              </a:effectRef>
-              <a:fontRef idx="minor">
-                <a:schemeClr val="lt1"/>
-              </a:fontRef>
-            </p:style>
-            <p:txBody>
-              <a:bodyPr rot="0" spcFirstLastPara="0" vertOverflow="overflow" horzOverflow="overflow" vert="horz" wrap="square" lIns="91440" tIns="45720" rIns="91440" bIns="45720" numCol="1" spcCol="0" rtlCol="0" fromWordArt="0" anchor="ctr" anchorCtr="0" forceAA="0" compatLnSpc="1">
-                <a:prstTxWarp prst="textNoShape">
-                  <a:avLst/>
-                </a:prstTxWarp>
-                <a:noAutofit/>
-              </a:bodyPr>
-              <a:lstStyle/>
-              <a:p>
-                <a:pPr algn="ctr"/>
-                <a:r>
-                  <a:rPr lang="en-US" sz="1400" dirty="0">
-                    <a:solidFill>
-                      <a:schemeClr val="tx1"/>
-                    </a:solidFill>
-                    <a:latin typeface="Times New Roman" panose="02020603050405020304" pitchFamily="18" charset="0"/>
-                    <a:cs typeface="Times New Roman" panose="02020603050405020304" pitchFamily="18" charset="0"/>
-                  </a:rPr>
-                  <a:t>math5</a:t>
-                </a:r>
-              </a:p>
-            </p:txBody>
-          </p:sp>
-          <p:cxnSp>
-            <p:nvCxnSpPr>
-              <p:cNvPr id="45" name="Straight Arrow Connector 44">
-                <a:extLst>
-                  <a:ext uri="{FF2B5EF4-FFF2-40B4-BE49-F238E27FC236}">
-                    <a16:creationId xmlns:a16="http://schemas.microsoft.com/office/drawing/2014/main" id="{C32186EF-7ED8-44D6-938B-319A17F155BF}"/>
-                  </a:ext>
-                </a:extLst>
-              </p:cNvPr>
-              <p:cNvCxnSpPr>
-                <a:cxnSpLocks/>
-                <a:stCxn id="7" idx="4"/>
-                <a:endCxn id="44" idx="0"/>
-              </p:cNvCxnSpPr>
-              <p:nvPr/>
-            </p:nvCxnSpPr>
-            <p:spPr>
-              <a:xfrm>
-                <a:off x="4825828" y="3483109"/>
-                <a:ext cx="1756783" cy="605976"/>
-              </a:xfrm>
-              <a:prstGeom prst="straightConnector1">
-                <a:avLst/>
-              </a:prstGeom>
-              <a:ln w="19050">
-                <a:solidFill>
-                  <a:schemeClr val="tx1"/>
-                </a:solidFill>
-                <a:tailEnd type="triangle"/>
-              </a:ln>
-            </p:spPr>
-            <p:style>
-              <a:lnRef idx="1">
-                <a:schemeClr val="accent1"/>
-              </a:lnRef>
-              <a:fillRef idx="0">
-                <a:schemeClr val="accent1"/>
-              </a:fillRef>
-              <a:effectRef idx="0">
-                <a:schemeClr val="accent1"/>
-              </a:effectRef>
-              <a:fontRef idx="minor">
-                <a:schemeClr val="tx1"/>
-              </a:fontRef>
-            </p:style>
-          </p:cxnSp>
-          <p:cxnSp>
-            <p:nvCxnSpPr>
-              <p:cNvPr id="46" name="Straight Arrow Connector 45">
-                <a:extLst>
-                  <a:ext uri="{FF2B5EF4-FFF2-40B4-BE49-F238E27FC236}">
-                    <a16:creationId xmlns:a16="http://schemas.microsoft.com/office/drawing/2014/main" id="{46DE1C74-3AFF-4DE1-ABC2-DA4737BF6288}"/>
-                  </a:ext>
-                </a:extLst>
-              </p:cNvPr>
-              <p:cNvCxnSpPr>
-                <a:cxnSpLocks/>
-                <a:stCxn id="7" idx="4"/>
-                <a:endCxn id="43" idx="0"/>
-              </p:cNvCxnSpPr>
-              <p:nvPr/>
-            </p:nvCxnSpPr>
-            <p:spPr>
-              <a:xfrm flipH="1">
-                <a:off x="3066264" y="3483109"/>
-                <a:ext cx="1759564" cy="613023"/>
-              </a:xfrm>
-              <a:prstGeom prst="straightConnector1">
-                <a:avLst/>
-              </a:prstGeom>
-              <a:ln w="19050">
-                <a:solidFill>
-                  <a:schemeClr val="tx1"/>
-                </a:solidFill>
-                <a:tailEnd type="triangle"/>
-              </a:ln>
-            </p:spPr>
-            <p:style>
-              <a:lnRef idx="1">
-                <a:schemeClr val="accent1"/>
-              </a:lnRef>
-              <a:fillRef idx="0">
-                <a:schemeClr val="accent1"/>
-              </a:fillRef>
-              <a:effectRef idx="0">
-                <a:schemeClr val="accent1"/>
-              </a:effectRef>
-              <a:fontRef idx="minor">
-                <a:schemeClr val="tx1"/>
-              </a:fontRef>
-            </p:style>
-          </p:cxnSp>
-          <p:sp>
-            <p:nvSpPr>
-              <p:cNvPr id="81" name="Oval 80">
-                <a:extLst>
-                  <a:ext uri="{FF2B5EF4-FFF2-40B4-BE49-F238E27FC236}">
-                    <a16:creationId xmlns:a16="http://schemas.microsoft.com/office/drawing/2014/main" id="{6E120966-D08F-4695-A0CB-5AC8BFE86E21}"/>
-                  </a:ext>
-                </a:extLst>
-              </p:cNvPr>
-              <p:cNvSpPr>
-                <a:spLocks noChangeAspect="1"/>
-              </p:cNvSpPr>
-              <p:nvPr/>
-            </p:nvSpPr>
-            <p:spPr>
-              <a:xfrm>
-                <a:off x="2850027" y="5050663"/>
-                <a:ext cx="432000" cy="432000"/>
-              </a:xfrm>
-              <a:prstGeom prst="ellipse">
-                <a:avLst/>
-              </a:prstGeom>
-              <a:solidFill>
-                <a:schemeClr val="bg1"/>
-              </a:solidFill>
-              <a:ln w="19050">
-                <a:solidFill>
-                  <a:schemeClr val="tx1"/>
-                </a:solidFill>
-              </a:ln>
-            </p:spPr>
-            <p:style>
-              <a:lnRef idx="2">
-                <a:schemeClr val="accent1">
-                  <a:shade val="50000"/>
-                </a:schemeClr>
-              </a:lnRef>
-              <a:fillRef idx="1">
-                <a:schemeClr val="accent1"/>
-              </a:fillRef>
-              <a:effectRef idx="0">
-                <a:schemeClr val="accent1"/>
-              </a:effectRef>
-              <a:fontRef idx="minor">
-                <a:schemeClr val="lt1"/>
-              </a:fontRef>
-            </p:style>
-            <p:txBody>
-              <a:bodyPr lIns="0" tIns="0" rIns="0" bIns="0" rtlCol="0" anchor="ctr"/>
-              <a:lstStyle/>
-              <a:p>
-                <a:pPr algn="ctr"/>
-                <a:r>
-                  <a:rPr lang="en-US" sz="1400" dirty="0">
-                    <a:solidFill>
-                      <a:schemeClr val="tx1"/>
-                    </a:solidFill>
-                    <a:latin typeface="Times New Roman" panose="02020603050405020304" pitchFamily="18" charset="0"/>
-                    <a:cs typeface="Times New Roman" panose="02020603050405020304" pitchFamily="18" charset="0"/>
-                  </a:rPr>
-                  <a:t>u</a:t>
-                </a:r>
-                <a:r>
-                  <a:rPr lang="en-US" sz="1400" baseline="-25000" dirty="0">
-                    <a:solidFill>
-                      <a:schemeClr val="tx1"/>
-                    </a:solidFill>
-                    <a:latin typeface="Times New Roman" panose="02020603050405020304" pitchFamily="18" charset="0"/>
-                    <a:cs typeface="Times New Roman" panose="02020603050405020304" pitchFamily="18" charset="0"/>
-                  </a:rPr>
-                  <a:t>m1</a:t>
-                </a:r>
-                <a:endParaRPr lang="en-US" sz="1400" dirty="0">
+                </a:rPr>
+                <a:t>u</a:t>
+              </a:r>
+              <a:r>
+                <a:rPr lang="en-US" sz="1400" baseline="-25000" dirty="0">
                   <a:solidFill>
                     <a:schemeClr val="tx1"/>
                   </a:solidFill>
                   <a:latin typeface="Times New Roman" panose="02020603050405020304" pitchFamily="18" charset="0"/>
                   <a:cs typeface="Times New Roman" panose="02020603050405020304" pitchFamily="18" charset="0"/>
-                </a:endParaRPr>
-              </a:p>
-            </p:txBody>
-          </p:sp>
-          <p:cxnSp>
-            <p:nvCxnSpPr>
-              <p:cNvPr id="82" name="Straight Arrow Connector 81">
-                <a:extLst>
-                  <a:ext uri="{FF2B5EF4-FFF2-40B4-BE49-F238E27FC236}">
-                    <a16:creationId xmlns:a16="http://schemas.microsoft.com/office/drawing/2014/main" id="{59C25E80-D207-4052-AC3D-E0F54B694CD2}"/>
-                  </a:ext>
-                </a:extLst>
-              </p:cNvPr>
-              <p:cNvCxnSpPr>
-                <a:cxnSpLocks noChangeAspect="1"/>
-                <a:stCxn id="81" idx="0"/>
-                <a:endCxn id="43" idx="2"/>
-              </p:cNvCxnSpPr>
-              <p:nvPr/>
-            </p:nvCxnSpPr>
-            <p:spPr>
-              <a:xfrm flipV="1">
-                <a:off x="3066027" y="4816132"/>
-                <a:ext cx="237" cy="234531"/>
-              </a:xfrm>
-              <a:prstGeom prst="straightConnector1">
-                <a:avLst/>
-              </a:prstGeom>
-              <a:ln w="19050">
+                </a:rPr>
+                <a:t>m5</a:t>
+              </a:r>
+              <a:endParaRPr lang="en-US" sz="1400" dirty="0">
                 <a:solidFill>
                   <a:schemeClr val="tx1"/>
                 </a:solidFill>
-                <a:tailEnd type="triangle"/>
-              </a:ln>
-            </p:spPr>
-            <p:style>
-              <a:lnRef idx="1">
-                <a:schemeClr val="accent1"/>
-              </a:lnRef>
-              <a:fillRef idx="0">
-                <a:schemeClr val="accent1"/>
-              </a:fillRef>
-              <a:effectRef idx="0">
-                <a:schemeClr val="accent1"/>
-              </a:effectRef>
-              <a:fontRef idx="minor">
+                <a:latin typeface="Times New Roman" panose="02020603050405020304" pitchFamily="18" charset="0"/>
+                <a:cs typeface="Times New Roman" panose="02020603050405020304" pitchFamily="18" charset="0"/>
+              </a:endParaRPr>
+            </a:p>
+          </p:txBody>
+        </p:sp>
+        <p:cxnSp>
+          <p:nvCxnSpPr>
+            <p:cNvPr id="84" name="Straight Arrow Connector 83">
+              <a:extLst>
+                <a:ext uri="{FF2B5EF4-FFF2-40B4-BE49-F238E27FC236}">
+                  <a16:creationId xmlns:a16="http://schemas.microsoft.com/office/drawing/2014/main" id="{86A4664D-CA01-4AFD-9C50-8425B3D75A0D}"/>
+                </a:ext>
+              </a:extLst>
+            </p:cNvPr>
+            <p:cNvCxnSpPr>
+              <a:cxnSpLocks noChangeAspect="1"/>
+              <a:stCxn id="83" idx="0"/>
+              <a:endCxn id="44" idx="2"/>
+            </p:cNvCxnSpPr>
+            <p:nvPr/>
+          </p:nvCxnSpPr>
+          <p:spPr>
+            <a:xfrm flipV="1">
+              <a:off x="6582611" y="4809085"/>
+              <a:ext cx="0" cy="241578"/>
+            </a:xfrm>
+            <a:prstGeom prst="straightConnector1">
+              <a:avLst/>
+            </a:prstGeom>
+            <a:ln w="19050">
+              <a:solidFill>
                 <a:schemeClr val="tx1"/>
-              </a:fontRef>
-            </p:style>
-          </p:cxnSp>
-          <p:sp>
-            <p:nvSpPr>
-              <p:cNvPr id="83" name="Oval 82">
-                <a:extLst>
-                  <a:ext uri="{FF2B5EF4-FFF2-40B4-BE49-F238E27FC236}">
-                    <a16:creationId xmlns:a16="http://schemas.microsoft.com/office/drawing/2014/main" id="{C74DCF6C-2975-4DBD-9072-F0E9F07A6C5A}"/>
-                  </a:ext>
-                </a:extLst>
-              </p:cNvPr>
-              <p:cNvSpPr>
-                <a:spLocks noChangeAspect="1"/>
-              </p:cNvSpPr>
-              <p:nvPr/>
-            </p:nvSpPr>
-            <p:spPr>
-              <a:xfrm>
-                <a:off x="6366611" y="5050663"/>
-                <a:ext cx="432000" cy="432000"/>
-              </a:xfrm>
-              <a:prstGeom prst="ellipse">
-                <a:avLst/>
-              </a:prstGeom>
-              <a:solidFill>
-                <a:schemeClr val="bg1"/>
               </a:solidFill>
-              <a:ln w="19050">
+              <a:tailEnd type="triangle"/>
+            </a:ln>
+          </p:spPr>
+          <p:style>
+            <a:lnRef idx="1">
+              <a:schemeClr val="accent1"/>
+            </a:lnRef>
+            <a:fillRef idx="0">
+              <a:schemeClr val="accent1"/>
+            </a:fillRef>
+            <a:effectRef idx="0">
+              <a:schemeClr val="accent1"/>
+            </a:effectRef>
+            <a:fontRef idx="minor">
+              <a:schemeClr val="tx1"/>
+            </a:fontRef>
+          </p:style>
+        </p:cxnSp>
+      </p:grpSp>
+      <p:sp>
+        <p:nvSpPr>
+          <p:cNvPr id="123" name="Rectangle 122">
+            <a:extLst>
+              <a:ext uri="{FF2B5EF4-FFF2-40B4-BE49-F238E27FC236}">
+                <a16:creationId xmlns:a16="http://schemas.microsoft.com/office/drawing/2014/main" id="{5FD9ED96-973E-41BD-A31B-4E212B53C030}"/>
+              </a:ext>
+            </a:extLst>
+          </p:cNvPr>
+          <p:cNvSpPr/>
+          <p:nvPr/>
+        </p:nvSpPr>
+        <p:spPr>
+          <a:xfrm>
+            <a:off x="8606437" y="124216"/>
+            <a:ext cx="720000" cy="720000"/>
+          </a:xfrm>
+          <a:prstGeom prst="rect">
+            <a:avLst/>
+          </a:prstGeom>
+          <a:solidFill>
+            <a:schemeClr val="bg1"/>
+          </a:solidFill>
+          <a:ln w="19050">
+            <a:solidFill>
+              <a:schemeClr val="tx1"/>
+            </a:solidFill>
+          </a:ln>
+        </p:spPr>
+        <p:style>
+          <a:lnRef idx="2">
+            <a:schemeClr val="accent1">
+              <a:shade val="50000"/>
+            </a:schemeClr>
+          </a:lnRef>
+          <a:fillRef idx="1">
+            <a:schemeClr val="accent1"/>
+          </a:fillRef>
+          <a:effectRef idx="0">
+            <a:schemeClr val="accent1"/>
+          </a:effectRef>
+          <a:fontRef idx="minor">
+            <a:schemeClr val="lt1"/>
+          </a:fontRef>
+        </p:style>
+        <p:txBody>
+          <a:bodyPr rot="0" spcFirstLastPara="0" vertOverflow="overflow" horzOverflow="overflow" vert="horz" wrap="square" lIns="53996" tIns="26998" rIns="53996" bIns="26998" numCol="1" spcCol="0" rtlCol="0" fromWordArt="0" anchor="ctr" anchorCtr="0" forceAA="0" compatLnSpc="1">
+            <a:prstTxWarp prst="textNoShape">
+              <a:avLst/>
+            </a:prstTxWarp>
+            <a:noAutofit/>
+          </a:bodyPr>
+          <a:lstStyle/>
+          <a:p>
+            <a:pPr algn="ctr"/>
+            <a:r>
+              <a:rPr lang="en-US" sz="1400" dirty="0">
                 <a:solidFill>
                   <a:schemeClr val="tx1"/>
                 </a:solidFill>
-              </a:ln>
-            </p:spPr>
-            <p:style>
-              <a:lnRef idx="2">
-                <a:schemeClr val="accent1">
-                  <a:shade val="50000"/>
-                </a:schemeClr>
-              </a:lnRef>
-              <a:fillRef idx="1">
-                <a:schemeClr val="accent1"/>
-              </a:fillRef>
-              <a:effectRef idx="0">
-                <a:schemeClr val="accent1"/>
-              </a:effectRef>
-              <a:fontRef idx="minor">
-                <a:schemeClr val="lt1"/>
-              </a:fontRef>
-            </p:style>
-            <p:txBody>
-              <a:bodyPr lIns="0" tIns="0" rIns="0" bIns="0" rtlCol="0" anchor="ctr"/>
-              <a:lstStyle/>
-              <a:p>
-                <a:pPr algn="ctr"/>
-                <a:r>
-                  <a:rPr lang="en-US" sz="1400" dirty="0">
-                    <a:solidFill>
-                      <a:schemeClr val="tx1"/>
-                    </a:solidFill>
-                    <a:latin typeface="Times New Roman" panose="02020603050405020304" pitchFamily="18" charset="0"/>
-                    <a:cs typeface="Times New Roman" panose="02020603050405020304" pitchFamily="18" charset="0"/>
-                  </a:rPr>
-                  <a:t>u</a:t>
-                </a:r>
-                <a:r>
-                  <a:rPr lang="en-US" sz="1400" baseline="-25000" dirty="0">
-                    <a:solidFill>
-                      <a:schemeClr val="tx1"/>
-                    </a:solidFill>
-                    <a:latin typeface="Times New Roman" panose="02020603050405020304" pitchFamily="18" charset="0"/>
-                    <a:cs typeface="Times New Roman" panose="02020603050405020304" pitchFamily="18" charset="0"/>
-                  </a:rPr>
-                  <a:t>m5</a:t>
-                </a:r>
-                <a:endParaRPr lang="en-US" sz="1400" dirty="0">
-                  <a:solidFill>
-                    <a:schemeClr val="tx1"/>
-                  </a:solidFill>
-                  <a:latin typeface="Times New Roman" panose="02020603050405020304" pitchFamily="18" charset="0"/>
-                  <a:cs typeface="Times New Roman" panose="02020603050405020304" pitchFamily="18" charset="0"/>
-                </a:endParaRPr>
-              </a:p>
-            </p:txBody>
-          </p:sp>
-          <p:cxnSp>
-            <p:nvCxnSpPr>
-              <p:cNvPr id="84" name="Straight Arrow Connector 83">
-                <a:extLst>
-                  <a:ext uri="{FF2B5EF4-FFF2-40B4-BE49-F238E27FC236}">
-                    <a16:creationId xmlns:a16="http://schemas.microsoft.com/office/drawing/2014/main" id="{86A4664D-CA01-4AFD-9C50-8425B3D75A0D}"/>
-                  </a:ext>
-                </a:extLst>
-              </p:cNvPr>
-              <p:cNvCxnSpPr>
-                <a:cxnSpLocks noChangeAspect="1"/>
-                <a:stCxn id="83" idx="0"/>
-                <a:endCxn id="44" idx="2"/>
-              </p:cNvCxnSpPr>
-              <p:nvPr/>
-            </p:nvCxnSpPr>
-            <p:spPr>
-              <a:xfrm flipV="1">
-                <a:off x="6582611" y="4809085"/>
-                <a:ext cx="0" cy="241578"/>
-              </a:xfrm>
-              <a:prstGeom prst="straightConnector1">
-                <a:avLst/>
-              </a:prstGeom>
-              <a:ln w="19050">
+                <a:latin typeface="Times New Roman" panose="02020603050405020304" pitchFamily="18" charset="0"/>
+                <a:cs typeface="Times New Roman" panose="02020603050405020304" pitchFamily="18" charset="0"/>
+              </a:rPr>
+              <a:t>spatial1</a:t>
+            </a:r>
+          </a:p>
+        </p:txBody>
+      </p:sp>
+      <p:sp>
+        <p:nvSpPr>
+          <p:cNvPr id="124" name="Rectangle 123">
+            <a:extLst>
+              <a:ext uri="{FF2B5EF4-FFF2-40B4-BE49-F238E27FC236}">
+                <a16:creationId xmlns:a16="http://schemas.microsoft.com/office/drawing/2014/main" id="{5BBC39BE-D2DC-48B5-9127-8B55B3F454ED}"/>
+              </a:ext>
+            </a:extLst>
+          </p:cNvPr>
+          <p:cNvSpPr/>
+          <p:nvPr/>
+        </p:nvSpPr>
+        <p:spPr>
+          <a:xfrm>
+            <a:off x="8606437" y="999401"/>
+            <a:ext cx="720000" cy="720000"/>
+          </a:xfrm>
+          <a:prstGeom prst="rect">
+            <a:avLst/>
+          </a:prstGeom>
+          <a:solidFill>
+            <a:schemeClr val="bg1"/>
+          </a:solidFill>
+          <a:ln w="19050">
+            <a:solidFill>
+              <a:schemeClr val="tx1"/>
+            </a:solidFill>
+          </a:ln>
+        </p:spPr>
+        <p:style>
+          <a:lnRef idx="2">
+            <a:schemeClr val="accent1">
+              <a:shade val="50000"/>
+            </a:schemeClr>
+          </a:lnRef>
+          <a:fillRef idx="1">
+            <a:schemeClr val="accent1"/>
+          </a:fillRef>
+          <a:effectRef idx="0">
+            <a:schemeClr val="accent1"/>
+          </a:effectRef>
+          <a:fontRef idx="minor">
+            <a:schemeClr val="lt1"/>
+          </a:fontRef>
+        </p:style>
+        <p:txBody>
+          <a:bodyPr rot="0" spcFirstLastPara="0" vertOverflow="overflow" horzOverflow="overflow" vert="horz" wrap="square" lIns="53996" tIns="26998" rIns="53996" bIns="26998" numCol="1" spcCol="0" rtlCol="0" fromWordArt="0" anchor="ctr" anchorCtr="0" forceAA="0" compatLnSpc="1">
+            <a:prstTxWarp prst="textNoShape">
+              <a:avLst/>
+            </a:prstTxWarp>
+            <a:noAutofit/>
+          </a:bodyPr>
+          <a:lstStyle/>
+          <a:p>
+            <a:pPr algn="ctr"/>
+            <a:r>
+              <a:rPr lang="en-US" sz="1400" dirty="0">
                 <a:solidFill>
                   <a:schemeClr val="tx1"/>
                 </a:solidFill>
-                <a:tailEnd type="triangle"/>
-              </a:ln>
-            </p:spPr>
-            <p:style>
-              <a:lnRef idx="1">
-                <a:schemeClr val="accent1"/>
-              </a:lnRef>
-              <a:fillRef idx="0">
-                <a:schemeClr val="accent1"/>
-              </a:fillRef>
-              <a:effectRef idx="0">
-                <a:schemeClr val="accent1"/>
-              </a:effectRef>
-              <a:fontRef idx="minor">
-                <a:schemeClr val="tx1"/>
-              </a:fontRef>
-            </p:style>
-          </p:cxnSp>
-        </p:grpSp>
-        <p:grpSp>
-          <p:nvGrpSpPr>
-            <p:cNvPr id="167" name="Group 166">
-              <a:extLst>
-                <a:ext uri="{FF2B5EF4-FFF2-40B4-BE49-F238E27FC236}">
-                  <a16:creationId xmlns:a16="http://schemas.microsoft.com/office/drawing/2014/main" id="{A749A2E2-F710-47B9-8D58-A8C9DE1E898A}"/>
-                </a:ext>
-              </a:extLst>
-            </p:cNvPr>
-            <p:cNvGrpSpPr/>
-            <p:nvPr/>
-          </p:nvGrpSpPr>
-          <p:grpSpPr>
-            <a:xfrm>
-              <a:off x="8667292" y="95596"/>
-              <a:ext cx="3390455" cy="4232563"/>
-              <a:chOff x="7596322" y="1135036"/>
-              <a:chExt cx="3390455" cy="4232563"/>
-            </a:xfrm>
-          </p:grpSpPr>
-          <p:sp>
-            <p:nvSpPr>
-              <p:cNvPr id="123" name="Rectangle 122">
-                <a:extLst>
-                  <a:ext uri="{FF2B5EF4-FFF2-40B4-BE49-F238E27FC236}">
-                    <a16:creationId xmlns:a16="http://schemas.microsoft.com/office/drawing/2014/main" id="{5FD9ED96-973E-41BD-A31B-4E212B53C030}"/>
-                  </a:ext>
-                </a:extLst>
-              </p:cNvPr>
-              <p:cNvSpPr/>
-              <p:nvPr/>
-            </p:nvSpPr>
-            <p:spPr>
-              <a:xfrm>
-                <a:off x="9512995" y="1135036"/>
-                <a:ext cx="720000" cy="720000"/>
-              </a:xfrm>
-              <a:prstGeom prst="rect">
-                <a:avLst/>
-              </a:prstGeom>
-              <a:solidFill>
-                <a:schemeClr val="bg1"/>
-              </a:solidFill>
-              <a:ln w="19050">
+                <a:latin typeface="Times New Roman" panose="02020603050405020304" pitchFamily="18" charset="0"/>
+                <a:cs typeface="Times New Roman" panose="02020603050405020304" pitchFamily="18" charset="0"/>
+              </a:rPr>
+              <a:t>spatial2</a:t>
+            </a:r>
+          </a:p>
+        </p:txBody>
+      </p:sp>
+      <p:sp>
+        <p:nvSpPr>
+          <p:cNvPr id="125" name="Rectangle 124">
+            <a:extLst>
+              <a:ext uri="{FF2B5EF4-FFF2-40B4-BE49-F238E27FC236}">
+                <a16:creationId xmlns:a16="http://schemas.microsoft.com/office/drawing/2014/main" id="{97B0C90A-0C06-429C-891E-D4E6AE87E487}"/>
+              </a:ext>
+            </a:extLst>
+          </p:cNvPr>
+          <p:cNvSpPr/>
+          <p:nvPr/>
+        </p:nvSpPr>
+        <p:spPr>
+          <a:xfrm>
+            <a:off x="8610879" y="1876613"/>
+            <a:ext cx="720000" cy="720000"/>
+          </a:xfrm>
+          <a:prstGeom prst="rect">
+            <a:avLst/>
+          </a:prstGeom>
+          <a:solidFill>
+            <a:schemeClr val="bg1"/>
+          </a:solidFill>
+          <a:ln w="19050">
+            <a:solidFill>
+              <a:schemeClr val="tx1"/>
+            </a:solidFill>
+          </a:ln>
+        </p:spPr>
+        <p:style>
+          <a:lnRef idx="2">
+            <a:schemeClr val="accent1">
+              <a:shade val="50000"/>
+            </a:schemeClr>
+          </a:lnRef>
+          <a:fillRef idx="1">
+            <a:schemeClr val="accent1"/>
+          </a:fillRef>
+          <a:effectRef idx="0">
+            <a:schemeClr val="accent1"/>
+          </a:effectRef>
+          <a:fontRef idx="minor">
+            <a:schemeClr val="lt1"/>
+          </a:fontRef>
+        </p:style>
+        <p:txBody>
+          <a:bodyPr rot="0" spcFirstLastPara="0" vertOverflow="overflow" horzOverflow="overflow" vert="horz" wrap="square" lIns="53996" tIns="26998" rIns="53996" bIns="26998" numCol="1" spcCol="0" rtlCol="0" fromWordArt="0" anchor="ctr" anchorCtr="0" forceAA="0" compatLnSpc="1">
+            <a:prstTxWarp prst="textNoShape">
+              <a:avLst/>
+            </a:prstTxWarp>
+            <a:noAutofit/>
+          </a:bodyPr>
+          <a:lstStyle/>
+          <a:p>
+            <a:pPr algn="ctr"/>
+            <a:r>
+              <a:rPr lang="en-US" sz="1400" dirty="0">
                 <a:solidFill>
                   <a:schemeClr val="tx1"/>
                 </a:solidFill>
-              </a:ln>
-            </p:spPr>
-            <p:style>
-              <a:lnRef idx="2">
-                <a:schemeClr val="accent1">
-                  <a:shade val="50000"/>
-                </a:schemeClr>
-              </a:lnRef>
-              <a:fillRef idx="1">
-                <a:schemeClr val="accent1"/>
-              </a:fillRef>
-              <a:effectRef idx="0">
-                <a:schemeClr val="accent1"/>
-              </a:effectRef>
-              <a:fontRef idx="minor">
-                <a:schemeClr val="lt1"/>
-              </a:fontRef>
-            </p:style>
-            <p:txBody>
-              <a:bodyPr rot="0" spcFirstLastPara="0" vertOverflow="overflow" horzOverflow="overflow" vert="horz" wrap="square" lIns="53996" tIns="26998" rIns="53996" bIns="26998" numCol="1" spcCol="0" rtlCol="0" fromWordArt="0" anchor="ctr" anchorCtr="0" forceAA="0" compatLnSpc="1">
-                <a:prstTxWarp prst="textNoShape">
-                  <a:avLst/>
-                </a:prstTxWarp>
-                <a:noAutofit/>
-              </a:bodyPr>
-              <a:lstStyle/>
-              <a:p>
-                <a:pPr algn="ctr"/>
-                <a:r>
-                  <a:rPr lang="en-US" sz="1400" dirty="0">
-                    <a:solidFill>
-                      <a:schemeClr val="tx1"/>
-                    </a:solidFill>
-                    <a:latin typeface="Times New Roman" panose="02020603050405020304" pitchFamily="18" charset="0"/>
-                    <a:cs typeface="Times New Roman" panose="02020603050405020304" pitchFamily="18" charset="0"/>
-                  </a:rPr>
-                  <a:t>spatial1</a:t>
-                </a:r>
-              </a:p>
-            </p:txBody>
-          </p:sp>
-          <p:sp>
-            <p:nvSpPr>
-              <p:cNvPr id="124" name="Rectangle 123">
-                <a:extLst>
-                  <a:ext uri="{FF2B5EF4-FFF2-40B4-BE49-F238E27FC236}">
-                    <a16:creationId xmlns:a16="http://schemas.microsoft.com/office/drawing/2014/main" id="{5BBC39BE-D2DC-48B5-9127-8B55B3F454ED}"/>
-                  </a:ext>
-                </a:extLst>
-              </p:cNvPr>
-              <p:cNvSpPr/>
-              <p:nvPr/>
-            </p:nvSpPr>
-            <p:spPr>
-              <a:xfrm>
-                <a:off x="9512995" y="2010221"/>
-                <a:ext cx="720000" cy="720000"/>
-              </a:xfrm>
-              <a:prstGeom prst="rect">
-                <a:avLst/>
-              </a:prstGeom>
-              <a:solidFill>
-                <a:schemeClr val="bg1"/>
-              </a:solidFill>
-              <a:ln w="19050">
+                <a:latin typeface="Times New Roman" panose="02020603050405020304" pitchFamily="18" charset="0"/>
+                <a:cs typeface="Times New Roman" panose="02020603050405020304" pitchFamily="18" charset="0"/>
+              </a:rPr>
+              <a:t>spatial3</a:t>
+            </a:r>
+          </a:p>
+        </p:txBody>
+      </p:sp>
+      <p:sp>
+        <p:nvSpPr>
+          <p:cNvPr id="126" name="Oval 125">
+            <a:extLst>
+              <a:ext uri="{FF2B5EF4-FFF2-40B4-BE49-F238E27FC236}">
+                <a16:creationId xmlns:a16="http://schemas.microsoft.com/office/drawing/2014/main" id="{2D315968-E20C-4C56-9681-FF399F283136}"/>
+              </a:ext>
+            </a:extLst>
+          </p:cNvPr>
+          <p:cNvSpPr/>
+          <p:nvPr/>
+        </p:nvSpPr>
+        <p:spPr>
+          <a:xfrm>
+            <a:off x="6689764" y="1604291"/>
+            <a:ext cx="1260000" cy="1260000"/>
+          </a:xfrm>
+          <a:prstGeom prst="ellipse">
+            <a:avLst/>
+          </a:prstGeom>
+          <a:solidFill>
+            <a:schemeClr val="bg1"/>
+          </a:solidFill>
+          <a:ln w="19050">
+            <a:solidFill>
+              <a:schemeClr val="tx1"/>
+            </a:solidFill>
+          </a:ln>
+        </p:spPr>
+        <p:style>
+          <a:lnRef idx="2">
+            <a:schemeClr val="accent1">
+              <a:shade val="50000"/>
+            </a:schemeClr>
+          </a:lnRef>
+          <a:fillRef idx="1">
+            <a:schemeClr val="accent1"/>
+          </a:fillRef>
+          <a:effectRef idx="0">
+            <a:schemeClr val="accent1"/>
+          </a:effectRef>
+          <a:fontRef idx="minor">
+            <a:schemeClr val="lt1"/>
+          </a:fontRef>
+        </p:style>
+        <p:txBody>
+          <a:bodyPr lIns="0" rIns="0" rtlCol="0" anchor="ctr"/>
+          <a:lstStyle/>
+          <a:p>
+            <a:pPr algn="ctr"/>
+            <a:r>
+              <a:rPr lang="en-US" sz="1600" dirty="0">
                 <a:solidFill>
                   <a:schemeClr val="tx1"/>
                 </a:solidFill>
-              </a:ln>
-            </p:spPr>
-            <p:style>
-              <a:lnRef idx="2">
-                <a:schemeClr val="accent1">
-                  <a:shade val="50000"/>
-                </a:schemeClr>
-              </a:lnRef>
-              <a:fillRef idx="1">
-                <a:schemeClr val="accent1"/>
-              </a:fillRef>
-              <a:effectRef idx="0">
-                <a:schemeClr val="accent1"/>
-              </a:effectRef>
-              <a:fontRef idx="minor">
-                <a:schemeClr val="lt1"/>
-              </a:fontRef>
-            </p:style>
-            <p:txBody>
-              <a:bodyPr rot="0" spcFirstLastPara="0" vertOverflow="overflow" horzOverflow="overflow" vert="horz" wrap="square" lIns="53996" tIns="26998" rIns="53996" bIns="26998" numCol="1" spcCol="0" rtlCol="0" fromWordArt="0" anchor="ctr" anchorCtr="0" forceAA="0" compatLnSpc="1">
-                <a:prstTxWarp prst="textNoShape">
-                  <a:avLst/>
-                </a:prstTxWarp>
-                <a:noAutofit/>
-              </a:bodyPr>
-              <a:lstStyle/>
-              <a:p>
-                <a:pPr algn="ctr"/>
-                <a:r>
-                  <a:rPr lang="en-US" sz="1400" dirty="0">
-                    <a:solidFill>
-                      <a:schemeClr val="tx1"/>
-                    </a:solidFill>
-                    <a:latin typeface="Times New Roman" panose="02020603050405020304" pitchFamily="18" charset="0"/>
-                    <a:cs typeface="Times New Roman" panose="02020603050405020304" pitchFamily="18" charset="0"/>
-                  </a:rPr>
-                  <a:t>spatial2</a:t>
-                </a:r>
-              </a:p>
-            </p:txBody>
-          </p:sp>
-          <p:sp>
-            <p:nvSpPr>
-              <p:cNvPr id="125" name="Rectangle 124">
-                <a:extLst>
-                  <a:ext uri="{FF2B5EF4-FFF2-40B4-BE49-F238E27FC236}">
-                    <a16:creationId xmlns:a16="http://schemas.microsoft.com/office/drawing/2014/main" id="{97B0C90A-0C06-429C-891E-D4E6AE87E487}"/>
-                  </a:ext>
-                </a:extLst>
-              </p:cNvPr>
-              <p:cNvSpPr/>
-              <p:nvPr/>
-            </p:nvSpPr>
-            <p:spPr>
-              <a:xfrm>
-                <a:off x="9517437" y="2887433"/>
-                <a:ext cx="720000" cy="720000"/>
-              </a:xfrm>
-              <a:prstGeom prst="rect">
-                <a:avLst/>
-              </a:prstGeom>
-              <a:solidFill>
-                <a:schemeClr val="bg1"/>
-              </a:solidFill>
-              <a:ln w="19050">
+                <a:latin typeface="Times New Roman" panose="02020603050405020304" pitchFamily="18" charset="0"/>
+                <a:cs typeface="Times New Roman" panose="02020603050405020304" pitchFamily="18" charset="0"/>
+              </a:rPr>
+              <a:t>Spatial Ability</a:t>
+            </a:r>
+          </a:p>
+        </p:txBody>
+      </p:sp>
+      <p:sp>
+        <p:nvSpPr>
+          <p:cNvPr id="127" name="Oval 126">
+            <a:extLst>
+              <a:ext uri="{FF2B5EF4-FFF2-40B4-BE49-F238E27FC236}">
+                <a16:creationId xmlns:a16="http://schemas.microsoft.com/office/drawing/2014/main" id="{0400C149-3D47-4BF5-8B85-1750828CAC33}"/>
+              </a:ext>
+            </a:extLst>
+          </p:cNvPr>
+          <p:cNvSpPr>
+            <a:spLocks/>
+          </p:cNvSpPr>
+          <p:nvPr/>
+        </p:nvSpPr>
+        <p:spPr>
+          <a:xfrm>
+            <a:off x="9612219" y="248302"/>
+            <a:ext cx="468000" cy="468000"/>
+          </a:xfrm>
+          <a:prstGeom prst="ellipse">
+            <a:avLst/>
+          </a:prstGeom>
+          <a:solidFill>
+            <a:schemeClr val="bg1"/>
+          </a:solidFill>
+          <a:ln w="19050">
+            <a:solidFill>
+              <a:schemeClr val="tx1"/>
+            </a:solidFill>
+          </a:ln>
+        </p:spPr>
+        <p:style>
+          <a:lnRef idx="2">
+            <a:schemeClr val="accent1">
+              <a:shade val="50000"/>
+            </a:schemeClr>
+          </a:lnRef>
+          <a:fillRef idx="1">
+            <a:schemeClr val="accent1"/>
+          </a:fillRef>
+          <a:effectRef idx="0">
+            <a:schemeClr val="accent1"/>
+          </a:effectRef>
+          <a:fontRef idx="minor">
+            <a:schemeClr val="lt1"/>
+          </a:fontRef>
+        </p:style>
+        <p:txBody>
+          <a:bodyPr lIns="0" tIns="0" rIns="0" bIns="0" rtlCol="0" anchor="ctr"/>
+          <a:lstStyle/>
+          <a:p>
+            <a:pPr algn="ctr"/>
+            <a:r>
+              <a:rPr lang="en-US" sz="1400" dirty="0">
                 <a:solidFill>
                   <a:schemeClr val="tx1"/>
                 </a:solidFill>
-              </a:ln>
-            </p:spPr>
-            <p:style>
-              <a:lnRef idx="2">
-                <a:schemeClr val="accent1">
-                  <a:shade val="50000"/>
-                </a:schemeClr>
-              </a:lnRef>
-              <a:fillRef idx="1">
-                <a:schemeClr val="accent1"/>
-              </a:fillRef>
-              <a:effectRef idx="0">
-                <a:schemeClr val="accent1"/>
-              </a:effectRef>
-              <a:fontRef idx="minor">
-                <a:schemeClr val="lt1"/>
-              </a:fontRef>
-            </p:style>
-            <p:txBody>
-              <a:bodyPr rot="0" spcFirstLastPara="0" vertOverflow="overflow" horzOverflow="overflow" vert="horz" wrap="square" lIns="53996" tIns="26998" rIns="53996" bIns="26998" numCol="1" spcCol="0" rtlCol="0" fromWordArt="0" anchor="ctr" anchorCtr="0" forceAA="0" compatLnSpc="1">
-                <a:prstTxWarp prst="textNoShape">
-                  <a:avLst/>
-                </a:prstTxWarp>
-                <a:noAutofit/>
-              </a:bodyPr>
-              <a:lstStyle/>
-              <a:p>
-                <a:pPr algn="ctr"/>
-                <a:r>
-                  <a:rPr lang="en-US" sz="1400" dirty="0">
-                    <a:solidFill>
-                      <a:schemeClr val="tx1"/>
-                    </a:solidFill>
-                    <a:latin typeface="Times New Roman" panose="02020603050405020304" pitchFamily="18" charset="0"/>
-                    <a:cs typeface="Times New Roman" panose="02020603050405020304" pitchFamily="18" charset="0"/>
-                  </a:rPr>
-                  <a:t>spatial3</a:t>
-                </a:r>
-              </a:p>
-            </p:txBody>
-          </p:sp>
-          <p:sp>
-            <p:nvSpPr>
-              <p:cNvPr id="126" name="Oval 125">
-                <a:extLst>
-                  <a:ext uri="{FF2B5EF4-FFF2-40B4-BE49-F238E27FC236}">
-                    <a16:creationId xmlns:a16="http://schemas.microsoft.com/office/drawing/2014/main" id="{2D315968-E20C-4C56-9681-FF399F283136}"/>
-                  </a:ext>
-                </a:extLst>
-              </p:cNvPr>
-              <p:cNvSpPr/>
-              <p:nvPr/>
-            </p:nvSpPr>
-            <p:spPr>
-              <a:xfrm>
-                <a:off x="7596322" y="2615111"/>
-                <a:ext cx="1260000" cy="1260000"/>
-              </a:xfrm>
-              <a:prstGeom prst="ellipse">
-                <a:avLst/>
-              </a:prstGeom>
-              <a:solidFill>
-                <a:schemeClr val="bg1"/>
-              </a:solidFill>
-              <a:ln w="19050">
+                <a:latin typeface="Times New Roman" panose="02020603050405020304" pitchFamily="18" charset="0"/>
+                <a:cs typeface="Times New Roman" panose="02020603050405020304" pitchFamily="18" charset="0"/>
+              </a:rPr>
+              <a:t>u</a:t>
+            </a:r>
+            <a:r>
+              <a:rPr lang="en-US" sz="1400" baseline="-25000" dirty="0">
                 <a:solidFill>
                   <a:schemeClr val="tx1"/>
                 </a:solidFill>
-              </a:ln>
-            </p:spPr>
-            <p:style>
-              <a:lnRef idx="2">
-                <a:schemeClr val="accent1">
-                  <a:shade val="50000"/>
-                </a:schemeClr>
-              </a:lnRef>
-              <a:fillRef idx="1">
-                <a:schemeClr val="accent1"/>
-              </a:fillRef>
-              <a:effectRef idx="0">
-                <a:schemeClr val="accent1"/>
-              </a:effectRef>
-              <a:fontRef idx="minor">
-                <a:schemeClr val="lt1"/>
-              </a:fontRef>
-            </p:style>
-            <p:txBody>
-              <a:bodyPr lIns="0" rIns="0" rtlCol="0" anchor="ctr"/>
-              <a:lstStyle/>
-              <a:p>
-                <a:pPr algn="ctr"/>
-                <a:r>
-                  <a:rPr lang="en-US" sz="1600" dirty="0">
-                    <a:solidFill>
-                      <a:schemeClr val="tx1"/>
-                    </a:solidFill>
-                    <a:latin typeface="Times New Roman" panose="02020603050405020304" pitchFamily="18" charset="0"/>
-                    <a:cs typeface="Times New Roman" panose="02020603050405020304" pitchFamily="18" charset="0"/>
-                  </a:rPr>
-                  <a:t>Spatial Ability</a:t>
-                </a:r>
-              </a:p>
-            </p:txBody>
-          </p:sp>
-          <p:sp>
-            <p:nvSpPr>
-              <p:cNvPr id="127" name="Oval 126">
-                <a:extLst>
-                  <a:ext uri="{FF2B5EF4-FFF2-40B4-BE49-F238E27FC236}">
-                    <a16:creationId xmlns:a16="http://schemas.microsoft.com/office/drawing/2014/main" id="{0400C149-3D47-4BF5-8B85-1750828CAC33}"/>
-                  </a:ext>
-                </a:extLst>
-              </p:cNvPr>
-              <p:cNvSpPr>
-                <a:spLocks/>
-              </p:cNvSpPr>
-              <p:nvPr/>
-            </p:nvSpPr>
-            <p:spPr>
-              <a:xfrm>
-                <a:off x="10518777" y="1259122"/>
-                <a:ext cx="468000" cy="468000"/>
-              </a:xfrm>
-              <a:prstGeom prst="ellipse">
-                <a:avLst/>
-              </a:prstGeom>
+                <a:latin typeface="Times New Roman" panose="02020603050405020304" pitchFamily="18" charset="0"/>
+                <a:cs typeface="Times New Roman" panose="02020603050405020304" pitchFamily="18" charset="0"/>
+              </a:rPr>
+              <a:t>s1</a:t>
+            </a:r>
+            <a:endParaRPr lang="en-US" sz="1400" dirty="0">
               <a:solidFill>
-                <a:schemeClr val="bg1"/>
+                <a:schemeClr val="tx1"/>
               </a:solidFill>
-              <a:ln w="19050">
+              <a:latin typeface="Times New Roman" panose="02020603050405020304" pitchFamily="18" charset="0"/>
+              <a:cs typeface="Times New Roman" panose="02020603050405020304" pitchFamily="18" charset="0"/>
+            </a:endParaRPr>
+          </a:p>
+        </p:txBody>
+      </p:sp>
+      <p:sp>
+        <p:nvSpPr>
+          <p:cNvPr id="128" name="Oval 127">
+            <a:extLst>
+              <a:ext uri="{FF2B5EF4-FFF2-40B4-BE49-F238E27FC236}">
+                <a16:creationId xmlns:a16="http://schemas.microsoft.com/office/drawing/2014/main" id="{C8D49098-632E-4B37-837C-194A101D6437}"/>
+              </a:ext>
+            </a:extLst>
+          </p:cNvPr>
+          <p:cNvSpPr>
+            <a:spLocks/>
+          </p:cNvSpPr>
+          <p:nvPr/>
+        </p:nvSpPr>
+        <p:spPr>
+          <a:xfrm>
+            <a:off x="9612219" y="2000152"/>
+            <a:ext cx="468000" cy="468000"/>
+          </a:xfrm>
+          <a:prstGeom prst="ellipse">
+            <a:avLst/>
+          </a:prstGeom>
+          <a:solidFill>
+            <a:schemeClr val="bg1"/>
+          </a:solidFill>
+          <a:ln w="19050">
+            <a:solidFill>
+              <a:schemeClr val="tx1"/>
+            </a:solidFill>
+          </a:ln>
+        </p:spPr>
+        <p:style>
+          <a:lnRef idx="2">
+            <a:schemeClr val="accent1">
+              <a:shade val="50000"/>
+            </a:schemeClr>
+          </a:lnRef>
+          <a:fillRef idx="1">
+            <a:schemeClr val="accent1"/>
+          </a:fillRef>
+          <a:effectRef idx="0">
+            <a:schemeClr val="accent1"/>
+          </a:effectRef>
+          <a:fontRef idx="minor">
+            <a:schemeClr val="lt1"/>
+          </a:fontRef>
+        </p:style>
+        <p:txBody>
+          <a:bodyPr lIns="0" tIns="0" rIns="0" bIns="0" rtlCol="0" anchor="ctr"/>
+          <a:lstStyle/>
+          <a:p>
+            <a:pPr algn="ctr"/>
+            <a:r>
+              <a:rPr lang="en-US" sz="1400" dirty="0">
                 <a:solidFill>
                   <a:schemeClr val="tx1"/>
                 </a:solidFill>
-              </a:ln>
-            </p:spPr>
-            <p:style>
-              <a:lnRef idx="2">
-                <a:schemeClr val="accent1">
-                  <a:shade val="50000"/>
-                </a:schemeClr>
-              </a:lnRef>
-              <a:fillRef idx="1">
-                <a:schemeClr val="accent1"/>
-              </a:fillRef>
-              <a:effectRef idx="0">
-                <a:schemeClr val="accent1"/>
-              </a:effectRef>
-              <a:fontRef idx="minor">
-                <a:schemeClr val="lt1"/>
-              </a:fontRef>
-            </p:style>
-            <p:txBody>
-              <a:bodyPr lIns="0" tIns="0" rIns="0" bIns="0" rtlCol="0" anchor="ctr"/>
-              <a:lstStyle/>
-              <a:p>
-                <a:pPr algn="ctr"/>
-                <a:r>
-                  <a:rPr lang="en-US" sz="1400" dirty="0">
-                    <a:solidFill>
-                      <a:schemeClr val="tx1"/>
-                    </a:solidFill>
-                    <a:latin typeface="Times New Roman" panose="02020603050405020304" pitchFamily="18" charset="0"/>
-                    <a:cs typeface="Times New Roman" panose="02020603050405020304" pitchFamily="18" charset="0"/>
-                  </a:rPr>
-                  <a:t>u</a:t>
-                </a:r>
-                <a:r>
-                  <a:rPr lang="en-US" sz="1400" baseline="-25000" dirty="0">
-                    <a:solidFill>
-                      <a:schemeClr val="tx1"/>
-                    </a:solidFill>
-                    <a:latin typeface="Times New Roman" panose="02020603050405020304" pitchFamily="18" charset="0"/>
-                    <a:cs typeface="Times New Roman" panose="02020603050405020304" pitchFamily="18" charset="0"/>
-                  </a:rPr>
-                  <a:t>s1</a:t>
-                </a:r>
-                <a:endParaRPr lang="en-US" sz="1400" dirty="0">
-                  <a:solidFill>
-                    <a:schemeClr val="tx1"/>
-                  </a:solidFill>
-                  <a:latin typeface="Times New Roman" panose="02020603050405020304" pitchFamily="18" charset="0"/>
-                  <a:cs typeface="Times New Roman" panose="02020603050405020304" pitchFamily="18" charset="0"/>
-                </a:endParaRPr>
-              </a:p>
-            </p:txBody>
-          </p:sp>
-          <p:sp>
-            <p:nvSpPr>
-              <p:cNvPr id="128" name="Oval 127">
-                <a:extLst>
-                  <a:ext uri="{FF2B5EF4-FFF2-40B4-BE49-F238E27FC236}">
-                    <a16:creationId xmlns:a16="http://schemas.microsoft.com/office/drawing/2014/main" id="{C8D49098-632E-4B37-837C-194A101D6437}"/>
-                  </a:ext>
-                </a:extLst>
-              </p:cNvPr>
-              <p:cNvSpPr>
-                <a:spLocks/>
-              </p:cNvSpPr>
-              <p:nvPr/>
-            </p:nvSpPr>
-            <p:spPr>
-              <a:xfrm>
-                <a:off x="10518777" y="3010972"/>
-                <a:ext cx="468000" cy="468000"/>
-              </a:xfrm>
-              <a:prstGeom prst="ellipse">
-                <a:avLst/>
-              </a:prstGeom>
-              <a:solidFill>
-                <a:schemeClr val="bg1"/>
-              </a:solidFill>
-              <a:ln w="19050">
+                <a:latin typeface="Times New Roman" panose="02020603050405020304" pitchFamily="18" charset="0"/>
+                <a:cs typeface="Times New Roman" panose="02020603050405020304" pitchFamily="18" charset="0"/>
+              </a:rPr>
+              <a:t>u</a:t>
+            </a:r>
+            <a:r>
+              <a:rPr lang="en-US" sz="1400" baseline="-25000" dirty="0">
                 <a:solidFill>
                   <a:schemeClr val="tx1"/>
                 </a:solidFill>
-              </a:ln>
-            </p:spPr>
-            <p:style>
-              <a:lnRef idx="2">
-                <a:schemeClr val="accent1">
-                  <a:shade val="50000"/>
-                </a:schemeClr>
-              </a:lnRef>
-              <a:fillRef idx="1">
-                <a:schemeClr val="accent1"/>
-              </a:fillRef>
-              <a:effectRef idx="0">
-                <a:schemeClr val="accent1"/>
-              </a:effectRef>
-              <a:fontRef idx="minor">
-                <a:schemeClr val="lt1"/>
-              </a:fontRef>
-            </p:style>
-            <p:txBody>
-              <a:bodyPr lIns="0" tIns="0" rIns="0" bIns="0" rtlCol="0" anchor="ctr"/>
-              <a:lstStyle/>
-              <a:p>
-                <a:pPr algn="ctr"/>
-                <a:r>
-                  <a:rPr lang="en-US" sz="1400" dirty="0">
-                    <a:solidFill>
-                      <a:schemeClr val="tx1"/>
-                    </a:solidFill>
-                    <a:latin typeface="Times New Roman" panose="02020603050405020304" pitchFamily="18" charset="0"/>
-                    <a:cs typeface="Times New Roman" panose="02020603050405020304" pitchFamily="18" charset="0"/>
-                  </a:rPr>
-                  <a:t>u</a:t>
-                </a:r>
-                <a:r>
-                  <a:rPr lang="en-US" sz="1400" baseline="-25000" dirty="0">
-                    <a:solidFill>
-                      <a:schemeClr val="tx1"/>
-                    </a:solidFill>
-                    <a:latin typeface="Times New Roman" panose="02020603050405020304" pitchFamily="18" charset="0"/>
-                    <a:cs typeface="Times New Roman" panose="02020603050405020304" pitchFamily="18" charset="0"/>
-                  </a:rPr>
-                  <a:t>s3</a:t>
-                </a:r>
-                <a:endParaRPr lang="en-US" sz="1400" dirty="0">
-                  <a:solidFill>
-                    <a:schemeClr val="tx1"/>
-                  </a:solidFill>
-                  <a:latin typeface="Times New Roman" panose="02020603050405020304" pitchFamily="18" charset="0"/>
-                  <a:cs typeface="Times New Roman" panose="02020603050405020304" pitchFamily="18" charset="0"/>
-                </a:endParaRPr>
-              </a:p>
-            </p:txBody>
-          </p:sp>
-          <p:sp>
-            <p:nvSpPr>
-              <p:cNvPr id="129" name="Oval 128">
-                <a:extLst>
-                  <a:ext uri="{FF2B5EF4-FFF2-40B4-BE49-F238E27FC236}">
-                    <a16:creationId xmlns:a16="http://schemas.microsoft.com/office/drawing/2014/main" id="{546BACFB-54EF-4EAB-973D-988AB5FEF8CE}"/>
-                  </a:ext>
-                </a:extLst>
-              </p:cNvPr>
-              <p:cNvSpPr>
-                <a:spLocks/>
-              </p:cNvSpPr>
-              <p:nvPr/>
-            </p:nvSpPr>
-            <p:spPr>
-              <a:xfrm>
-                <a:off x="10518777" y="2135047"/>
-                <a:ext cx="468000" cy="468000"/>
-              </a:xfrm>
-              <a:prstGeom prst="ellipse">
-                <a:avLst/>
-              </a:prstGeom>
+                <a:latin typeface="Times New Roman" panose="02020603050405020304" pitchFamily="18" charset="0"/>
+                <a:cs typeface="Times New Roman" panose="02020603050405020304" pitchFamily="18" charset="0"/>
+              </a:rPr>
+              <a:t>s3</a:t>
+            </a:r>
+            <a:endParaRPr lang="en-US" sz="1400" dirty="0">
               <a:solidFill>
-                <a:schemeClr val="bg1"/>
+                <a:schemeClr val="tx1"/>
               </a:solidFill>
-              <a:ln w="19050">
+              <a:latin typeface="Times New Roman" panose="02020603050405020304" pitchFamily="18" charset="0"/>
+              <a:cs typeface="Times New Roman" panose="02020603050405020304" pitchFamily="18" charset="0"/>
+            </a:endParaRPr>
+          </a:p>
+        </p:txBody>
+      </p:sp>
+      <p:sp>
+        <p:nvSpPr>
+          <p:cNvPr id="129" name="Oval 128">
+            <a:extLst>
+              <a:ext uri="{FF2B5EF4-FFF2-40B4-BE49-F238E27FC236}">
+                <a16:creationId xmlns:a16="http://schemas.microsoft.com/office/drawing/2014/main" id="{546BACFB-54EF-4EAB-973D-988AB5FEF8CE}"/>
+              </a:ext>
+            </a:extLst>
+          </p:cNvPr>
+          <p:cNvSpPr>
+            <a:spLocks/>
+          </p:cNvSpPr>
+          <p:nvPr/>
+        </p:nvSpPr>
+        <p:spPr>
+          <a:xfrm>
+            <a:off x="9612219" y="1124227"/>
+            <a:ext cx="468000" cy="468000"/>
+          </a:xfrm>
+          <a:prstGeom prst="ellipse">
+            <a:avLst/>
+          </a:prstGeom>
+          <a:solidFill>
+            <a:schemeClr val="bg1"/>
+          </a:solidFill>
+          <a:ln w="19050">
+            <a:solidFill>
+              <a:schemeClr val="tx1"/>
+            </a:solidFill>
+          </a:ln>
+        </p:spPr>
+        <p:style>
+          <a:lnRef idx="2">
+            <a:schemeClr val="accent1">
+              <a:shade val="50000"/>
+            </a:schemeClr>
+          </a:lnRef>
+          <a:fillRef idx="1">
+            <a:schemeClr val="accent1"/>
+          </a:fillRef>
+          <a:effectRef idx="0">
+            <a:schemeClr val="accent1"/>
+          </a:effectRef>
+          <a:fontRef idx="minor">
+            <a:schemeClr val="lt1"/>
+          </a:fontRef>
+        </p:style>
+        <p:txBody>
+          <a:bodyPr lIns="0" tIns="0" rIns="0" bIns="0" rtlCol="0" anchor="ctr"/>
+          <a:lstStyle/>
+          <a:p>
+            <a:pPr algn="ctr"/>
+            <a:r>
+              <a:rPr lang="en-US" sz="1400" dirty="0">
                 <a:solidFill>
                   <a:schemeClr val="tx1"/>
                 </a:solidFill>
-              </a:ln>
-            </p:spPr>
-            <p:style>
-              <a:lnRef idx="2">
-                <a:schemeClr val="accent1">
-                  <a:shade val="50000"/>
-                </a:schemeClr>
-              </a:lnRef>
-              <a:fillRef idx="1">
-                <a:schemeClr val="accent1"/>
-              </a:fillRef>
-              <a:effectRef idx="0">
-                <a:schemeClr val="accent1"/>
-              </a:effectRef>
-              <a:fontRef idx="minor">
-                <a:schemeClr val="lt1"/>
-              </a:fontRef>
-            </p:style>
-            <p:txBody>
-              <a:bodyPr lIns="0" tIns="0" rIns="0" bIns="0" rtlCol="0" anchor="ctr"/>
-              <a:lstStyle/>
-              <a:p>
-                <a:pPr algn="ctr"/>
-                <a:r>
-                  <a:rPr lang="en-US" sz="1400" dirty="0">
-                    <a:solidFill>
-                      <a:schemeClr val="tx1"/>
-                    </a:solidFill>
-                    <a:latin typeface="Times New Roman" panose="02020603050405020304" pitchFamily="18" charset="0"/>
-                    <a:cs typeface="Times New Roman" panose="02020603050405020304" pitchFamily="18" charset="0"/>
-                  </a:rPr>
-                  <a:t>u</a:t>
-                </a:r>
-                <a:r>
-                  <a:rPr lang="en-US" sz="1400" baseline="-25000" dirty="0">
-                    <a:solidFill>
-                      <a:schemeClr val="tx1"/>
-                    </a:solidFill>
-                    <a:latin typeface="Times New Roman" panose="02020603050405020304" pitchFamily="18" charset="0"/>
-                    <a:cs typeface="Times New Roman" panose="02020603050405020304" pitchFamily="18" charset="0"/>
-                  </a:rPr>
-                  <a:t>s2</a:t>
-                </a:r>
-                <a:endParaRPr lang="en-US" sz="1400" dirty="0">
-                  <a:solidFill>
-                    <a:schemeClr val="tx1"/>
-                  </a:solidFill>
-                  <a:latin typeface="Times New Roman" panose="02020603050405020304" pitchFamily="18" charset="0"/>
-                  <a:cs typeface="Times New Roman" panose="02020603050405020304" pitchFamily="18" charset="0"/>
-                </a:endParaRPr>
-              </a:p>
-            </p:txBody>
-          </p:sp>
-          <p:sp>
-            <p:nvSpPr>
-              <p:cNvPr id="130" name="Rectangle 129">
-                <a:extLst>
-                  <a:ext uri="{FF2B5EF4-FFF2-40B4-BE49-F238E27FC236}">
-                    <a16:creationId xmlns:a16="http://schemas.microsoft.com/office/drawing/2014/main" id="{5DC1027F-AF22-474C-A58D-554E9F01F3E8}"/>
-                  </a:ext>
-                </a:extLst>
-              </p:cNvPr>
-              <p:cNvSpPr/>
-              <p:nvPr/>
-            </p:nvSpPr>
-            <p:spPr>
-              <a:xfrm>
-                <a:off x="9517437" y="3767516"/>
-                <a:ext cx="720000" cy="720000"/>
-              </a:xfrm>
-              <a:prstGeom prst="rect">
-                <a:avLst/>
-              </a:prstGeom>
-              <a:solidFill>
-                <a:schemeClr val="bg1"/>
-              </a:solidFill>
-              <a:ln w="19050">
+                <a:latin typeface="Times New Roman" panose="02020603050405020304" pitchFamily="18" charset="0"/>
+                <a:cs typeface="Times New Roman" panose="02020603050405020304" pitchFamily="18" charset="0"/>
+              </a:rPr>
+              <a:t>u</a:t>
+            </a:r>
+            <a:r>
+              <a:rPr lang="en-US" sz="1400" baseline="-25000" dirty="0">
                 <a:solidFill>
                   <a:schemeClr val="tx1"/>
                 </a:solidFill>
-              </a:ln>
-            </p:spPr>
-            <p:style>
-              <a:lnRef idx="2">
-                <a:schemeClr val="accent1">
-                  <a:shade val="50000"/>
-                </a:schemeClr>
-              </a:lnRef>
-              <a:fillRef idx="1">
-                <a:schemeClr val="accent1"/>
-              </a:fillRef>
-              <a:effectRef idx="0">
-                <a:schemeClr val="accent1"/>
-              </a:effectRef>
-              <a:fontRef idx="minor">
-                <a:schemeClr val="lt1"/>
-              </a:fontRef>
-            </p:style>
-            <p:txBody>
-              <a:bodyPr rot="0" spcFirstLastPara="0" vertOverflow="overflow" horzOverflow="overflow" vert="horz" wrap="square" lIns="53996" tIns="26998" rIns="53996" bIns="26998" numCol="1" spcCol="0" rtlCol="0" fromWordArt="0" anchor="ctr" anchorCtr="0" forceAA="0" compatLnSpc="1">
-                <a:prstTxWarp prst="textNoShape">
-                  <a:avLst/>
-                </a:prstTxWarp>
-                <a:noAutofit/>
-              </a:bodyPr>
-              <a:lstStyle/>
-              <a:p>
-                <a:pPr algn="ctr"/>
-                <a:r>
-                  <a:rPr lang="en-US" sz="1400" dirty="0">
-                    <a:solidFill>
-                      <a:schemeClr val="tx1"/>
-                    </a:solidFill>
-                    <a:latin typeface="Times New Roman" panose="02020603050405020304" pitchFamily="18" charset="0"/>
-                    <a:cs typeface="Times New Roman" panose="02020603050405020304" pitchFamily="18" charset="0"/>
-                  </a:rPr>
-                  <a:t>spatial4</a:t>
-                </a:r>
-              </a:p>
-            </p:txBody>
-          </p:sp>
-          <p:sp>
-            <p:nvSpPr>
-              <p:cNvPr id="131" name="Rectangle 130">
-                <a:extLst>
-                  <a:ext uri="{FF2B5EF4-FFF2-40B4-BE49-F238E27FC236}">
-                    <a16:creationId xmlns:a16="http://schemas.microsoft.com/office/drawing/2014/main" id="{88369BC2-8CEF-44EB-85D0-F427A93C6F20}"/>
-                  </a:ext>
-                </a:extLst>
-              </p:cNvPr>
-              <p:cNvSpPr/>
-              <p:nvPr/>
-            </p:nvSpPr>
-            <p:spPr>
-              <a:xfrm>
-                <a:off x="9512995" y="4647599"/>
-                <a:ext cx="720000" cy="720000"/>
-              </a:xfrm>
-              <a:prstGeom prst="rect">
-                <a:avLst/>
-              </a:prstGeom>
+                <a:latin typeface="Times New Roman" panose="02020603050405020304" pitchFamily="18" charset="0"/>
+                <a:cs typeface="Times New Roman" panose="02020603050405020304" pitchFamily="18" charset="0"/>
+              </a:rPr>
+              <a:t>s2</a:t>
+            </a:r>
+            <a:endParaRPr lang="en-US" sz="1400" dirty="0">
               <a:solidFill>
-                <a:schemeClr val="bg1"/>
+                <a:schemeClr val="tx1"/>
               </a:solidFill>
-              <a:ln w="19050">
+              <a:latin typeface="Times New Roman" panose="02020603050405020304" pitchFamily="18" charset="0"/>
+              <a:cs typeface="Times New Roman" panose="02020603050405020304" pitchFamily="18" charset="0"/>
+            </a:endParaRPr>
+          </a:p>
+        </p:txBody>
+      </p:sp>
+      <p:sp>
+        <p:nvSpPr>
+          <p:cNvPr id="130" name="Rectangle 129">
+            <a:extLst>
+              <a:ext uri="{FF2B5EF4-FFF2-40B4-BE49-F238E27FC236}">
+                <a16:creationId xmlns:a16="http://schemas.microsoft.com/office/drawing/2014/main" id="{5DC1027F-AF22-474C-A58D-554E9F01F3E8}"/>
+              </a:ext>
+            </a:extLst>
+          </p:cNvPr>
+          <p:cNvSpPr/>
+          <p:nvPr/>
+        </p:nvSpPr>
+        <p:spPr>
+          <a:xfrm>
+            <a:off x="8610879" y="2756696"/>
+            <a:ext cx="720000" cy="720000"/>
+          </a:xfrm>
+          <a:prstGeom prst="rect">
+            <a:avLst/>
+          </a:prstGeom>
+          <a:solidFill>
+            <a:schemeClr val="bg1"/>
+          </a:solidFill>
+          <a:ln w="19050">
+            <a:solidFill>
+              <a:schemeClr val="tx1"/>
+            </a:solidFill>
+          </a:ln>
+        </p:spPr>
+        <p:style>
+          <a:lnRef idx="2">
+            <a:schemeClr val="accent1">
+              <a:shade val="50000"/>
+            </a:schemeClr>
+          </a:lnRef>
+          <a:fillRef idx="1">
+            <a:schemeClr val="accent1"/>
+          </a:fillRef>
+          <a:effectRef idx="0">
+            <a:schemeClr val="accent1"/>
+          </a:effectRef>
+          <a:fontRef idx="minor">
+            <a:schemeClr val="lt1"/>
+          </a:fontRef>
+        </p:style>
+        <p:txBody>
+          <a:bodyPr rot="0" spcFirstLastPara="0" vertOverflow="overflow" horzOverflow="overflow" vert="horz" wrap="square" lIns="53996" tIns="26998" rIns="53996" bIns="26998" numCol="1" spcCol="0" rtlCol="0" fromWordArt="0" anchor="ctr" anchorCtr="0" forceAA="0" compatLnSpc="1">
+            <a:prstTxWarp prst="textNoShape">
+              <a:avLst/>
+            </a:prstTxWarp>
+            <a:noAutofit/>
+          </a:bodyPr>
+          <a:lstStyle/>
+          <a:p>
+            <a:pPr algn="ctr"/>
+            <a:r>
+              <a:rPr lang="en-US" sz="1400" dirty="0">
                 <a:solidFill>
                   <a:schemeClr val="tx1"/>
                 </a:solidFill>
-              </a:ln>
-            </p:spPr>
-            <p:style>
-              <a:lnRef idx="2">
-                <a:schemeClr val="accent1">
-                  <a:shade val="50000"/>
-                </a:schemeClr>
-              </a:lnRef>
-              <a:fillRef idx="1">
-                <a:schemeClr val="accent1"/>
-              </a:fillRef>
-              <a:effectRef idx="0">
-                <a:schemeClr val="accent1"/>
-              </a:effectRef>
-              <a:fontRef idx="minor">
-                <a:schemeClr val="lt1"/>
-              </a:fontRef>
-            </p:style>
-            <p:txBody>
-              <a:bodyPr rot="0" spcFirstLastPara="0" vertOverflow="overflow" horzOverflow="overflow" vert="horz" wrap="square" lIns="53996" tIns="26998" rIns="53996" bIns="26998" numCol="1" spcCol="0" rtlCol="0" fromWordArt="0" anchor="ctr" anchorCtr="0" forceAA="0" compatLnSpc="1">
-                <a:prstTxWarp prst="textNoShape">
-                  <a:avLst/>
-                </a:prstTxWarp>
-                <a:noAutofit/>
-              </a:bodyPr>
-              <a:lstStyle/>
-              <a:p>
-                <a:pPr algn="ctr"/>
-                <a:r>
-                  <a:rPr lang="en-US" sz="1400" dirty="0">
-                    <a:solidFill>
-                      <a:schemeClr val="tx1"/>
-                    </a:solidFill>
-                    <a:latin typeface="Times New Roman" panose="02020603050405020304" pitchFamily="18" charset="0"/>
-                    <a:cs typeface="Times New Roman" panose="02020603050405020304" pitchFamily="18" charset="0"/>
-                  </a:rPr>
-                  <a:t>spatial5</a:t>
-                </a:r>
-              </a:p>
-            </p:txBody>
-          </p:sp>
-          <p:sp>
-            <p:nvSpPr>
-              <p:cNvPr id="132" name="Oval 131">
-                <a:extLst>
-                  <a:ext uri="{FF2B5EF4-FFF2-40B4-BE49-F238E27FC236}">
-                    <a16:creationId xmlns:a16="http://schemas.microsoft.com/office/drawing/2014/main" id="{72CE3141-36C6-4393-A806-64758C2D8840}"/>
-                  </a:ext>
-                </a:extLst>
-              </p:cNvPr>
-              <p:cNvSpPr>
-                <a:spLocks/>
-              </p:cNvSpPr>
-              <p:nvPr/>
-            </p:nvSpPr>
-            <p:spPr>
-              <a:xfrm>
-                <a:off x="10518777" y="4773599"/>
-                <a:ext cx="468000" cy="468000"/>
-              </a:xfrm>
-              <a:prstGeom prst="ellipse">
-                <a:avLst/>
-              </a:prstGeom>
-              <a:solidFill>
-                <a:schemeClr val="bg1"/>
-              </a:solidFill>
-              <a:ln w="19050">
+                <a:latin typeface="Times New Roman" panose="02020603050405020304" pitchFamily="18" charset="0"/>
+                <a:cs typeface="Times New Roman" panose="02020603050405020304" pitchFamily="18" charset="0"/>
+              </a:rPr>
+              <a:t>spatial4</a:t>
+            </a:r>
+          </a:p>
+        </p:txBody>
+      </p:sp>
+      <p:sp>
+        <p:nvSpPr>
+          <p:cNvPr id="131" name="Rectangle 130">
+            <a:extLst>
+              <a:ext uri="{FF2B5EF4-FFF2-40B4-BE49-F238E27FC236}">
+                <a16:creationId xmlns:a16="http://schemas.microsoft.com/office/drawing/2014/main" id="{88369BC2-8CEF-44EB-85D0-F427A93C6F20}"/>
+              </a:ext>
+            </a:extLst>
+          </p:cNvPr>
+          <p:cNvSpPr/>
+          <p:nvPr/>
+        </p:nvSpPr>
+        <p:spPr>
+          <a:xfrm>
+            <a:off x="8606437" y="3636779"/>
+            <a:ext cx="720000" cy="720000"/>
+          </a:xfrm>
+          <a:prstGeom prst="rect">
+            <a:avLst/>
+          </a:prstGeom>
+          <a:solidFill>
+            <a:schemeClr val="bg1"/>
+          </a:solidFill>
+          <a:ln w="19050">
+            <a:solidFill>
+              <a:schemeClr val="tx1"/>
+            </a:solidFill>
+          </a:ln>
+        </p:spPr>
+        <p:style>
+          <a:lnRef idx="2">
+            <a:schemeClr val="accent1">
+              <a:shade val="50000"/>
+            </a:schemeClr>
+          </a:lnRef>
+          <a:fillRef idx="1">
+            <a:schemeClr val="accent1"/>
+          </a:fillRef>
+          <a:effectRef idx="0">
+            <a:schemeClr val="accent1"/>
+          </a:effectRef>
+          <a:fontRef idx="minor">
+            <a:schemeClr val="lt1"/>
+          </a:fontRef>
+        </p:style>
+        <p:txBody>
+          <a:bodyPr rot="0" spcFirstLastPara="0" vertOverflow="overflow" horzOverflow="overflow" vert="horz" wrap="square" lIns="53996" tIns="26998" rIns="53996" bIns="26998" numCol="1" spcCol="0" rtlCol="0" fromWordArt="0" anchor="ctr" anchorCtr="0" forceAA="0" compatLnSpc="1">
+            <a:prstTxWarp prst="textNoShape">
+              <a:avLst/>
+            </a:prstTxWarp>
+            <a:noAutofit/>
+          </a:bodyPr>
+          <a:lstStyle/>
+          <a:p>
+            <a:pPr algn="ctr"/>
+            <a:r>
+              <a:rPr lang="en-US" sz="1400" dirty="0">
                 <a:solidFill>
                   <a:schemeClr val="tx1"/>
                 </a:solidFill>
-              </a:ln>
-            </p:spPr>
-            <p:style>
-              <a:lnRef idx="2">
-                <a:schemeClr val="accent1">
-                  <a:shade val="50000"/>
-                </a:schemeClr>
-              </a:lnRef>
-              <a:fillRef idx="1">
-                <a:schemeClr val="accent1"/>
-              </a:fillRef>
-              <a:effectRef idx="0">
-                <a:schemeClr val="accent1"/>
-              </a:effectRef>
-              <a:fontRef idx="minor">
-                <a:schemeClr val="lt1"/>
-              </a:fontRef>
-            </p:style>
-            <p:txBody>
-              <a:bodyPr lIns="0" tIns="0" rIns="0" bIns="0" rtlCol="0" anchor="ctr"/>
-              <a:lstStyle/>
-              <a:p>
-                <a:pPr algn="ctr"/>
-                <a:r>
-                  <a:rPr lang="en-US" sz="1400" dirty="0">
-                    <a:solidFill>
-                      <a:schemeClr val="tx1"/>
-                    </a:solidFill>
-                    <a:latin typeface="Times New Roman" panose="02020603050405020304" pitchFamily="18" charset="0"/>
-                    <a:cs typeface="Times New Roman" panose="02020603050405020304" pitchFamily="18" charset="0"/>
-                  </a:rPr>
-                  <a:t>u</a:t>
-                </a:r>
-                <a:r>
-                  <a:rPr lang="en-US" sz="1400" baseline="-25000" dirty="0">
-                    <a:solidFill>
-                      <a:schemeClr val="tx1"/>
-                    </a:solidFill>
-                    <a:latin typeface="Times New Roman" panose="02020603050405020304" pitchFamily="18" charset="0"/>
-                    <a:cs typeface="Times New Roman" panose="02020603050405020304" pitchFamily="18" charset="0"/>
-                  </a:rPr>
-                  <a:t>s5</a:t>
-                </a:r>
-                <a:endParaRPr lang="en-US" sz="1400" dirty="0">
-                  <a:solidFill>
-                    <a:schemeClr val="tx1"/>
-                  </a:solidFill>
-                  <a:latin typeface="Times New Roman" panose="02020603050405020304" pitchFamily="18" charset="0"/>
-                  <a:cs typeface="Times New Roman" panose="02020603050405020304" pitchFamily="18" charset="0"/>
-                </a:endParaRPr>
-              </a:p>
-            </p:txBody>
-          </p:sp>
-          <p:sp>
-            <p:nvSpPr>
-              <p:cNvPr id="133" name="Oval 132">
-                <a:extLst>
-                  <a:ext uri="{FF2B5EF4-FFF2-40B4-BE49-F238E27FC236}">
-                    <a16:creationId xmlns:a16="http://schemas.microsoft.com/office/drawing/2014/main" id="{E941EF1A-9A0F-46C4-8FED-D06705253216}"/>
-                  </a:ext>
-                </a:extLst>
-              </p:cNvPr>
-              <p:cNvSpPr>
-                <a:spLocks/>
-              </p:cNvSpPr>
-              <p:nvPr/>
-            </p:nvSpPr>
-            <p:spPr>
-              <a:xfrm>
-                <a:off x="10518777" y="3897674"/>
-                <a:ext cx="468000" cy="468000"/>
-              </a:xfrm>
-              <a:prstGeom prst="ellipse">
-                <a:avLst/>
-              </a:prstGeom>
-              <a:solidFill>
-                <a:schemeClr val="bg1"/>
-              </a:solidFill>
-              <a:ln w="19050">
+                <a:latin typeface="Times New Roman" panose="02020603050405020304" pitchFamily="18" charset="0"/>
+                <a:cs typeface="Times New Roman" panose="02020603050405020304" pitchFamily="18" charset="0"/>
+              </a:rPr>
+              <a:t>spatial5</a:t>
+            </a:r>
+          </a:p>
+        </p:txBody>
+      </p:sp>
+      <p:sp>
+        <p:nvSpPr>
+          <p:cNvPr id="132" name="Oval 131">
+            <a:extLst>
+              <a:ext uri="{FF2B5EF4-FFF2-40B4-BE49-F238E27FC236}">
+                <a16:creationId xmlns:a16="http://schemas.microsoft.com/office/drawing/2014/main" id="{72CE3141-36C6-4393-A806-64758C2D8840}"/>
+              </a:ext>
+            </a:extLst>
+          </p:cNvPr>
+          <p:cNvSpPr>
+            <a:spLocks/>
+          </p:cNvSpPr>
+          <p:nvPr/>
+        </p:nvSpPr>
+        <p:spPr>
+          <a:xfrm>
+            <a:off x="9612219" y="3762779"/>
+            <a:ext cx="468000" cy="468000"/>
+          </a:xfrm>
+          <a:prstGeom prst="ellipse">
+            <a:avLst/>
+          </a:prstGeom>
+          <a:solidFill>
+            <a:schemeClr val="bg1"/>
+          </a:solidFill>
+          <a:ln w="19050">
+            <a:solidFill>
+              <a:schemeClr val="tx1"/>
+            </a:solidFill>
+          </a:ln>
+        </p:spPr>
+        <p:style>
+          <a:lnRef idx="2">
+            <a:schemeClr val="accent1">
+              <a:shade val="50000"/>
+            </a:schemeClr>
+          </a:lnRef>
+          <a:fillRef idx="1">
+            <a:schemeClr val="accent1"/>
+          </a:fillRef>
+          <a:effectRef idx="0">
+            <a:schemeClr val="accent1"/>
+          </a:effectRef>
+          <a:fontRef idx="minor">
+            <a:schemeClr val="lt1"/>
+          </a:fontRef>
+        </p:style>
+        <p:txBody>
+          <a:bodyPr lIns="0" tIns="0" rIns="0" bIns="0" rtlCol="0" anchor="ctr"/>
+          <a:lstStyle/>
+          <a:p>
+            <a:pPr algn="ctr"/>
+            <a:r>
+              <a:rPr lang="en-US" sz="1400" dirty="0">
                 <a:solidFill>
                   <a:schemeClr val="tx1"/>
                 </a:solidFill>
-              </a:ln>
-            </p:spPr>
-            <p:style>
-              <a:lnRef idx="2">
-                <a:schemeClr val="accent1">
-                  <a:shade val="50000"/>
-                </a:schemeClr>
-              </a:lnRef>
-              <a:fillRef idx="1">
-                <a:schemeClr val="accent1"/>
-              </a:fillRef>
-              <a:effectRef idx="0">
-                <a:schemeClr val="accent1"/>
-              </a:effectRef>
-              <a:fontRef idx="minor">
-                <a:schemeClr val="lt1"/>
-              </a:fontRef>
-            </p:style>
-            <p:txBody>
-              <a:bodyPr lIns="0" tIns="0" rIns="0" bIns="0" rtlCol="0" anchor="ctr"/>
-              <a:lstStyle/>
-              <a:p>
-                <a:pPr algn="ctr"/>
-                <a:r>
-                  <a:rPr lang="en-US" sz="1400" dirty="0">
-                    <a:solidFill>
-                      <a:schemeClr val="tx1"/>
-                    </a:solidFill>
-                    <a:latin typeface="Times New Roman" panose="02020603050405020304" pitchFamily="18" charset="0"/>
-                    <a:cs typeface="Times New Roman" panose="02020603050405020304" pitchFamily="18" charset="0"/>
-                  </a:rPr>
-                  <a:t>u</a:t>
-                </a:r>
-                <a:r>
-                  <a:rPr lang="en-US" sz="1400" baseline="-25000" dirty="0">
-                    <a:solidFill>
-                      <a:schemeClr val="tx1"/>
-                    </a:solidFill>
-                    <a:latin typeface="Times New Roman" panose="02020603050405020304" pitchFamily="18" charset="0"/>
-                    <a:cs typeface="Times New Roman" panose="02020603050405020304" pitchFamily="18" charset="0"/>
-                  </a:rPr>
-                  <a:t>s4</a:t>
-                </a:r>
-                <a:endParaRPr lang="en-US" sz="1400" dirty="0">
-                  <a:solidFill>
-                    <a:schemeClr val="tx1"/>
-                  </a:solidFill>
-                  <a:latin typeface="Times New Roman" panose="02020603050405020304" pitchFamily="18" charset="0"/>
-                  <a:cs typeface="Times New Roman" panose="02020603050405020304" pitchFamily="18" charset="0"/>
-                </a:endParaRPr>
-              </a:p>
-            </p:txBody>
-          </p:sp>
-          <p:cxnSp>
-            <p:nvCxnSpPr>
-              <p:cNvPr id="134" name="Straight Arrow Connector 133">
-                <a:extLst>
-                  <a:ext uri="{FF2B5EF4-FFF2-40B4-BE49-F238E27FC236}">
-                    <a16:creationId xmlns:a16="http://schemas.microsoft.com/office/drawing/2014/main" id="{262D07D9-9AA8-4909-B24F-9EEC7D321C05}"/>
-                  </a:ext>
-                </a:extLst>
-              </p:cNvPr>
-              <p:cNvCxnSpPr>
-                <a:stCxn id="126" idx="6"/>
-                <a:endCxn id="123" idx="1"/>
-              </p:cNvCxnSpPr>
-              <p:nvPr/>
-            </p:nvCxnSpPr>
-            <p:spPr>
-              <a:xfrm flipV="1">
-                <a:off x="8856322" y="1495036"/>
-                <a:ext cx="656673" cy="1750075"/>
-              </a:xfrm>
-              <a:prstGeom prst="straightConnector1">
-                <a:avLst/>
-              </a:prstGeom>
-              <a:ln w="19050">
+                <a:latin typeface="Times New Roman" panose="02020603050405020304" pitchFamily="18" charset="0"/>
+                <a:cs typeface="Times New Roman" panose="02020603050405020304" pitchFamily="18" charset="0"/>
+              </a:rPr>
+              <a:t>u</a:t>
+            </a:r>
+            <a:r>
+              <a:rPr lang="en-US" sz="1400" baseline="-25000" dirty="0">
                 <a:solidFill>
                   <a:schemeClr val="tx1"/>
                 </a:solidFill>
-                <a:tailEnd type="triangle"/>
-              </a:ln>
-            </p:spPr>
-            <p:style>
-              <a:lnRef idx="1">
-                <a:schemeClr val="accent1"/>
-              </a:lnRef>
-              <a:fillRef idx="0">
-                <a:schemeClr val="accent1"/>
-              </a:fillRef>
-              <a:effectRef idx="0">
-                <a:schemeClr val="accent1"/>
-              </a:effectRef>
-              <a:fontRef idx="minor">
+                <a:latin typeface="Times New Roman" panose="02020603050405020304" pitchFamily="18" charset="0"/>
+                <a:cs typeface="Times New Roman" panose="02020603050405020304" pitchFamily="18" charset="0"/>
+              </a:rPr>
+              <a:t>s5</a:t>
+            </a:r>
+            <a:endParaRPr lang="en-US" sz="1400" dirty="0">
+              <a:solidFill>
                 <a:schemeClr val="tx1"/>
-              </a:fontRef>
-            </p:style>
-          </p:cxnSp>
-          <p:cxnSp>
-            <p:nvCxnSpPr>
-              <p:cNvPr id="135" name="Straight Arrow Connector 134">
-                <a:extLst>
-                  <a:ext uri="{FF2B5EF4-FFF2-40B4-BE49-F238E27FC236}">
-                    <a16:creationId xmlns:a16="http://schemas.microsoft.com/office/drawing/2014/main" id="{3E9639A9-DE77-42FA-93C2-433AA8CEF441}"/>
-                  </a:ext>
-                </a:extLst>
-              </p:cNvPr>
-              <p:cNvCxnSpPr>
-                <a:cxnSpLocks/>
-                <a:stCxn id="126" idx="6"/>
-                <a:endCxn id="124" idx="1"/>
-              </p:cNvCxnSpPr>
-              <p:nvPr/>
-            </p:nvCxnSpPr>
-            <p:spPr>
-              <a:xfrm flipV="1">
-                <a:off x="8856322" y="2370221"/>
-                <a:ext cx="656673" cy="874890"/>
-              </a:xfrm>
-              <a:prstGeom prst="straightConnector1">
-                <a:avLst/>
-              </a:prstGeom>
-              <a:ln w="19050">
+              </a:solidFill>
+              <a:latin typeface="Times New Roman" panose="02020603050405020304" pitchFamily="18" charset="0"/>
+              <a:cs typeface="Times New Roman" panose="02020603050405020304" pitchFamily="18" charset="0"/>
+            </a:endParaRPr>
+          </a:p>
+        </p:txBody>
+      </p:sp>
+      <p:sp>
+        <p:nvSpPr>
+          <p:cNvPr id="133" name="Oval 132">
+            <a:extLst>
+              <a:ext uri="{FF2B5EF4-FFF2-40B4-BE49-F238E27FC236}">
+                <a16:creationId xmlns:a16="http://schemas.microsoft.com/office/drawing/2014/main" id="{E941EF1A-9A0F-46C4-8FED-D06705253216}"/>
+              </a:ext>
+            </a:extLst>
+          </p:cNvPr>
+          <p:cNvSpPr>
+            <a:spLocks/>
+          </p:cNvSpPr>
+          <p:nvPr/>
+        </p:nvSpPr>
+        <p:spPr>
+          <a:xfrm>
+            <a:off x="9612219" y="2886854"/>
+            <a:ext cx="468000" cy="468000"/>
+          </a:xfrm>
+          <a:prstGeom prst="ellipse">
+            <a:avLst/>
+          </a:prstGeom>
+          <a:solidFill>
+            <a:schemeClr val="bg1"/>
+          </a:solidFill>
+          <a:ln w="19050">
+            <a:solidFill>
+              <a:schemeClr val="tx1"/>
+            </a:solidFill>
+          </a:ln>
+        </p:spPr>
+        <p:style>
+          <a:lnRef idx="2">
+            <a:schemeClr val="accent1">
+              <a:shade val="50000"/>
+            </a:schemeClr>
+          </a:lnRef>
+          <a:fillRef idx="1">
+            <a:schemeClr val="accent1"/>
+          </a:fillRef>
+          <a:effectRef idx="0">
+            <a:schemeClr val="accent1"/>
+          </a:effectRef>
+          <a:fontRef idx="minor">
+            <a:schemeClr val="lt1"/>
+          </a:fontRef>
+        </p:style>
+        <p:txBody>
+          <a:bodyPr lIns="0" tIns="0" rIns="0" bIns="0" rtlCol="0" anchor="ctr"/>
+          <a:lstStyle/>
+          <a:p>
+            <a:pPr algn="ctr"/>
+            <a:r>
+              <a:rPr lang="en-US" sz="1400" dirty="0">
                 <a:solidFill>
                   <a:schemeClr val="tx1"/>
                 </a:solidFill>
-                <a:tailEnd type="triangle"/>
-              </a:ln>
-            </p:spPr>
-            <p:style>
-              <a:lnRef idx="1">
-                <a:schemeClr val="accent1"/>
-              </a:lnRef>
-              <a:fillRef idx="0">
-                <a:schemeClr val="accent1"/>
-              </a:fillRef>
-              <a:effectRef idx="0">
-                <a:schemeClr val="accent1"/>
-              </a:effectRef>
-              <a:fontRef idx="minor">
-                <a:schemeClr val="tx1"/>
-              </a:fontRef>
-            </p:style>
-          </p:cxnSp>
-          <p:cxnSp>
-            <p:nvCxnSpPr>
-              <p:cNvPr id="136" name="Straight Arrow Connector 135">
-                <a:extLst>
-                  <a:ext uri="{FF2B5EF4-FFF2-40B4-BE49-F238E27FC236}">
-                    <a16:creationId xmlns:a16="http://schemas.microsoft.com/office/drawing/2014/main" id="{571227F2-50AD-48D2-B632-B05D7C06AB23}"/>
-                  </a:ext>
-                </a:extLst>
-              </p:cNvPr>
-              <p:cNvCxnSpPr>
-                <a:cxnSpLocks/>
-                <a:stCxn id="126" idx="6"/>
-                <a:endCxn id="125" idx="1"/>
-              </p:cNvCxnSpPr>
-              <p:nvPr/>
-            </p:nvCxnSpPr>
-            <p:spPr>
-              <a:xfrm>
-                <a:off x="8856322" y="3245111"/>
-                <a:ext cx="661115" cy="2322"/>
-              </a:xfrm>
-              <a:prstGeom prst="straightConnector1">
-                <a:avLst/>
-              </a:prstGeom>
-              <a:ln w="19050">
+                <a:latin typeface="Times New Roman" panose="02020603050405020304" pitchFamily="18" charset="0"/>
+                <a:cs typeface="Times New Roman" panose="02020603050405020304" pitchFamily="18" charset="0"/>
+              </a:rPr>
+              <a:t>u</a:t>
+            </a:r>
+            <a:r>
+              <a:rPr lang="en-US" sz="1400" baseline="-25000" dirty="0">
                 <a:solidFill>
                   <a:schemeClr val="tx1"/>
                 </a:solidFill>
-                <a:tailEnd type="triangle"/>
-              </a:ln>
-            </p:spPr>
-            <p:style>
-              <a:lnRef idx="1">
-                <a:schemeClr val="accent1"/>
-              </a:lnRef>
-              <a:fillRef idx="0">
-                <a:schemeClr val="accent1"/>
-              </a:fillRef>
-              <a:effectRef idx="0">
-                <a:schemeClr val="accent1"/>
-              </a:effectRef>
-              <a:fontRef idx="minor">
+                <a:latin typeface="Times New Roman" panose="02020603050405020304" pitchFamily="18" charset="0"/>
+                <a:cs typeface="Times New Roman" panose="02020603050405020304" pitchFamily="18" charset="0"/>
+              </a:rPr>
+              <a:t>s4</a:t>
+            </a:r>
+            <a:endParaRPr lang="en-US" sz="1400" dirty="0">
+              <a:solidFill>
                 <a:schemeClr val="tx1"/>
-              </a:fontRef>
-            </p:style>
-          </p:cxnSp>
-          <p:cxnSp>
-            <p:nvCxnSpPr>
-              <p:cNvPr id="137" name="Straight Arrow Connector 136">
-                <a:extLst>
-                  <a:ext uri="{FF2B5EF4-FFF2-40B4-BE49-F238E27FC236}">
-                    <a16:creationId xmlns:a16="http://schemas.microsoft.com/office/drawing/2014/main" id="{9FAF9AAC-2FAD-4A8C-A583-479378457EDE}"/>
-                  </a:ext>
-                </a:extLst>
-              </p:cNvPr>
-              <p:cNvCxnSpPr>
-                <a:cxnSpLocks/>
-                <a:stCxn id="126" idx="6"/>
-                <a:endCxn id="130" idx="1"/>
-              </p:cNvCxnSpPr>
-              <p:nvPr/>
-            </p:nvCxnSpPr>
-            <p:spPr>
-              <a:xfrm>
-                <a:off x="8856322" y="3245111"/>
-                <a:ext cx="661115" cy="882405"/>
-              </a:xfrm>
-              <a:prstGeom prst="straightConnector1">
-                <a:avLst/>
-              </a:prstGeom>
-              <a:ln w="19050">
+              </a:solidFill>
+              <a:latin typeface="Times New Roman" panose="02020603050405020304" pitchFamily="18" charset="0"/>
+              <a:cs typeface="Times New Roman" panose="02020603050405020304" pitchFamily="18" charset="0"/>
+            </a:endParaRPr>
+          </a:p>
+        </p:txBody>
+      </p:sp>
+      <p:cxnSp>
+        <p:nvCxnSpPr>
+          <p:cNvPr id="134" name="Straight Arrow Connector 133">
+            <a:extLst>
+              <a:ext uri="{FF2B5EF4-FFF2-40B4-BE49-F238E27FC236}">
+                <a16:creationId xmlns:a16="http://schemas.microsoft.com/office/drawing/2014/main" id="{262D07D9-9AA8-4909-B24F-9EEC7D321C05}"/>
+              </a:ext>
+            </a:extLst>
+          </p:cNvPr>
+          <p:cNvCxnSpPr>
+            <a:stCxn id="126" idx="6"/>
+            <a:endCxn id="123" idx="1"/>
+          </p:cNvCxnSpPr>
+          <p:nvPr/>
+        </p:nvCxnSpPr>
+        <p:spPr>
+          <a:xfrm flipV="1">
+            <a:off x="7949764" y="484216"/>
+            <a:ext cx="656673" cy="1750075"/>
+          </a:xfrm>
+          <a:prstGeom prst="straightConnector1">
+            <a:avLst/>
+          </a:prstGeom>
+          <a:ln w="19050">
+            <a:solidFill>
+              <a:schemeClr val="tx1"/>
+            </a:solidFill>
+            <a:tailEnd type="triangle"/>
+          </a:ln>
+        </p:spPr>
+        <p:style>
+          <a:lnRef idx="1">
+            <a:schemeClr val="accent1"/>
+          </a:lnRef>
+          <a:fillRef idx="0">
+            <a:schemeClr val="accent1"/>
+          </a:fillRef>
+          <a:effectRef idx="0">
+            <a:schemeClr val="accent1"/>
+          </a:effectRef>
+          <a:fontRef idx="minor">
+            <a:schemeClr val="tx1"/>
+          </a:fontRef>
+        </p:style>
+      </p:cxnSp>
+      <p:cxnSp>
+        <p:nvCxnSpPr>
+          <p:cNvPr id="135" name="Straight Arrow Connector 134">
+            <a:extLst>
+              <a:ext uri="{FF2B5EF4-FFF2-40B4-BE49-F238E27FC236}">
+                <a16:creationId xmlns:a16="http://schemas.microsoft.com/office/drawing/2014/main" id="{3E9639A9-DE77-42FA-93C2-433AA8CEF441}"/>
+              </a:ext>
+            </a:extLst>
+          </p:cNvPr>
+          <p:cNvCxnSpPr>
+            <a:cxnSpLocks/>
+            <a:stCxn id="126" idx="6"/>
+            <a:endCxn id="124" idx="1"/>
+          </p:cNvCxnSpPr>
+          <p:nvPr/>
+        </p:nvCxnSpPr>
+        <p:spPr>
+          <a:xfrm flipV="1">
+            <a:off x="7949764" y="1359401"/>
+            <a:ext cx="656673" cy="874890"/>
+          </a:xfrm>
+          <a:prstGeom prst="straightConnector1">
+            <a:avLst/>
+          </a:prstGeom>
+          <a:ln w="19050">
+            <a:solidFill>
+              <a:schemeClr val="tx1"/>
+            </a:solidFill>
+            <a:tailEnd type="triangle"/>
+          </a:ln>
+        </p:spPr>
+        <p:style>
+          <a:lnRef idx="1">
+            <a:schemeClr val="accent1"/>
+          </a:lnRef>
+          <a:fillRef idx="0">
+            <a:schemeClr val="accent1"/>
+          </a:fillRef>
+          <a:effectRef idx="0">
+            <a:schemeClr val="accent1"/>
+          </a:effectRef>
+          <a:fontRef idx="minor">
+            <a:schemeClr val="tx1"/>
+          </a:fontRef>
+        </p:style>
+      </p:cxnSp>
+      <p:cxnSp>
+        <p:nvCxnSpPr>
+          <p:cNvPr id="136" name="Straight Arrow Connector 135">
+            <a:extLst>
+              <a:ext uri="{FF2B5EF4-FFF2-40B4-BE49-F238E27FC236}">
+                <a16:creationId xmlns:a16="http://schemas.microsoft.com/office/drawing/2014/main" id="{571227F2-50AD-48D2-B632-B05D7C06AB23}"/>
+              </a:ext>
+            </a:extLst>
+          </p:cNvPr>
+          <p:cNvCxnSpPr>
+            <a:cxnSpLocks/>
+            <a:stCxn id="126" idx="6"/>
+            <a:endCxn id="125" idx="1"/>
+          </p:cNvCxnSpPr>
+          <p:nvPr/>
+        </p:nvCxnSpPr>
+        <p:spPr>
+          <a:xfrm>
+            <a:off x="7949764" y="2234291"/>
+            <a:ext cx="661115" cy="2322"/>
+          </a:xfrm>
+          <a:prstGeom prst="straightConnector1">
+            <a:avLst/>
+          </a:prstGeom>
+          <a:ln w="19050">
+            <a:solidFill>
+              <a:schemeClr val="tx1"/>
+            </a:solidFill>
+            <a:tailEnd type="triangle"/>
+          </a:ln>
+        </p:spPr>
+        <p:style>
+          <a:lnRef idx="1">
+            <a:schemeClr val="accent1"/>
+          </a:lnRef>
+          <a:fillRef idx="0">
+            <a:schemeClr val="accent1"/>
+          </a:fillRef>
+          <a:effectRef idx="0">
+            <a:schemeClr val="accent1"/>
+          </a:effectRef>
+          <a:fontRef idx="minor">
+            <a:schemeClr val="tx1"/>
+          </a:fontRef>
+        </p:style>
+      </p:cxnSp>
+      <p:cxnSp>
+        <p:nvCxnSpPr>
+          <p:cNvPr id="137" name="Straight Arrow Connector 136">
+            <a:extLst>
+              <a:ext uri="{FF2B5EF4-FFF2-40B4-BE49-F238E27FC236}">
+                <a16:creationId xmlns:a16="http://schemas.microsoft.com/office/drawing/2014/main" id="{9FAF9AAC-2FAD-4A8C-A583-479378457EDE}"/>
+              </a:ext>
+            </a:extLst>
+          </p:cNvPr>
+          <p:cNvCxnSpPr>
+            <a:cxnSpLocks/>
+            <a:stCxn id="126" idx="6"/>
+            <a:endCxn id="130" idx="1"/>
+          </p:cNvCxnSpPr>
+          <p:nvPr/>
+        </p:nvCxnSpPr>
+        <p:spPr>
+          <a:xfrm>
+            <a:off x="7949764" y="2234291"/>
+            <a:ext cx="661115" cy="882405"/>
+          </a:xfrm>
+          <a:prstGeom prst="straightConnector1">
+            <a:avLst/>
+          </a:prstGeom>
+          <a:ln w="19050">
+            <a:solidFill>
+              <a:schemeClr val="tx1"/>
+            </a:solidFill>
+            <a:tailEnd type="triangle"/>
+          </a:ln>
+        </p:spPr>
+        <p:style>
+          <a:lnRef idx="1">
+            <a:schemeClr val="accent1"/>
+          </a:lnRef>
+          <a:fillRef idx="0">
+            <a:schemeClr val="accent1"/>
+          </a:fillRef>
+          <a:effectRef idx="0">
+            <a:schemeClr val="accent1"/>
+          </a:effectRef>
+          <a:fontRef idx="minor">
+            <a:schemeClr val="tx1"/>
+          </a:fontRef>
+        </p:style>
+      </p:cxnSp>
+      <p:cxnSp>
+        <p:nvCxnSpPr>
+          <p:cNvPr id="138" name="Straight Arrow Connector 137">
+            <a:extLst>
+              <a:ext uri="{FF2B5EF4-FFF2-40B4-BE49-F238E27FC236}">
+                <a16:creationId xmlns:a16="http://schemas.microsoft.com/office/drawing/2014/main" id="{F44BCAF5-0C06-43FA-AC8E-20EA14446B6C}"/>
+              </a:ext>
+            </a:extLst>
+          </p:cNvPr>
+          <p:cNvCxnSpPr>
+            <a:cxnSpLocks/>
+            <a:stCxn id="126" idx="6"/>
+            <a:endCxn id="131" idx="1"/>
+          </p:cNvCxnSpPr>
+          <p:nvPr/>
+        </p:nvCxnSpPr>
+        <p:spPr>
+          <a:xfrm>
+            <a:off x="7949764" y="2234291"/>
+            <a:ext cx="656673" cy="1762488"/>
+          </a:xfrm>
+          <a:prstGeom prst="straightConnector1">
+            <a:avLst/>
+          </a:prstGeom>
+          <a:ln w="19050">
+            <a:solidFill>
+              <a:schemeClr val="tx1"/>
+            </a:solidFill>
+            <a:tailEnd type="triangle"/>
+          </a:ln>
+        </p:spPr>
+        <p:style>
+          <a:lnRef idx="1">
+            <a:schemeClr val="accent1"/>
+          </a:lnRef>
+          <a:fillRef idx="0">
+            <a:schemeClr val="accent1"/>
+          </a:fillRef>
+          <a:effectRef idx="0">
+            <a:schemeClr val="accent1"/>
+          </a:effectRef>
+          <a:fontRef idx="minor">
+            <a:schemeClr val="tx1"/>
+          </a:fontRef>
+        </p:style>
+      </p:cxnSp>
+      <p:cxnSp>
+        <p:nvCxnSpPr>
+          <p:cNvPr id="139" name="Straight Arrow Connector 138">
+            <a:extLst>
+              <a:ext uri="{FF2B5EF4-FFF2-40B4-BE49-F238E27FC236}">
+                <a16:creationId xmlns:a16="http://schemas.microsoft.com/office/drawing/2014/main" id="{40A46A4D-14E7-40D0-B71E-EC7093AE64E9}"/>
+              </a:ext>
+            </a:extLst>
+          </p:cNvPr>
+          <p:cNvCxnSpPr>
+            <a:cxnSpLocks/>
+            <a:stCxn id="123" idx="3"/>
+            <a:endCxn id="127" idx="2"/>
+          </p:cNvCxnSpPr>
+          <p:nvPr/>
+        </p:nvCxnSpPr>
+        <p:spPr>
+          <a:xfrm flipV="1">
+            <a:off x="9326437" y="482302"/>
+            <a:ext cx="285782" cy="1914"/>
+          </a:xfrm>
+          <a:prstGeom prst="straightConnector1">
+            <a:avLst/>
+          </a:prstGeom>
+          <a:ln w="19050">
+            <a:solidFill>
+              <a:schemeClr val="tx1"/>
+            </a:solidFill>
+            <a:headEnd type="triangle"/>
+            <a:tailEnd type="none"/>
+          </a:ln>
+        </p:spPr>
+        <p:style>
+          <a:lnRef idx="1">
+            <a:schemeClr val="accent1"/>
+          </a:lnRef>
+          <a:fillRef idx="0">
+            <a:schemeClr val="accent1"/>
+          </a:fillRef>
+          <a:effectRef idx="0">
+            <a:schemeClr val="accent1"/>
+          </a:effectRef>
+          <a:fontRef idx="minor">
+            <a:schemeClr val="tx1"/>
+          </a:fontRef>
+        </p:style>
+      </p:cxnSp>
+      <p:cxnSp>
+        <p:nvCxnSpPr>
+          <p:cNvPr id="140" name="Straight Arrow Connector 139">
+            <a:extLst>
+              <a:ext uri="{FF2B5EF4-FFF2-40B4-BE49-F238E27FC236}">
+                <a16:creationId xmlns:a16="http://schemas.microsoft.com/office/drawing/2014/main" id="{B92B5BCA-B726-49EA-AB3D-662BF092BCDD}"/>
+              </a:ext>
+            </a:extLst>
+          </p:cNvPr>
+          <p:cNvCxnSpPr>
+            <a:cxnSpLocks/>
+            <a:stCxn id="124" idx="3"/>
+            <a:endCxn id="129" idx="2"/>
+          </p:cNvCxnSpPr>
+          <p:nvPr/>
+        </p:nvCxnSpPr>
+        <p:spPr>
+          <a:xfrm flipV="1">
+            <a:off x="9326437" y="1358227"/>
+            <a:ext cx="285782" cy="1174"/>
+          </a:xfrm>
+          <a:prstGeom prst="straightConnector1">
+            <a:avLst/>
+          </a:prstGeom>
+          <a:ln w="19050">
+            <a:solidFill>
+              <a:schemeClr val="tx1"/>
+            </a:solidFill>
+            <a:headEnd type="triangle"/>
+            <a:tailEnd type="none"/>
+          </a:ln>
+        </p:spPr>
+        <p:style>
+          <a:lnRef idx="1">
+            <a:schemeClr val="accent1"/>
+          </a:lnRef>
+          <a:fillRef idx="0">
+            <a:schemeClr val="accent1"/>
+          </a:fillRef>
+          <a:effectRef idx="0">
+            <a:schemeClr val="accent1"/>
+          </a:effectRef>
+          <a:fontRef idx="minor">
+            <a:schemeClr val="tx1"/>
+          </a:fontRef>
+        </p:style>
+      </p:cxnSp>
+      <p:cxnSp>
+        <p:nvCxnSpPr>
+          <p:cNvPr id="141" name="Straight Arrow Connector 140">
+            <a:extLst>
+              <a:ext uri="{FF2B5EF4-FFF2-40B4-BE49-F238E27FC236}">
+                <a16:creationId xmlns:a16="http://schemas.microsoft.com/office/drawing/2014/main" id="{15D93FBD-3B31-4EFC-9370-B944BED0AB3C}"/>
+              </a:ext>
+            </a:extLst>
+          </p:cNvPr>
+          <p:cNvCxnSpPr>
+            <a:cxnSpLocks/>
+            <a:stCxn id="125" idx="3"/>
+            <a:endCxn id="128" idx="2"/>
+          </p:cNvCxnSpPr>
+          <p:nvPr/>
+        </p:nvCxnSpPr>
+        <p:spPr>
+          <a:xfrm flipV="1">
+            <a:off x="9330879" y="2234152"/>
+            <a:ext cx="281340" cy="2461"/>
+          </a:xfrm>
+          <a:prstGeom prst="straightConnector1">
+            <a:avLst/>
+          </a:prstGeom>
+          <a:ln w="19050">
+            <a:solidFill>
+              <a:schemeClr val="tx1"/>
+            </a:solidFill>
+            <a:headEnd type="triangle"/>
+            <a:tailEnd type="none"/>
+          </a:ln>
+        </p:spPr>
+        <p:style>
+          <a:lnRef idx="1">
+            <a:schemeClr val="accent1"/>
+          </a:lnRef>
+          <a:fillRef idx="0">
+            <a:schemeClr val="accent1"/>
+          </a:fillRef>
+          <a:effectRef idx="0">
+            <a:schemeClr val="accent1"/>
+          </a:effectRef>
+          <a:fontRef idx="minor">
+            <a:schemeClr val="tx1"/>
+          </a:fontRef>
+        </p:style>
+      </p:cxnSp>
+      <p:cxnSp>
+        <p:nvCxnSpPr>
+          <p:cNvPr id="142" name="Straight Arrow Connector 141">
+            <a:extLst>
+              <a:ext uri="{FF2B5EF4-FFF2-40B4-BE49-F238E27FC236}">
+                <a16:creationId xmlns:a16="http://schemas.microsoft.com/office/drawing/2014/main" id="{424CE4E8-9259-453D-A595-B163C7EA3CCA}"/>
+              </a:ext>
+            </a:extLst>
+          </p:cNvPr>
+          <p:cNvCxnSpPr>
+            <a:cxnSpLocks/>
+            <a:stCxn id="130" idx="3"/>
+            <a:endCxn id="133" idx="2"/>
+          </p:cNvCxnSpPr>
+          <p:nvPr/>
+        </p:nvCxnSpPr>
+        <p:spPr>
+          <a:xfrm>
+            <a:off x="9330879" y="3116696"/>
+            <a:ext cx="281340" cy="4158"/>
+          </a:xfrm>
+          <a:prstGeom prst="straightConnector1">
+            <a:avLst/>
+          </a:prstGeom>
+          <a:ln w="19050">
+            <a:solidFill>
+              <a:schemeClr val="tx1"/>
+            </a:solidFill>
+            <a:headEnd type="triangle"/>
+            <a:tailEnd type="none"/>
+          </a:ln>
+        </p:spPr>
+        <p:style>
+          <a:lnRef idx="1">
+            <a:schemeClr val="accent1"/>
+          </a:lnRef>
+          <a:fillRef idx="0">
+            <a:schemeClr val="accent1"/>
+          </a:fillRef>
+          <a:effectRef idx="0">
+            <a:schemeClr val="accent1"/>
+          </a:effectRef>
+          <a:fontRef idx="minor">
+            <a:schemeClr val="tx1"/>
+          </a:fontRef>
+        </p:style>
+      </p:cxnSp>
+      <p:cxnSp>
+        <p:nvCxnSpPr>
+          <p:cNvPr id="143" name="Straight Arrow Connector 142">
+            <a:extLst>
+              <a:ext uri="{FF2B5EF4-FFF2-40B4-BE49-F238E27FC236}">
+                <a16:creationId xmlns:a16="http://schemas.microsoft.com/office/drawing/2014/main" id="{3D20CA45-3062-4D86-8380-313DC357B708}"/>
+              </a:ext>
+            </a:extLst>
+          </p:cNvPr>
+          <p:cNvCxnSpPr>
+            <a:cxnSpLocks/>
+            <a:stCxn id="131" idx="3"/>
+            <a:endCxn id="132" idx="2"/>
+          </p:cNvCxnSpPr>
+          <p:nvPr/>
+        </p:nvCxnSpPr>
+        <p:spPr>
+          <a:xfrm>
+            <a:off x="9326437" y="3996779"/>
+            <a:ext cx="285782" cy="0"/>
+          </a:xfrm>
+          <a:prstGeom prst="straightConnector1">
+            <a:avLst/>
+          </a:prstGeom>
+          <a:ln w="19050">
+            <a:solidFill>
+              <a:schemeClr val="tx1"/>
+            </a:solidFill>
+            <a:headEnd type="triangle"/>
+            <a:tailEnd type="none"/>
+          </a:ln>
+        </p:spPr>
+        <p:style>
+          <a:lnRef idx="1">
+            <a:schemeClr val="accent1"/>
+          </a:lnRef>
+          <a:fillRef idx="0">
+            <a:schemeClr val="accent1"/>
+          </a:fillRef>
+          <a:effectRef idx="0">
+            <a:schemeClr val="accent1"/>
+          </a:effectRef>
+          <a:fontRef idx="minor">
+            <a:schemeClr val="tx1"/>
+          </a:fontRef>
+        </p:style>
+      </p:cxnSp>
+      <p:sp>
+        <p:nvSpPr>
+          <p:cNvPr id="161" name="Oval 160">
+            <a:extLst>
+              <a:ext uri="{FF2B5EF4-FFF2-40B4-BE49-F238E27FC236}">
+                <a16:creationId xmlns:a16="http://schemas.microsoft.com/office/drawing/2014/main" id="{1D752891-C1FD-4649-A5C9-742B0657C841}"/>
+              </a:ext>
+            </a:extLst>
+          </p:cNvPr>
+          <p:cNvSpPr>
+            <a:spLocks noChangeAspect="1"/>
+          </p:cNvSpPr>
+          <p:nvPr/>
+        </p:nvSpPr>
+        <p:spPr>
+          <a:xfrm>
+            <a:off x="7049764" y="760570"/>
+            <a:ext cx="540000" cy="540000"/>
+          </a:xfrm>
+          <a:prstGeom prst="ellipse">
+            <a:avLst/>
+          </a:prstGeom>
+          <a:solidFill>
+            <a:schemeClr val="bg1"/>
+          </a:solidFill>
+          <a:ln w="19050">
+            <a:solidFill>
+              <a:schemeClr val="tx1"/>
+            </a:solidFill>
+          </a:ln>
+        </p:spPr>
+        <p:style>
+          <a:lnRef idx="2">
+            <a:schemeClr val="accent1">
+              <a:shade val="50000"/>
+            </a:schemeClr>
+          </a:lnRef>
+          <a:fillRef idx="1">
+            <a:schemeClr val="accent1"/>
+          </a:fillRef>
+          <a:effectRef idx="0">
+            <a:schemeClr val="accent1"/>
+          </a:effectRef>
+          <a:fontRef idx="minor">
+            <a:schemeClr val="lt1"/>
+          </a:fontRef>
+        </p:style>
+        <p:txBody>
+          <a:bodyPr rtlCol="0" anchor="ctr"/>
+          <a:lstStyle/>
+          <a:p>
+            <a:pPr algn="ctr"/>
+            <a:r>
+              <a:rPr lang="en-US" sz="1400" dirty="0">
                 <a:solidFill>
                   <a:schemeClr val="tx1"/>
                 </a:solidFill>
-                <a:tailEnd type="triangle"/>
-              </a:ln>
-            </p:spPr>
-            <p:style>
-              <a:lnRef idx="1">
-                <a:schemeClr val="accent1"/>
-              </a:lnRef>
-              <a:fillRef idx="0">
-                <a:schemeClr val="accent1"/>
-              </a:fillRef>
-              <a:effectRef idx="0">
-                <a:schemeClr val="accent1"/>
-              </a:effectRef>
-              <a:fontRef idx="minor">
-                <a:schemeClr val="tx1"/>
-              </a:fontRef>
-            </p:style>
-          </p:cxnSp>
-          <p:cxnSp>
-            <p:nvCxnSpPr>
-              <p:cNvPr id="138" name="Straight Arrow Connector 137">
-                <a:extLst>
-                  <a:ext uri="{FF2B5EF4-FFF2-40B4-BE49-F238E27FC236}">
-                    <a16:creationId xmlns:a16="http://schemas.microsoft.com/office/drawing/2014/main" id="{F44BCAF5-0C06-43FA-AC8E-20EA14446B6C}"/>
-                  </a:ext>
-                </a:extLst>
-              </p:cNvPr>
-              <p:cNvCxnSpPr>
-                <a:cxnSpLocks/>
-                <a:stCxn id="126" idx="6"/>
-                <a:endCxn id="131" idx="1"/>
-              </p:cNvCxnSpPr>
-              <p:nvPr/>
-            </p:nvCxnSpPr>
-            <p:spPr>
-              <a:xfrm>
-                <a:off x="8856322" y="3245111"/>
-                <a:ext cx="656673" cy="1762488"/>
-              </a:xfrm>
-              <a:prstGeom prst="straightConnector1">
-                <a:avLst/>
-              </a:prstGeom>
-              <a:ln w="19050">
+                <a:latin typeface="Times New Roman" panose="02020603050405020304" pitchFamily="18" charset="0"/>
+                <a:cs typeface="Times New Roman" panose="02020603050405020304" pitchFamily="18" charset="0"/>
+              </a:rPr>
+              <a:t>e</a:t>
+            </a:r>
+            <a:r>
+              <a:rPr lang="en-US" sz="1400" baseline="-25000" dirty="0">
                 <a:solidFill>
                   <a:schemeClr val="tx1"/>
                 </a:solidFill>
-                <a:tailEnd type="triangle"/>
-              </a:ln>
-            </p:spPr>
-            <p:style>
-              <a:lnRef idx="1">
-                <a:schemeClr val="accent1"/>
-              </a:lnRef>
-              <a:fillRef idx="0">
-                <a:schemeClr val="accent1"/>
-              </a:fillRef>
-              <a:effectRef idx="0">
-                <a:schemeClr val="accent1"/>
-              </a:effectRef>
-              <a:fontRef idx="minor">
+                <a:latin typeface="Times New Roman" panose="02020603050405020304" pitchFamily="18" charset="0"/>
+                <a:cs typeface="Times New Roman" panose="02020603050405020304" pitchFamily="18" charset="0"/>
+              </a:rPr>
+              <a:t>2</a:t>
+            </a:r>
+            <a:endParaRPr lang="en-US" sz="1400" dirty="0">
+              <a:solidFill>
                 <a:schemeClr val="tx1"/>
-              </a:fontRef>
-            </p:style>
-          </p:cxnSp>
-          <p:cxnSp>
-            <p:nvCxnSpPr>
-              <p:cNvPr id="139" name="Straight Arrow Connector 138">
-                <a:extLst>
-                  <a:ext uri="{FF2B5EF4-FFF2-40B4-BE49-F238E27FC236}">
-                    <a16:creationId xmlns:a16="http://schemas.microsoft.com/office/drawing/2014/main" id="{40A46A4D-14E7-40D0-B71E-EC7093AE64E9}"/>
-                  </a:ext>
-                </a:extLst>
-              </p:cNvPr>
-              <p:cNvCxnSpPr>
-                <a:cxnSpLocks/>
-                <a:stCxn id="123" idx="3"/>
-                <a:endCxn id="127" idx="2"/>
-              </p:cNvCxnSpPr>
-              <p:nvPr/>
-            </p:nvCxnSpPr>
-            <p:spPr>
-              <a:xfrm flipV="1">
-                <a:off x="10232995" y="1493122"/>
-                <a:ext cx="285782" cy="1914"/>
-              </a:xfrm>
-              <a:prstGeom prst="straightConnector1">
-                <a:avLst/>
-              </a:prstGeom>
-              <a:ln w="19050">
-                <a:solidFill>
-                  <a:schemeClr val="tx1"/>
-                </a:solidFill>
-                <a:tailEnd type="triangle"/>
-              </a:ln>
-            </p:spPr>
-            <p:style>
-              <a:lnRef idx="1">
-                <a:schemeClr val="accent1"/>
-              </a:lnRef>
-              <a:fillRef idx="0">
-                <a:schemeClr val="accent1"/>
-              </a:fillRef>
-              <a:effectRef idx="0">
-                <a:schemeClr val="accent1"/>
-              </a:effectRef>
-              <a:fontRef idx="minor">
-                <a:schemeClr val="tx1"/>
-              </a:fontRef>
-            </p:style>
-          </p:cxnSp>
-          <p:cxnSp>
-            <p:nvCxnSpPr>
-              <p:cNvPr id="140" name="Straight Arrow Connector 139">
-                <a:extLst>
-                  <a:ext uri="{FF2B5EF4-FFF2-40B4-BE49-F238E27FC236}">
-                    <a16:creationId xmlns:a16="http://schemas.microsoft.com/office/drawing/2014/main" id="{B92B5BCA-B726-49EA-AB3D-662BF092BCDD}"/>
-                  </a:ext>
-                </a:extLst>
-              </p:cNvPr>
-              <p:cNvCxnSpPr>
-                <a:cxnSpLocks/>
-                <a:stCxn id="124" idx="3"/>
-                <a:endCxn id="129" idx="2"/>
-              </p:cNvCxnSpPr>
-              <p:nvPr/>
-            </p:nvCxnSpPr>
-            <p:spPr>
-              <a:xfrm flipV="1">
-                <a:off x="10232995" y="2369047"/>
-                <a:ext cx="285782" cy="1174"/>
-              </a:xfrm>
-              <a:prstGeom prst="straightConnector1">
-                <a:avLst/>
-              </a:prstGeom>
-              <a:ln w="19050">
-                <a:solidFill>
-                  <a:schemeClr val="tx1"/>
-                </a:solidFill>
-                <a:tailEnd type="triangle"/>
-              </a:ln>
-            </p:spPr>
-            <p:style>
-              <a:lnRef idx="1">
-                <a:schemeClr val="accent1"/>
-              </a:lnRef>
-              <a:fillRef idx="0">
-                <a:schemeClr val="accent1"/>
-              </a:fillRef>
-              <a:effectRef idx="0">
-                <a:schemeClr val="accent1"/>
-              </a:effectRef>
-              <a:fontRef idx="minor">
-                <a:schemeClr val="tx1"/>
-              </a:fontRef>
-            </p:style>
-          </p:cxnSp>
-          <p:cxnSp>
-            <p:nvCxnSpPr>
-              <p:cNvPr id="141" name="Straight Arrow Connector 140">
-                <a:extLst>
-                  <a:ext uri="{FF2B5EF4-FFF2-40B4-BE49-F238E27FC236}">
-                    <a16:creationId xmlns:a16="http://schemas.microsoft.com/office/drawing/2014/main" id="{15D93FBD-3B31-4EFC-9370-B944BED0AB3C}"/>
-                  </a:ext>
-                </a:extLst>
-              </p:cNvPr>
-              <p:cNvCxnSpPr>
-                <a:cxnSpLocks/>
-                <a:stCxn id="125" idx="3"/>
-                <a:endCxn id="128" idx="2"/>
-              </p:cNvCxnSpPr>
-              <p:nvPr/>
-            </p:nvCxnSpPr>
-            <p:spPr>
-              <a:xfrm flipV="1">
-                <a:off x="10237437" y="3244972"/>
-                <a:ext cx="281340" cy="2461"/>
-              </a:xfrm>
-              <a:prstGeom prst="straightConnector1">
-                <a:avLst/>
-              </a:prstGeom>
-              <a:ln w="19050">
-                <a:solidFill>
-                  <a:schemeClr val="tx1"/>
-                </a:solidFill>
-                <a:tailEnd type="triangle"/>
-              </a:ln>
-            </p:spPr>
-            <p:style>
-              <a:lnRef idx="1">
-                <a:schemeClr val="accent1"/>
-              </a:lnRef>
-              <a:fillRef idx="0">
-                <a:schemeClr val="accent1"/>
-              </a:fillRef>
-              <a:effectRef idx="0">
-                <a:schemeClr val="accent1"/>
-              </a:effectRef>
-              <a:fontRef idx="minor">
-                <a:schemeClr val="tx1"/>
-              </a:fontRef>
-            </p:style>
-          </p:cxnSp>
-          <p:cxnSp>
-            <p:nvCxnSpPr>
-              <p:cNvPr id="142" name="Straight Arrow Connector 141">
-                <a:extLst>
-                  <a:ext uri="{FF2B5EF4-FFF2-40B4-BE49-F238E27FC236}">
-                    <a16:creationId xmlns:a16="http://schemas.microsoft.com/office/drawing/2014/main" id="{424CE4E8-9259-453D-A595-B163C7EA3CCA}"/>
-                  </a:ext>
-                </a:extLst>
-              </p:cNvPr>
-              <p:cNvCxnSpPr>
-                <a:cxnSpLocks/>
-                <a:stCxn id="130" idx="3"/>
-                <a:endCxn id="133" idx="2"/>
-              </p:cNvCxnSpPr>
-              <p:nvPr/>
-            </p:nvCxnSpPr>
-            <p:spPr>
-              <a:xfrm>
-                <a:off x="10237437" y="4127516"/>
-                <a:ext cx="281340" cy="4158"/>
-              </a:xfrm>
-              <a:prstGeom prst="straightConnector1">
-                <a:avLst/>
-              </a:prstGeom>
-              <a:ln w="19050">
-                <a:solidFill>
-                  <a:schemeClr val="tx1"/>
-                </a:solidFill>
-                <a:tailEnd type="triangle"/>
-              </a:ln>
-            </p:spPr>
-            <p:style>
-              <a:lnRef idx="1">
-                <a:schemeClr val="accent1"/>
-              </a:lnRef>
-              <a:fillRef idx="0">
-                <a:schemeClr val="accent1"/>
-              </a:fillRef>
-              <a:effectRef idx="0">
-                <a:schemeClr val="accent1"/>
-              </a:effectRef>
-              <a:fontRef idx="minor">
-                <a:schemeClr val="tx1"/>
-              </a:fontRef>
-            </p:style>
-          </p:cxnSp>
-          <p:cxnSp>
-            <p:nvCxnSpPr>
-              <p:cNvPr id="143" name="Straight Arrow Connector 142">
-                <a:extLst>
-                  <a:ext uri="{FF2B5EF4-FFF2-40B4-BE49-F238E27FC236}">
-                    <a16:creationId xmlns:a16="http://schemas.microsoft.com/office/drawing/2014/main" id="{3D20CA45-3062-4D86-8380-313DC357B708}"/>
-                  </a:ext>
-                </a:extLst>
-              </p:cNvPr>
-              <p:cNvCxnSpPr>
-                <a:cxnSpLocks/>
-                <a:stCxn id="131" idx="3"/>
-                <a:endCxn id="132" idx="2"/>
-              </p:cNvCxnSpPr>
-              <p:nvPr/>
-            </p:nvCxnSpPr>
-            <p:spPr>
-              <a:xfrm>
-                <a:off x="10232995" y="5007599"/>
-                <a:ext cx="285782" cy="0"/>
-              </a:xfrm>
-              <a:prstGeom prst="straightConnector1">
-                <a:avLst/>
-              </a:prstGeom>
-              <a:ln w="19050">
-                <a:solidFill>
-                  <a:schemeClr val="tx1"/>
-                </a:solidFill>
-                <a:tailEnd type="triangle"/>
-              </a:ln>
-            </p:spPr>
-            <p:style>
-              <a:lnRef idx="1">
-                <a:schemeClr val="accent1"/>
-              </a:lnRef>
-              <a:fillRef idx="0">
-                <a:schemeClr val="accent1"/>
-              </a:fillRef>
-              <a:effectRef idx="0">
-                <a:schemeClr val="accent1"/>
-              </a:effectRef>
-              <a:fontRef idx="minor">
-                <a:schemeClr val="tx1"/>
-              </a:fontRef>
-            </p:style>
-          </p:cxnSp>
-          <p:sp>
-            <p:nvSpPr>
-              <p:cNvPr id="161" name="Oval 160">
-                <a:extLst>
-                  <a:ext uri="{FF2B5EF4-FFF2-40B4-BE49-F238E27FC236}">
-                    <a16:creationId xmlns:a16="http://schemas.microsoft.com/office/drawing/2014/main" id="{1D752891-C1FD-4649-A5C9-742B0657C841}"/>
-                  </a:ext>
-                </a:extLst>
-              </p:cNvPr>
-              <p:cNvSpPr>
-                <a:spLocks noChangeAspect="1"/>
-              </p:cNvSpPr>
-              <p:nvPr/>
-            </p:nvSpPr>
-            <p:spPr>
-              <a:xfrm>
-                <a:off x="7956322" y="1771390"/>
-                <a:ext cx="540000" cy="540000"/>
-              </a:xfrm>
-              <a:prstGeom prst="ellipse">
-                <a:avLst/>
-              </a:prstGeom>
-              <a:solidFill>
-                <a:schemeClr val="bg1"/>
               </a:solidFill>
-              <a:ln w="19050">
-                <a:solidFill>
-                  <a:schemeClr val="tx1"/>
-                </a:solidFill>
-              </a:ln>
-            </p:spPr>
-            <p:style>
-              <a:lnRef idx="2">
-                <a:schemeClr val="accent1">
-                  <a:shade val="50000"/>
-                </a:schemeClr>
-              </a:lnRef>
-              <a:fillRef idx="1">
-                <a:schemeClr val="accent1"/>
-              </a:fillRef>
-              <a:effectRef idx="0">
-                <a:schemeClr val="accent1"/>
-              </a:effectRef>
-              <a:fontRef idx="minor">
-                <a:schemeClr val="lt1"/>
-              </a:fontRef>
-            </p:style>
-            <p:txBody>
-              <a:bodyPr rtlCol="0" anchor="ctr"/>
-              <a:lstStyle/>
-              <a:p>
-                <a:pPr algn="ctr"/>
-                <a:r>
-                  <a:rPr lang="en-US" sz="1400" dirty="0">
-                    <a:solidFill>
-                      <a:schemeClr val="tx1"/>
-                    </a:solidFill>
-                    <a:latin typeface="Times New Roman" panose="02020603050405020304" pitchFamily="18" charset="0"/>
-                    <a:cs typeface="Times New Roman" panose="02020603050405020304" pitchFamily="18" charset="0"/>
-                  </a:rPr>
-                  <a:t>e</a:t>
-                </a:r>
-                <a:r>
-                  <a:rPr lang="en-US" sz="1400" baseline="-25000" dirty="0">
-                    <a:solidFill>
-                      <a:schemeClr val="tx1"/>
-                    </a:solidFill>
-                    <a:latin typeface="Times New Roman" panose="02020603050405020304" pitchFamily="18" charset="0"/>
-                    <a:cs typeface="Times New Roman" panose="02020603050405020304" pitchFamily="18" charset="0"/>
-                  </a:rPr>
-                  <a:t>2</a:t>
-                </a:r>
-                <a:endParaRPr lang="en-US" sz="1400" dirty="0">
-                  <a:solidFill>
-                    <a:schemeClr val="tx1"/>
-                  </a:solidFill>
-                  <a:latin typeface="Times New Roman" panose="02020603050405020304" pitchFamily="18" charset="0"/>
-                  <a:cs typeface="Times New Roman" panose="02020603050405020304" pitchFamily="18" charset="0"/>
-                </a:endParaRPr>
-              </a:p>
-            </p:txBody>
-          </p:sp>
-          <p:cxnSp>
-            <p:nvCxnSpPr>
-              <p:cNvPr id="162" name="Straight Arrow Connector 161">
-                <a:extLst>
-                  <a:ext uri="{FF2B5EF4-FFF2-40B4-BE49-F238E27FC236}">
-                    <a16:creationId xmlns:a16="http://schemas.microsoft.com/office/drawing/2014/main" id="{D509A511-698D-4086-B5F8-DCF6215DB2DD}"/>
-                  </a:ext>
-                </a:extLst>
-              </p:cNvPr>
-              <p:cNvCxnSpPr>
-                <a:cxnSpLocks/>
-                <a:stCxn id="161" idx="4"/>
-                <a:endCxn id="126" idx="0"/>
-              </p:cNvCxnSpPr>
-              <p:nvPr/>
-            </p:nvCxnSpPr>
-            <p:spPr>
-              <a:xfrm>
-                <a:off x="8226322" y="2311390"/>
-                <a:ext cx="0" cy="303721"/>
-              </a:xfrm>
-              <a:prstGeom prst="straightConnector1">
-                <a:avLst/>
-              </a:prstGeom>
-              <a:ln w="19050">
-                <a:solidFill>
-                  <a:schemeClr val="tx1"/>
-                </a:solidFill>
-                <a:tailEnd type="triangle"/>
-              </a:ln>
-            </p:spPr>
-            <p:style>
-              <a:lnRef idx="1">
-                <a:schemeClr val="accent1"/>
-              </a:lnRef>
-              <a:fillRef idx="0">
-                <a:schemeClr val="accent1"/>
-              </a:fillRef>
-              <a:effectRef idx="0">
-                <a:schemeClr val="accent1"/>
-              </a:effectRef>
-              <a:fontRef idx="minor">
-                <a:schemeClr val="tx1"/>
-              </a:fontRef>
-            </p:style>
-          </p:cxnSp>
-        </p:grpSp>
-      </p:grpSp>
+              <a:latin typeface="Times New Roman" panose="02020603050405020304" pitchFamily="18" charset="0"/>
+              <a:cs typeface="Times New Roman" panose="02020603050405020304" pitchFamily="18" charset="0"/>
+            </a:endParaRPr>
+          </a:p>
+        </p:txBody>
+      </p:sp>
+      <p:cxnSp>
+        <p:nvCxnSpPr>
+          <p:cNvPr id="162" name="Straight Arrow Connector 161">
+            <a:extLst>
+              <a:ext uri="{FF2B5EF4-FFF2-40B4-BE49-F238E27FC236}">
+                <a16:creationId xmlns:a16="http://schemas.microsoft.com/office/drawing/2014/main" id="{D509A511-698D-4086-B5F8-DCF6215DB2DD}"/>
+              </a:ext>
+            </a:extLst>
+          </p:cNvPr>
+          <p:cNvCxnSpPr>
+            <a:cxnSpLocks/>
+            <a:stCxn id="161" idx="4"/>
+            <a:endCxn id="126" idx="0"/>
+          </p:cNvCxnSpPr>
+          <p:nvPr/>
+        </p:nvCxnSpPr>
+        <p:spPr>
+          <a:xfrm>
+            <a:off x="7319764" y="1300570"/>
+            <a:ext cx="0" cy="303721"/>
+          </a:xfrm>
+          <a:prstGeom prst="straightConnector1">
+            <a:avLst/>
+          </a:prstGeom>
+          <a:ln w="19050">
+            <a:solidFill>
+              <a:schemeClr val="tx1"/>
+            </a:solidFill>
+            <a:tailEnd type="triangle"/>
+          </a:ln>
+        </p:spPr>
+        <p:style>
+          <a:lnRef idx="1">
+            <a:schemeClr val="accent1"/>
+          </a:lnRef>
+          <a:fillRef idx="0">
+            <a:schemeClr val="accent1"/>
+          </a:fillRef>
+          <a:effectRef idx="0">
+            <a:schemeClr val="accent1"/>
+          </a:effectRef>
+          <a:fontRef idx="minor">
+            <a:schemeClr val="tx1"/>
+          </a:fontRef>
+        </p:style>
+      </p:cxnSp>
     </p:spTree>
     <p:extLst>
       <p:ext uri="{BB962C8B-B14F-4D97-AF65-F5344CB8AC3E}">
